--- a/18 - Descrição dos Processos de Negócio.pptx
+++ b/18 - Descrição dos Processos de Negócio.pptx
@@ -9,6 +9,8 @@
     <p:sldId id="258" r:id="rId3"/>
     <p:sldId id="259" r:id="rId4"/>
     <p:sldId id="257" r:id="rId5"/>
+    <p:sldId id="260" r:id="rId6"/>
+    <p:sldId id="261" r:id="rId7"/>
   </p:sldIdLst>
   <p:sldSz cx="12192000" cy="6858000"/>
   <p:notesSz cx="6858000" cy="9144000"/>
@@ -246,7 +248,7 @@
           <a:p>
             <a:fld id="{A6A0B6C0-4FB8-44D1-BA1C-C44D318A3A4A}" type="datetimeFigureOut">
               <a:rPr lang="pt-BR" smtClean="0"/>
-              <a:t>18/09/2020</a:t>
+              <a:t>09/10/2020</a:t>
             </a:fld>
             <a:endParaRPr lang="pt-BR"/>
           </a:p>
@@ -416,7 +418,7 @@
           <a:p>
             <a:fld id="{A6A0B6C0-4FB8-44D1-BA1C-C44D318A3A4A}" type="datetimeFigureOut">
               <a:rPr lang="pt-BR" smtClean="0"/>
-              <a:t>18/09/2020</a:t>
+              <a:t>09/10/2020</a:t>
             </a:fld>
             <a:endParaRPr lang="pt-BR"/>
           </a:p>
@@ -596,7 +598,7 @@
           <a:p>
             <a:fld id="{A6A0B6C0-4FB8-44D1-BA1C-C44D318A3A4A}" type="datetimeFigureOut">
               <a:rPr lang="pt-BR" smtClean="0"/>
-              <a:t>18/09/2020</a:t>
+              <a:t>09/10/2020</a:t>
             </a:fld>
             <a:endParaRPr lang="pt-BR"/>
           </a:p>
@@ -766,7 +768,7 @@
           <a:p>
             <a:fld id="{A6A0B6C0-4FB8-44D1-BA1C-C44D318A3A4A}" type="datetimeFigureOut">
               <a:rPr lang="pt-BR" smtClean="0"/>
-              <a:t>18/09/2020</a:t>
+              <a:t>09/10/2020</a:t>
             </a:fld>
             <a:endParaRPr lang="pt-BR"/>
           </a:p>
@@ -1012,7 +1014,7 @@
           <a:p>
             <a:fld id="{A6A0B6C0-4FB8-44D1-BA1C-C44D318A3A4A}" type="datetimeFigureOut">
               <a:rPr lang="pt-BR" smtClean="0"/>
-              <a:t>18/09/2020</a:t>
+              <a:t>09/10/2020</a:t>
             </a:fld>
             <a:endParaRPr lang="pt-BR"/>
           </a:p>
@@ -1244,7 +1246,7 @@
           <a:p>
             <a:fld id="{A6A0B6C0-4FB8-44D1-BA1C-C44D318A3A4A}" type="datetimeFigureOut">
               <a:rPr lang="pt-BR" smtClean="0"/>
-              <a:t>18/09/2020</a:t>
+              <a:t>09/10/2020</a:t>
             </a:fld>
             <a:endParaRPr lang="pt-BR"/>
           </a:p>
@@ -1611,7 +1613,7 @@
           <a:p>
             <a:fld id="{A6A0B6C0-4FB8-44D1-BA1C-C44D318A3A4A}" type="datetimeFigureOut">
               <a:rPr lang="pt-BR" smtClean="0"/>
-              <a:t>18/09/2020</a:t>
+              <a:t>09/10/2020</a:t>
             </a:fld>
             <a:endParaRPr lang="pt-BR"/>
           </a:p>
@@ -1729,7 +1731,7 @@
           <a:p>
             <a:fld id="{A6A0B6C0-4FB8-44D1-BA1C-C44D318A3A4A}" type="datetimeFigureOut">
               <a:rPr lang="pt-BR" smtClean="0"/>
-              <a:t>18/09/2020</a:t>
+              <a:t>09/10/2020</a:t>
             </a:fld>
             <a:endParaRPr lang="pt-BR"/>
           </a:p>
@@ -1824,7 +1826,7 @@
           <a:p>
             <a:fld id="{A6A0B6C0-4FB8-44D1-BA1C-C44D318A3A4A}" type="datetimeFigureOut">
               <a:rPr lang="pt-BR" smtClean="0"/>
-              <a:t>18/09/2020</a:t>
+              <a:t>09/10/2020</a:t>
             </a:fld>
             <a:endParaRPr lang="pt-BR"/>
           </a:p>
@@ -2101,7 +2103,7 @@
           <a:p>
             <a:fld id="{A6A0B6C0-4FB8-44D1-BA1C-C44D318A3A4A}" type="datetimeFigureOut">
               <a:rPr lang="pt-BR" smtClean="0"/>
-              <a:t>18/09/2020</a:t>
+              <a:t>09/10/2020</a:t>
             </a:fld>
             <a:endParaRPr lang="pt-BR"/>
           </a:p>
@@ -2354,7 +2356,7 @@
           <a:p>
             <a:fld id="{A6A0B6C0-4FB8-44D1-BA1C-C44D318A3A4A}" type="datetimeFigureOut">
               <a:rPr lang="pt-BR" smtClean="0"/>
-              <a:t>18/09/2020</a:t>
+              <a:t>09/10/2020</a:t>
             </a:fld>
             <a:endParaRPr lang="pt-BR"/>
           </a:p>
@@ -2567,7 +2569,7 @@
           <a:p>
             <a:fld id="{A6A0B6C0-4FB8-44D1-BA1C-C44D318A3A4A}" type="datetimeFigureOut">
               <a:rPr lang="pt-BR" smtClean="0"/>
-              <a:t>18/09/2020</a:t>
+              <a:t>09/10/2020</a:t>
             </a:fld>
             <a:endParaRPr lang="pt-BR"/>
           </a:p>
@@ -3024,7 +3026,7 @@
           <p:cNvPr id="5" name="Espaço Reservado para Conteúdo 2">
             <a:extLst>
               <a:ext uri="{FF2B5EF4-FFF2-40B4-BE49-F238E27FC236}">
-                <a16:creationId xmlns:a16="http://schemas.microsoft.com/office/drawing/2014/main" xmlns="" id="{F21868BC-3263-4148-A116-9A1B781D7959}"/>
+                <a16:creationId xmlns="" xmlns:a16="http://schemas.microsoft.com/office/drawing/2014/main" id="{F21868BC-3263-4148-A116-9A1B781D7959}"/>
               </a:ext>
             </a:extLst>
           </p:cNvPr>
@@ -3276,7 +3278,7 @@
                 <a:latin typeface="Arial" panose="020B0604020202020204" pitchFamily="34" charset="0"/>
                 <a:cs typeface="Arial" panose="020B0604020202020204" pitchFamily="34" charset="0"/>
               </a:rPr>
-              <a:t>Ao cliente chegar, registrar no pedido os produtos solicitados.</a:t>
+              <a:t>Registrar no pedido os produtos solicitados.</a:t>
             </a:r>
           </a:p>
           <a:p>
@@ -3286,47 +3288,16 @@
                 <a:latin typeface="Arial" panose="020B0604020202020204" pitchFamily="34" charset="0"/>
                 <a:cs typeface="Arial" panose="020B0604020202020204" pitchFamily="34" charset="0"/>
               </a:rPr>
-              <a:t>Se não houver algum produto que o cliente pediu, então informar ao cliente de que aquele produto não está disponível.</a:t>
-            </a:r>
-          </a:p>
-          <a:p>
-            <a:pPr lvl="1"/>
+              <a:t>Se não houver algum produto que o cliente pediu, então informar ao cliente de que aquele produto não está disponível e questionar se ele deseja fazer a encomenda.</a:t>
+            </a:r>
+          </a:p>
+          <a:p>
             <a:r>
               <a:rPr lang="pt-BR" sz="1600" dirty="0" smtClean="0">
                 <a:latin typeface="Arial" panose="020B0604020202020204" pitchFamily="34" charset="0"/>
                 <a:cs typeface="Arial" panose="020B0604020202020204" pitchFamily="34" charset="0"/>
               </a:rPr>
-              <a:t>Se o produto não estiver disponível e o cliente tem interesse na encomenda.</a:t>
-            </a:r>
-          </a:p>
-          <a:p>
-            <a:r>
-              <a:rPr lang="pt-BR" sz="1600" dirty="0" smtClean="0">
-                <a:latin typeface="Arial" panose="020B0604020202020204" pitchFamily="34" charset="0"/>
-                <a:cs typeface="Arial" panose="020B0604020202020204" pitchFamily="34" charset="0"/>
-              </a:rPr>
-              <a:t>Preencher </a:t>
-            </a:r>
-            <a:r>
-              <a:rPr lang="pt-BR" sz="1600" dirty="0" smtClean="0">
-                <a:latin typeface="Arial" panose="020B0604020202020204" pitchFamily="34" charset="0"/>
-                <a:cs typeface="Arial" panose="020B0604020202020204" pitchFamily="34" charset="0"/>
-              </a:rPr>
-              <a:t>o pedido</a:t>
-            </a:r>
-            <a:r>
-              <a:rPr lang="pt-BR" sz="1600" dirty="0" smtClean="0">
-                <a:latin typeface="Arial" panose="020B0604020202020204" pitchFamily="34" charset="0"/>
-                <a:cs typeface="Arial" panose="020B0604020202020204" pitchFamily="34" charset="0"/>
-              </a:rPr>
-              <a:t> </a:t>
-            </a:r>
-            <a:r>
-              <a:rPr lang="pt-BR" sz="1600" dirty="0" smtClean="0">
-                <a:latin typeface="Arial" panose="020B0604020202020204" pitchFamily="34" charset="0"/>
-                <a:cs typeface="Arial" panose="020B0604020202020204" pitchFamily="34" charset="0"/>
-              </a:rPr>
-              <a:t>com os produtos solicitados pelo cliente e registrar a data e a hora de preenchimento.</a:t>
+              <a:t>Preencher o pedido com os produtos solicitados pelo cliente e registrar a data e a hora de preenchimento.</a:t>
             </a:r>
           </a:p>
           <a:p>
@@ -4044,7 +4015,7 @@
           <p:cNvPr id="2" name="Espaço Reservado para Conteúdo 2">
             <a:extLst>
               <a:ext uri="{FF2B5EF4-FFF2-40B4-BE49-F238E27FC236}">
-                <a16:creationId xmlns:a16="http://schemas.microsoft.com/office/drawing/2014/main" xmlns="" id="{F21868BC-3263-4148-A116-9A1B781D7959}"/>
+                <a16:creationId xmlns="" xmlns:a16="http://schemas.microsoft.com/office/drawing/2014/main" id="{F21868BC-3263-4148-A116-9A1B781D7959}"/>
               </a:ext>
             </a:extLst>
           </p:cNvPr>
@@ -4267,7 +4238,7 @@
                 <a:latin typeface="Arial" panose="020B0604020202020204" pitchFamily="34" charset="0"/>
                 <a:cs typeface="Arial" panose="020B0604020202020204" pitchFamily="34" charset="0"/>
               </a:rPr>
-              <a:t>: Cliente realiza encomenda</a:t>
+              <a:t>: Cliente responde ao questionamento</a:t>
             </a:r>
           </a:p>
           <a:p>
@@ -4296,46 +4267,21 @@
                 <a:latin typeface="Arial" panose="020B0604020202020204" pitchFamily="34" charset="0"/>
                 <a:cs typeface="Arial" panose="020B0604020202020204" pitchFamily="34" charset="0"/>
               </a:rPr>
-              <a:t>Cliente faz a encomenda do produto .</a:t>
-            </a:r>
-          </a:p>
-          <a:p>
+              <a:t>Se o cliente aceitar fazer a encomenda, anotar </a:t>
+            </a:r>
             <a:r>
               <a:rPr lang="pt-BR" sz="1600" dirty="0">
                 <a:latin typeface="Arial" panose="020B0604020202020204" pitchFamily="34" charset="0"/>
                 <a:cs typeface="Arial" panose="020B0604020202020204" pitchFamily="34" charset="0"/>
               </a:rPr>
-              <a:t>Anotar a encomenda do cliente</a:t>
+              <a:t>a encomenda do </a:t>
             </a:r>
             <a:r>
               <a:rPr lang="pt-BR" sz="1600" dirty="0" smtClean="0">
                 <a:latin typeface="Arial" panose="020B0604020202020204" pitchFamily="34" charset="0"/>
                 <a:cs typeface="Arial" panose="020B0604020202020204" pitchFamily="34" charset="0"/>
               </a:rPr>
-              <a:t>.</a:t>
-            </a:r>
-          </a:p>
-          <a:p>
-            <a:r>
-              <a:rPr lang="pt-BR" sz="1600" dirty="0" smtClean="0">
-                <a:latin typeface="Arial" panose="020B0604020202020204" pitchFamily="34" charset="0"/>
-                <a:cs typeface="Arial" panose="020B0604020202020204" pitchFamily="34" charset="0"/>
-              </a:rPr>
-              <a:t>Informar o valor do produto ao cliente e pedir para o cliente  voltar na próxima </a:t>
-            </a:r>
-            <a:r>
-              <a:rPr lang="pt-BR" sz="1600" dirty="0" smtClean="0">
-                <a:latin typeface="Arial" panose="020B0604020202020204" pitchFamily="34" charset="0"/>
-                <a:cs typeface="Arial" panose="020B0604020202020204" pitchFamily="34" charset="0"/>
-              </a:rPr>
-              <a:t>quinta </a:t>
-            </a:r>
-            <a:r>
-              <a:rPr lang="pt-BR" sz="1600" smtClean="0">
-                <a:latin typeface="Arial" panose="020B0604020202020204" pitchFamily="34" charset="0"/>
-                <a:cs typeface="Arial" panose="020B0604020202020204" pitchFamily="34" charset="0"/>
-              </a:rPr>
-              <a:t>- feira.</a:t>
+              <a:t>cliente.</a:t>
             </a:r>
             <a:endParaRPr lang="pt-BR" sz="1600" dirty="0">
               <a:latin typeface="Arial" panose="020B0604020202020204" pitchFamily="34" charset="0"/>
@@ -4348,7 +4294,35 @@
                 <a:latin typeface="Arial" panose="020B0604020202020204" pitchFamily="34" charset="0"/>
                 <a:cs typeface="Arial" panose="020B0604020202020204" pitchFamily="34" charset="0"/>
               </a:rPr>
-              <a:t>Se o cliente terminou o seu pedido entregar a copia do pedido ao cliente.</a:t>
+              <a:t>Se o cliente não aceitar a </a:t>
+            </a:r>
+            <a:r>
+              <a:rPr lang="pt-BR" sz="1600" dirty="0">
+                <a:latin typeface="Arial" panose="020B0604020202020204" pitchFamily="34" charset="0"/>
+                <a:cs typeface="Arial" panose="020B0604020202020204" pitchFamily="34" charset="0"/>
+              </a:rPr>
+              <a:t>encomenda </a:t>
+            </a:r>
+            <a:r>
+              <a:rPr lang="pt-BR" sz="1600" dirty="0" smtClean="0">
+                <a:latin typeface="Arial" panose="020B0604020202020204" pitchFamily="34" charset="0"/>
+                <a:cs typeface="Arial" panose="020B0604020202020204" pitchFamily="34" charset="0"/>
+              </a:rPr>
+              <a:t>entregar </a:t>
+            </a:r>
+            <a:r>
+              <a:rPr lang="pt-BR" sz="1600" dirty="0">
+                <a:latin typeface="Arial" panose="020B0604020202020204" pitchFamily="34" charset="0"/>
+                <a:cs typeface="Arial" panose="020B0604020202020204" pitchFamily="34" charset="0"/>
+              </a:rPr>
+              <a:t>o orçamento ao cliente</a:t>
+            </a:r>
+            <a:r>
+              <a:rPr lang="pt-BR" sz="1600" dirty="0" smtClean="0">
+                <a:latin typeface="Arial" panose="020B0604020202020204" pitchFamily="34" charset="0"/>
+                <a:cs typeface="Arial" panose="020B0604020202020204" pitchFamily="34" charset="0"/>
+              </a:rPr>
+              <a:t>.</a:t>
             </a:r>
             <a:endParaRPr lang="pt-BR" sz="1600" dirty="0">
               <a:latin typeface="Arial" panose="020B0604020202020204" pitchFamily="34" charset="0"/>
@@ -4452,98 +4426,13 @@
       </p:sp>
       <p:sp>
         <p:nvSpPr>
-          <p:cNvPr id="5" name="Elipse 4"/>
-          <p:cNvSpPr/>
-          <p:nvPr/>
-        </p:nvSpPr>
-        <p:spPr>
-          <a:xfrm>
-            <a:off x="1626430" y="3207894"/>
-            <a:ext cx="704538" cy="644577"/>
-          </a:xfrm>
-          <a:prstGeom prst="ellipse">
-            <a:avLst/>
-          </a:prstGeom>
-          <a:noFill/>
-          <a:ln>
-            <a:solidFill>
-              <a:schemeClr val="tx1"/>
-            </a:solidFill>
-          </a:ln>
-        </p:spPr>
-        <p:style>
-          <a:lnRef idx="2">
-            <a:schemeClr val="accent1">
-              <a:shade val="50000"/>
-            </a:schemeClr>
-          </a:lnRef>
-          <a:fillRef idx="1">
-            <a:schemeClr val="accent1"/>
-          </a:fillRef>
-          <a:effectRef idx="0">
-            <a:schemeClr val="accent1"/>
-          </a:effectRef>
-          <a:fontRef idx="minor">
-            <a:schemeClr val="lt1"/>
-          </a:fontRef>
-        </p:style>
-        <p:txBody>
-          <a:bodyPr rtlCol="0" anchor="ctr"/>
-          <a:lstStyle/>
-          <a:p>
-            <a:pPr algn="ctr"/>
-            <a:endParaRPr lang="pt-BR"/>
-          </a:p>
-        </p:txBody>
-      </p:sp>
-      <p:cxnSp>
-        <p:nvCxnSpPr>
-          <p:cNvPr id="6" name="Conector de seta reta 5"/>
-          <p:cNvCxnSpPr>
-            <a:stCxn id="4" idx="2"/>
-            <a:endCxn id="5" idx="0"/>
-          </p:cNvCxnSpPr>
-          <p:nvPr/>
-        </p:nvCxnSpPr>
-        <p:spPr>
-          <a:xfrm>
-            <a:off x="1978693" y="2323477"/>
-            <a:ext cx="6" cy="884417"/>
-          </a:xfrm>
-          <a:prstGeom prst="straightConnector1">
-            <a:avLst/>
-          </a:prstGeom>
-          <a:ln>
-            <a:solidFill>
-              <a:schemeClr val="tx1"/>
-            </a:solidFill>
-            <a:tailEnd type="triangle"/>
-          </a:ln>
-        </p:spPr>
-        <p:style>
-          <a:lnRef idx="1">
-            <a:schemeClr val="accent1"/>
-          </a:lnRef>
-          <a:fillRef idx="0">
-            <a:schemeClr val="accent1"/>
-          </a:fillRef>
-          <a:effectRef idx="0">
-            <a:schemeClr val="accent1"/>
-          </a:effectRef>
-          <a:fontRef idx="minor">
-            <a:schemeClr val="tx1"/>
-          </a:fontRef>
-        </p:style>
-      </p:cxnSp>
-      <p:sp>
-        <p:nvSpPr>
-          <p:cNvPr id="7" name="CaixaDeTexto 6"/>
+          <p:cNvPr id="8" name="CaixaDeTexto 7"/>
           <p:cNvSpPr txBox="1"/>
           <p:nvPr/>
         </p:nvSpPr>
         <p:spPr>
           <a:xfrm>
-            <a:off x="1656404" y="2661071"/>
+            <a:off x="1658904" y="1869097"/>
             <a:ext cx="689548" cy="276999"/>
           </a:xfrm>
           <a:prstGeom prst="rect">
@@ -4564,294 +4453,11 @@
                 <a:latin typeface="Arial" panose="020B0604020202020204" pitchFamily="34" charset="0"/>
                 <a:cs typeface="Arial" panose="020B0604020202020204" pitchFamily="34" charset="0"/>
               </a:rPr>
-              <a:t>Pedido</a:t>
-            </a:r>
-          </a:p>
-        </p:txBody>
-      </p:sp>
-      <p:sp>
-        <p:nvSpPr>
-          <p:cNvPr id="8" name="CaixaDeTexto 7"/>
-          <p:cNvSpPr txBox="1"/>
-          <p:nvPr/>
-        </p:nvSpPr>
-        <p:spPr>
-          <a:xfrm>
-            <a:off x="1658904" y="1869097"/>
-            <a:ext cx="689548" cy="276999"/>
-          </a:xfrm>
-          <a:prstGeom prst="rect">
-            <a:avLst/>
-          </a:prstGeom>
-          <a:solidFill>
-            <a:schemeClr val="bg1"/>
-          </a:solidFill>
-        </p:spPr>
-        <p:txBody>
-          <a:bodyPr wrap="square" rtlCol="0">
-            <a:spAutoFit/>
-          </a:bodyPr>
-          <a:lstStyle/>
-          <a:p>
-            <a:r>
-              <a:rPr lang="pt-BR" sz="1200" dirty="0" smtClean="0">
-                <a:latin typeface="Arial" panose="020B0604020202020204" pitchFamily="34" charset="0"/>
-                <a:cs typeface="Arial" panose="020B0604020202020204" pitchFamily="34" charset="0"/>
-              </a:rPr>
               <a:t>Cliente</a:t>
             </a:r>
           </a:p>
         </p:txBody>
       </p:sp>
-      <p:sp>
-        <p:nvSpPr>
-          <p:cNvPr id="9" name="CaixaDeTexto 8"/>
-          <p:cNvSpPr txBox="1"/>
-          <p:nvPr/>
-        </p:nvSpPr>
-        <p:spPr>
-          <a:xfrm>
-            <a:off x="1613933" y="3338123"/>
-            <a:ext cx="689548" cy="400110"/>
-          </a:xfrm>
-          <a:prstGeom prst="rect">
-            <a:avLst/>
-          </a:prstGeom>
-          <a:noFill/>
-        </p:spPr>
-        <p:txBody>
-          <a:bodyPr wrap="square" rtlCol="0">
-            <a:spAutoFit/>
-          </a:bodyPr>
-          <a:lstStyle/>
-          <a:p>
-            <a:r>
-              <a:rPr lang="pt-BR" sz="1000" dirty="0" smtClean="0">
-                <a:latin typeface="Arial" panose="020B0604020202020204" pitchFamily="34" charset="0"/>
-                <a:cs typeface="Arial" panose="020B0604020202020204" pitchFamily="34" charset="0"/>
-              </a:rPr>
-              <a:t>Receber pedido</a:t>
-            </a:r>
-          </a:p>
-        </p:txBody>
-      </p:sp>
-      <p:cxnSp>
-        <p:nvCxnSpPr>
-          <p:cNvPr id="10" name="Conector em curva 9"/>
-          <p:cNvCxnSpPr>
-            <a:stCxn id="5" idx="2"/>
-            <a:endCxn id="4" idx="1"/>
-          </p:cNvCxnSpPr>
-          <p:nvPr/>
-        </p:nvCxnSpPr>
-        <p:spPr>
-          <a:xfrm rot="10800000">
-            <a:off x="1513998" y="2023675"/>
-            <a:ext cx="112432" cy="1506509"/>
-          </a:xfrm>
-          <a:prstGeom prst="curvedConnector3">
-            <a:avLst>
-              <a:gd name="adj1" fmla="val 716635"/>
-            </a:avLst>
-          </a:prstGeom>
-          <a:ln>
-            <a:solidFill>
-              <a:schemeClr val="tx1"/>
-            </a:solidFill>
-            <a:tailEnd type="triangle"/>
-          </a:ln>
-        </p:spPr>
-        <p:style>
-          <a:lnRef idx="1">
-            <a:schemeClr val="accent1"/>
-          </a:lnRef>
-          <a:fillRef idx="0">
-            <a:schemeClr val="accent1"/>
-          </a:fillRef>
-          <a:effectRef idx="0">
-            <a:schemeClr val="accent1"/>
-          </a:effectRef>
-          <a:fontRef idx="minor">
-            <a:schemeClr val="tx1"/>
-          </a:fontRef>
-        </p:style>
-      </p:cxnSp>
-      <p:sp>
-        <p:nvSpPr>
-          <p:cNvPr id="11" name="CaixaDeTexto 10"/>
-          <p:cNvSpPr txBox="1"/>
-          <p:nvPr/>
-        </p:nvSpPr>
-        <p:spPr>
-          <a:xfrm>
-            <a:off x="228589" y="2442519"/>
-            <a:ext cx="1457795" cy="646331"/>
-          </a:xfrm>
-          <a:prstGeom prst="rect">
-            <a:avLst/>
-          </a:prstGeom>
-          <a:solidFill>
-            <a:schemeClr val="bg1"/>
-          </a:solidFill>
-        </p:spPr>
-        <p:txBody>
-          <a:bodyPr wrap="square" rtlCol="0">
-            <a:spAutoFit/>
-          </a:bodyPr>
-          <a:lstStyle/>
-          <a:p>
-            <a:r>
-              <a:rPr lang="pt-BR" sz="1200" dirty="0" smtClean="0">
-                <a:latin typeface="Arial" panose="020B0604020202020204" pitchFamily="34" charset="0"/>
-                <a:cs typeface="Arial" panose="020B0604020202020204" pitchFamily="34" charset="0"/>
-              </a:rPr>
-              <a:t>Questionamento:        deseja encomendar ?</a:t>
-            </a:r>
-          </a:p>
-        </p:txBody>
-      </p:sp>
-      <p:cxnSp>
-        <p:nvCxnSpPr>
-          <p:cNvPr id="12" name="Conector reto 11"/>
-          <p:cNvCxnSpPr/>
-          <p:nvPr/>
-        </p:nvCxnSpPr>
-        <p:spPr>
-          <a:xfrm>
-            <a:off x="1394085" y="4407106"/>
-            <a:ext cx="1049303" cy="0"/>
-          </a:xfrm>
-          <a:prstGeom prst="line">
-            <a:avLst/>
-          </a:prstGeom>
-          <a:ln>
-            <a:solidFill>
-              <a:schemeClr val="tx1"/>
-            </a:solidFill>
-          </a:ln>
-        </p:spPr>
-        <p:style>
-          <a:lnRef idx="1">
-            <a:schemeClr val="accent1"/>
-          </a:lnRef>
-          <a:fillRef idx="0">
-            <a:schemeClr val="accent1"/>
-          </a:fillRef>
-          <a:effectRef idx="0">
-            <a:schemeClr val="accent1"/>
-          </a:effectRef>
-          <a:fontRef idx="minor">
-            <a:schemeClr val="tx1"/>
-          </a:fontRef>
-        </p:style>
-      </p:cxnSp>
-      <p:cxnSp>
-        <p:nvCxnSpPr>
-          <p:cNvPr id="13" name="Conector reto 12"/>
-          <p:cNvCxnSpPr/>
-          <p:nvPr/>
-        </p:nvCxnSpPr>
-        <p:spPr>
-          <a:xfrm>
-            <a:off x="1381595" y="4814336"/>
-            <a:ext cx="1049303" cy="0"/>
-          </a:xfrm>
-          <a:prstGeom prst="line">
-            <a:avLst/>
-          </a:prstGeom>
-          <a:ln>
-            <a:solidFill>
-              <a:schemeClr val="tx1"/>
-            </a:solidFill>
-          </a:ln>
-        </p:spPr>
-        <p:style>
-          <a:lnRef idx="1">
-            <a:schemeClr val="accent1"/>
-          </a:lnRef>
-          <a:fillRef idx="0">
-            <a:schemeClr val="accent1"/>
-          </a:fillRef>
-          <a:effectRef idx="0">
-            <a:schemeClr val="accent1"/>
-          </a:effectRef>
-          <a:fontRef idx="minor">
-            <a:schemeClr val="tx1"/>
-          </a:fontRef>
-        </p:style>
-      </p:cxnSp>
-      <p:sp>
-        <p:nvSpPr>
-          <p:cNvPr id="14" name="CaixaDeTexto 13"/>
-          <p:cNvSpPr txBox="1"/>
-          <p:nvPr/>
-        </p:nvSpPr>
-        <p:spPr>
-          <a:xfrm>
-            <a:off x="1538982" y="4447394"/>
-            <a:ext cx="836949" cy="276999"/>
-          </a:xfrm>
-          <a:prstGeom prst="rect">
-            <a:avLst/>
-          </a:prstGeom>
-          <a:solidFill>
-            <a:schemeClr val="bg1"/>
-          </a:solidFill>
-        </p:spPr>
-        <p:txBody>
-          <a:bodyPr wrap="square" rtlCol="0">
-            <a:spAutoFit/>
-          </a:bodyPr>
-          <a:lstStyle/>
-          <a:p>
-            <a:r>
-              <a:rPr lang="pt-BR" sz="1200" dirty="0" smtClean="0">
-                <a:latin typeface="Arial" panose="020B0604020202020204" pitchFamily="34" charset="0"/>
-                <a:cs typeface="Arial" panose="020B0604020202020204" pitchFamily="34" charset="0"/>
-              </a:rPr>
-              <a:t>Produto</a:t>
-            </a:r>
-          </a:p>
-        </p:txBody>
-      </p:sp>
-      <p:cxnSp>
-        <p:nvCxnSpPr>
-          <p:cNvPr id="15" name="Conector de seta reta 14"/>
-          <p:cNvCxnSpPr>
-            <a:endCxn id="5" idx="4"/>
-          </p:cNvCxnSpPr>
-          <p:nvPr/>
-        </p:nvCxnSpPr>
-        <p:spPr>
-          <a:xfrm flipV="1">
-            <a:off x="1978693" y="3852471"/>
-            <a:ext cx="6" cy="554635"/>
-          </a:xfrm>
-          <a:prstGeom prst="straightConnector1">
-            <a:avLst/>
-          </a:prstGeom>
-          <a:ln>
-            <a:solidFill>
-              <a:schemeClr val="tx1"/>
-            </a:solidFill>
-            <a:tailEnd type="triangle"/>
-          </a:ln>
-        </p:spPr>
-        <p:style>
-          <a:lnRef idx="1">
-            <a:schemeClr val="accent1"/>
-          </a:lnRef>
-          <a:fillRef idx="0">
-            <a:schemeClr val="accent1"/>
-          </a:fillRef>
-          <a:effectRef idx="0">
-            <a:schemeClr val="accent1"/>
-          </a:effectRef>
-          <a:fontRef idx="minor">
-            <a:schemeClr val="tx1"/>
-          </a:fontRef>
-        </p:style>
-      </p:cxnSp>
       <p:cxnSp>
         <p:nvCxnSpPr>
           <p:cNvPr id="16" name="Conector reto 15"/>
@@ -5002,81 +4608,6 @@
           </a:p>
         </p:txBody>
       </p:sp>
-      <p:cxnSp>
-        <p:nvCxnSpPr>
-          <p:cNvPr id="20" name="Conector em curva 19"/>
-          <p:cNvCxnSpPr>
-            <a:stCxn id="5" idx="6"/>
-            <a:endCxn id="4" idx="3"/>
-          </p:cNvCxnSpPr>
-          <p:nvPr/>
-        </p:nvCxnSpPr>
-        <p:spPr>
-          <a:xfrm flipV="1">
-            <a:off x="2330968" y="2023674"/>
-            <a:ext cx="112420" cy="1506509"/>
-          </a:xfrm>
-          <a:prstGeom prst="curvedConnector3">
-            <a:avLst>
-              <a:gd name="adj1" fmla="val 463353"/>
-            </a:avLst>
-          </a:prstGeom>
-          <a:ln>
-            <a:solidFill>
-              <a:schemeClr val="tx1"/>
-            </a:solidFill>
-            <a:tailEnd type="triangle"/>
-          </a:ln>
-        </p:spPr>
-        <p:style>
-          <a:lnRef idx="1">
-            <a:schemeClr val="accent1"/>
-          </a:lnRef>
-          <a:fillRef idx="0">
-            <a:schemeClr val="accent1"/>
-          </a:fillRef>
-          <a:effectRef idx="0">
-            <a:schemeClr val="accent1"/>
-          </a:effectRef>
-          <a:fontRef idx="minor">
-            <a:schemeClr val="tx1"/>
-          </a:fontRef>
-        </p:style>
-      </p:cxnSp>
-      <p:sp>
-        <p:nvSpPr>
-          <p:cNvPr id="21" name="CaixaDeTexto 20"/>
-          <p:cNvSpPr txBox="1"/>
-          <p:nvPr/>
-        </p:nvSpPr>
-        <p:spPr>
-          <a:xfrm>
-            <a:off x="2375931" y="2661071"/>
-            <a:ext cx="1026837" cy="276999"/>
-          </a:xfrm>
-          <a:prstGeom prst="rect">
-            <a:avLst/>
-          </a:prstGeom>
-          <a:solidFill>
-            <a:schemeClr val="bg1"/>
-          </a:solidFill>
-        </p:spPr>
-        <p:txBody>
-          <a:bodyPr wrap="square" rtlCol="0">
-            <a:spAutoFit/>
-          </a:bodyPr>
-          <a:lstStyle/>
-          <a:p>
-            <a:r>
-              <a:rPr lang="pt-BR" sz="1200" dirty="0" smtClean="0">
-                <a:latin typeface="Arial" panose="020B0604020202020204" pitchFamily="34" charset="0"/>
-                <a:cs typeface="Arial" panose="020B0604020202020204" pitchFamily="34" charset="0"/>
-              </a:rPr>
-              <a:t>Orçamento</a:t>
-            </a:r>
-          </a:p>
-        </p:txBody>
-      </p:sp>
       <p:sp>
         <p:nvSpPr>
           <p:cNvPr id="22" name="CaixaDeTexto 21"/>
@@ -5297,7 +4828,7 @@
         </p:nvSpPr>
         <p:spPr>
           <a:xfrm>
-            <a:off x="2813141" y="2093947"/>
+            <a:off x="2858111" y="2198877"/>
             <a:ext cx="1339122" cy="461665"/>
           </a:xfrm>
           <a:prstGeom prst="rect">
@@ -5323,44 +4854,6 @@
           </a:p>
         </p:txBody>
       </p:sp>
-      <p:cxnSp>
-        <p:nvCxnSpPr>
-          <p:cNvPr id="29" name="Conector de seta reta 28"/>
-          <p:cNvCxnSpPr>
-            <a:stCxn id="5" idx="5"/>
-          </p:cNvCxnSpPr>
-          <p:nvPr/>
-        </p:nvCxnSpPr>
-        <p:spPr>
-          <a:xfrm>
-            <a:off x="2227791" y="3758075"/>
-            <a:ext cx="847181" cy="649031"/>
-          </a:xfrm>
-          <a:prstGeom prst="straightConnector1">
-            <a:avLst/>
-          </a:prstGeom>
-          <a:ln>
-            <a:solidFill>
-              <a:schemeClr val="tx1"/>
-            </a:solidFill>
-            <a:tailEnd type="triangle"/>
-          </a:ln>
-        </p:spPr>
-        <p:style>
-          <a:lnRef idx="1">
-            <a:schemeClr val="accent1"/>
-          </a:lnRef>
-          <a:fillRef idx="0">
-            <a:schemeClr val="accent1"/>
-          </a:fillRef>
-          <a:effectRef idx="0">
-            <a:schemeClr val="accent1"/>
-          </a:effectRef>
-          <a:fontRef idx="minor">
-            <a:schemeClr val="tx1"/>
-          </a:fontRef>
-        </p:style>
-      </p:cxnSp>
       <p:cxnSp>
         <p:nvCxnSpPr>
           <p:cNvPr id="30" name="Conector de seta reta 29"/>
@@ -5435,7 +4928,7 @@
           <p:cNvPr id="2" name="Espaço Reservado para Conteúdo 2">
             <a:extLst>
               <a:ext uri="{FF2B5EF4-FFF2-40B4-BE49-F238E27FC236}">
-                <a16:creationId xmlns:a16="http://schemas.microsoft.com/office/drawing/2014/main" xmlns="" id="{F21868BC-3263-4148-A116-9A1B781D7959}"/>
+                <a16:creationId xmlns="" xmlns:a16="http://schemas.microsoft.com/office/drawing/2014/main" id="{F21868BC-3263-4148-A116-9A1B781D7959}"/>
               </a:ext>
             </a:extLst>
           </p:cNvPr>
@@ -5772,16 +5265,14 @@
                 <a:latin typeface="Arial" panose="020B0604020202020204" pitchFamily="34" charset="0"/>
                 <a:cs typeface="Arial" panose="020B0604020202020204" pitchFamily="34" charset="0"/>
               </a:rPr>
-              <a:t>Entregar a copia do pedido ao cliente.</a:t>
-            </a:r>
-          </a:p>
-          <a:p>
+              <a:t>Entregar nota e </a:t>
+            </a:r>
             <a:r>
               <a:rPr lang="pt-BR" sz="1600" dirty="0">
                 <a:latin typeface="Arial" panose="020B0604020202020204" pitchFamily="34" charset="0"/>
                 <a:cs typeface="Arial" panose="020B0604020202020204" pitchFamily="34" charset="0"/>
               </a:rPr>
-              <a:t>Entregar os produtos solicitados</a:t>
+              <a:t>os produtos solicitados</a:t>
             </a:r>
             <a:r>
               <a:rPr lang="pt-BR" sz="1600" dirty="0" smtClean="0">
@@ -6379,8 +5870,8 @@
         </p:nvSpPr>
         <p:spPr>
           <a:xfrm>
-            <a:off x="3813813" y="4539356"/>
-            <a:ext cx="649816" cy="276999"/>
+            <a:off x="3616805" y="4555585"/>
+            <a:ext cx="1047169" cy="276999"/>
           </a:xfrm>
           <a:prstGeom prst="rect">
             <a:avLst/>
@@ -6400,7 +5891,7 @@
                 <a:latin typeface="Arial" panose="020B0604020202020204" pitchFamily="34" charset="0"/>
                 <a:cs typeface="Arial" panose="020B0604020202020204" pitchFamily="34" charset="0"/>
               </a:rPr>
-              <a:t>Caixa</a:t>
+              <a:t>Lançamento</a:t>
             </a:r>
           </a:p>
         </p:txBody>
@@ -6512,7 +6003,7 @@
                 <a:latin typeface="Arial" panose="020B0604020202020204" pitchFamily="34" charset="0"/>
                 <a:cs typeface="Arial" panose="020B0604020202020204" pitchFamily="34" charset="0"/>
               </a:rPr>
-              <a:t>Nota + produto + (troco)</a:t>
+              <a:t>Nota + produtos + (troco)</a:t>
             </a:r>
           </a:p>
         </p:txBody>
@@ -6593,6 +6084,81 @@
           </a:fontRef>
         </p:style>
       </p:cxnSp>
+      <p:cxnSp>
+        <p:nvCxnSpPr>
+          <p:cNvPr id="5" name="Conector em curva 4"/>
+          <p:cNvCxnSpPr>
+            <a:stCxn id="31" idx="2"/>
+            <a:endCxn id="30" idx="1"/>
+          </p:cNvCxnSpPr>
+          <p:nvPr/>
+        </p:nvCxnSpPr>
+        <p:spPr>
+          <a:xfrm rot="10800000">
+            <a:off x="3600147" y="2101122"/>
+            <a:ext cx="54375" cy="1580220"/>
+          </a:xfrm>
+          <a:prstGeom prst="curvedConnector3">
+            <a:avLst>
+              <a:gd name="adj1" fmla="val 1623139"/>
+            </a:avLst>
+          </a:prstGeom>
+          <a:ln>
+            <a:solidFill>
+              <a:schemeClr val="tx1"/>
+            </a:solidFill>
+            <a:tailEnd type="triangle"/>
+          </a:ln>
+        </p:spPr>
+        <p:style>
+          <a:lnRef idx="1">
+            <a:schemeClr val="accent1"/>
+          </a:lnRef>
+          <a:fillRef idx="0">
+            <a:schemeClr val="accent1"/>
+          </a:fillRef>
+          <a:effectRef idx="0">
+            <a:schemeClr val="accent1"/>
+          </a:effectRef>
+          <a:fontRef idx="minor">
+            <a:schemeClr val="tx1"/>
+          </a:fontRef>
+        </p:style>
+      </p:cxnSp>
+      <p:sp>
+        <p:nvSpPr>
+          <p:cNvPr id="27" name="CaixaDeTexto 26"/>
+          <p:cNvSpPr txBox="1"/>
+          <p:nvPr/>
+        </p:nvSpPr>
+        <p:spPr>
+          <a:xfrm>
+            <a:off x="1490404" y="2966504"/>
+            <a:ext cx="2231783" cy="276999"/>
+          </a:xfrm>
+          <a:prstGeom prst="rect">
+            <a:avLst/>
+          </a:prstGeom>
+          <a:solidFill>
+            <a:schemeClr val="bg1"/>
+          </a:solidFill>
+        </p:spPr>
+        <p:txBody>
+          <a:bodyPr wrap="square" rtlCol="0">
+            <a:spAutoFit/>
+          </a:bodyPr>
+          <a:lstStyle/>
+          <a:p>
+            <a:r>
+              <a:rPr lang="pt-BR" sz="1200" dirty="0" smtClean="0">
+                <a:latin typeface="Arial" panose="020B0604020202020204" pitchFamily="34" charset="0"/>
+                <a:cs typeface="Arial" panose="020B0604020202020204" pitchFamily="34" charset="0"/>
+              </a:rPr>
+              <a:t>Pagamento em dinheiro</a:t>
+            </a:r>
+          </a:p>
+        </p:txBody>
+      </p:sp>
     </p:spTree>
     <p:extLst>
       <p:ext uri="{BB962C8B-B14F-4D97-AF65-F5344CB8AC3E}">
@@ -6675,7 +6241,7 @@
           <p:cNvPr id="5" name="Espaço Reservado para Conteúdo 2">
             <a:extLst>
               <a:ext uri="{FF2B5EF4-FFF2-40B4-BE49-F238E27FC236}">
-                <a16:creationId xmlns:a16="http://schemas.microsoft.com/office/drawing/2014/main" xmlns="" id="{F21868BC-3263-4148-A116-9A1B781D7959}"/>
+                <a16:creationId xmlns="" xmlns:a16="http://schemas.microsoft.com/office/drawing/2014/main" id="{F21868BC-3263-4148-A116-9A1B781D7959}"/>
               </a:ext>
             </a:extLst>
           </p:cNvPr>
@@ -6960,42 +6526,14 @@
               </a:rPr>
               <a:t>Efetuar pagamento em cartão.</a:t>
             </a:r>
-            <a:endParaRPr lang="pt-BR" sz="1200" dirty="0" smtClean="0">
-              <a:latin typeface="Arial" panose="020B0604020202020204" pitchFamily="34" charset="0"/>
-              <a:cs typeface="Arial" panose="020B0604020202020204" pitchFamily="34" charset="0"/>
-            </a:endParaRPr>
-          </a:p>
-          <a:p>
-            <a:pPr lvl="1"/>
+          </a:p>
+          <a:p>
             <a:r>
               <a:rPr lang="pt-BR" sz="1600" dirty="0" smtClean="0">
                 <a:latin typeface="Arial" panose="020B0604020202020204" pitchFamily="34" charset="0"/>
                 <a:cs typeface="Arial" panose="020B0604020202020204" pitchFamily="34" charset="0"/>
               </a:rPr>
-              <a:t>Se o pagamento não for aprovado informar ao cliente que o pagamento não foi aprovado e informar </a:t>
-            </a:r>
-            <a:r>
-              <a:rPr lang="pt-BR" sz="1600" dirty="0">
-                <a:latin typeface="Arial" panose="020B0604020202020204" pitchFamily="34" charset="0"/>
-                <a:cs typeface="Arial" panose="020B0604020202020204" pitchFamily="34" charset="0"/>
-              </a:rPr>
-              <a:t>ao cliente o valor devido.</a:t>
-            </a:r>
-          </a:p>
-          <a:p>
-            <a:pPr lvl="1"/>
-            <a:endParaRPr lang="pt-BR" sz="1600" dirty="0" smtClean="0">
-              <a:latin typeface="Arial" panose="020B0604020202020204" pitchFamily="34" charset="0"/>
-              <a:cs typeface="Arial" panose="020B0604020202020204" pitchFamily="34" charset="0"/>
-            </a:endParaRPr>
-          </a:p>
-          <a:p>
-            <a:r>
-              <a:rPr lang="pt-BR" sz="1600" dirty="0" smtClean="0">
-                <a:latin typeface="Arial" panose="020B0604020202020204" pitchFamily="34" charset="0"/>
-                <a:cs typeface="Arial" panose="020B0604020202020204" pitchFamily="34" charset="0"/>
-              </a:rPr>
-              <a:t>Guardar a nota do cartão no caixa.</a:t>
+              <a:t>Guardar a nota do cartão.</a:t>
             </a:r>
             <a:endParaRPr lang="pt-BR" sz="1600" dirty="0">
               <a:latin typeface="Arial" panose="020B0604020202020204" pitchFamily="34" charset="0"/>
@@ -7008,16 +6546,7 @@
                 <a:latin typeface="Arial" panose="020B0604020202020204" pitchFamily="34" charset="0"/>
                 <a:cs typeface="Arial" panose="020B0604020202020204" pitchFamily="34" charset="0"/>
               </a:rPr>
-              <a:t>Entregar a copia do pedido ao cliente.</a:t>
-            </a:r>
-          </a:p>
-          <a:p>
-            <a:r>
-              <a:rPr lang="pt-BR" sz="1600" dirty="0" smtClean="0">
-                <a:latin typeface="Arial" panose="020B0604020202020204" pitchFamily="34" charset="0"/>
-                <a:cs typeface="Arial" panose="020B0604020202020204" pitchFamily="34" charset="0"/>
-              </a:rPr>
-              <a:t>Entregar os produtos solicitados.</a:t>
+              <a:t>Entregar a nota e os produtos solicitados.</a:t>
             </a:r>
             <a:endParaRPr lang="pt-BR" sz="1600" dirty="0">
               <a:latin typeface="Arial" panose="020B0604020202020204" pitchFamily="34" charset="0"/>
@@ -7628,40 +7157,6 @@
           </a:fontRef>
         </p:style>
       </p:cxnSp>
-      <p:sp>
-        <p:nvSpPr>
-          <p:cNvPr id="22" name="CaixaDeTexto 21"/>
-          <p:cNvSpPr txBox="1"/>
-          <p:nvPr/>
-        </p:nvSpPr>
-        <p:spPr>
-          <a:xfrm>
-            <a:off x="2644588" y="4734228"/>
-            <a:ext cx="649816" cy="276999"/>
-          </a:xfrm>
-          <a:prstGeom prst="rect">
-            <a:avLst/>
-          </a:prstGeom>
-          <a:solidFill>
-            <a:schemeClr val="bg1"/>
-          </a:solidFill>
-        </p:spPr>
-        <p:txBody>
-          <a:bodyPr wrap="square" rtlCol="0">
-            <a:spAutoFit/>
-          </a:bodyPr>
-          <a:lstStyle/>
-          <a:p>
-            <a:r>
-              <a:rPr lang="pt-BR" sz="1200" dirty="0" smtClean="0">
-                <a:latin typeface="Arial" panose="020B0604020202020204" pitchFamily="34" charset="0"/>
-                <a:cs typeface="Arial" panose="020B0604020202020204" pitchFamily="34" charset="0"/>
-              </a:rPr>
-              <a:t>Caixa</a:t>
-            </a:r>
-          </a:p>
-        </p:txBody>
-      </p:sp>
       <p:cxnSp>
         <p:nvCxnSpPr>
           <p:cNvPr id="24" name="Conector de seta reta 23"/>
@@ -7778,10 +7273,2687 @@
           </a:fontRef>
         </p:style>
       </p:cxnSp>
+      <p:sp>
+        <p:nvSpPr>
+          <p:cNvPr id="25" name="CaixaDeTexto 24"/>
+          <p:cNvSpPr txBox="1"/>
+          <p:nvPr/>
+        </p:nvSpPr>
+        <p:spPr>
+          <a:xfrm>
+            <a:off x="2460290" y="4737047"/>
+            <a:ext cx="1047169" cy="276999"/>
+          </a:xfrm>
+          <a:prstGeom prst="rect">
+            <a:avLst/>
+          </a:prstGeom>
+          <a:solidFill>
+            <a:schemeClr val="bg1"/>
+          </a:solidFill>
+        </p:spPr>
+        <p:txBody>
+          <a:bodyPr wrap="square" rtlCol="0">
+            <a:spAutoFit/>
+          </a:bodyPr>
+          <a:lstStyle/>
+          <a:p>
+            <a:r>
+              <a:rPr lang="pt-BR" sz="1200" dirty="0" smtClean="0">
+                <a:latin typeface="Arial" panose="020B0604020202020204" pitchFamily="34" charset="0"/>
+                <a:cs typeface="Arial" panose="020B0604020202020204" pitchFamily="34" charset="0"/>
+              </a:rPr>
+              <a:t>Lançamento</a:t>
+            </a:r>
+          </a:p>
+        </p:txBody>
+      </p:sp>
+      <p:sp>
+        <p:nvSpPr>
+          <p:cNvPr id="27" name="Retângulo 26"/>
+          <p:cNvSpPr/>
+          <p:nvPr/>
+        </p:nvSpPr>
+        <p:spPr>
+          <a:xfrm>
+            <a:off x="4997532" y="1911884"/>
+            <a:ext cx="929390" cy="599607"/>
+          </a:xfrm>
+          <a:prstGeom prst="rect">
+            <a:avLst/>
+          </a:prstGeom>
+          <a:noFill/>
+          <a:ln>
+            <a:solidFill>
+              <a:schemeClr val="tx1"/>
+            </a:solidFill>
+          </a:ln>
+        </p:spPr>
+        <p:style>
+          <a:lnRef idx="2">
+            <a:schemeClr val="accent1">
+              <a:shade val="50000"/>
+            </a:schemeClr>
+          </a:lnRef>
+          <a:fillRef idx="1">
+            <a:schemeClr val="accent1"/>
+          </a:fillRef>
+          <a:effectRef idx="0">
+            <a:schemeClr val="accent1"/>
+          </a:effectRef>
+          <a:fontRef idx="minor">
+            <a:schemeClr val="lt1"/>
+          </a:fontRef>
+        </p:style>
+        <p:txBody>
+          <a:bodyPr rtlCol="0" anchor="ctr"/>
+          <a:lstStyle/>
+          <a:p>
+            <a:pPr algn="ctr"/>
+            <a:endParaRPr lang="pt-BR"/>
+          </a:p>
+        </p:txBody>
+      </p:sp>
+      <p:sp>
+        <p:nvSpPr>
+          <p:cNvPr id="29" name="CaixaDeTexto 28"/>
+          <p:cNvSpPr txBox="1"/>
+          <p:nvPr/>
+        </p:nvSpPr>
+        <p:spPr>
+          <a:xfrm>
+            <a:off x="5019778" y="1977720"/>
+            <a:ext cx="884897" cy="461665"/>
+          </a:xfrm>
+          <a:prstGeom prst="rect">
+            <a:avLst/>
+          </a:prstGeom>
+          <a:solidFill>
+            <a:schemeClr val="bg1"/>
+          </a:solidFill>
+        </p:spPr>
+        <p:txBody>
+          <a:bodyPr wrap="square" rtlCol="0">
+            <a:spAutoFit/>
+          </a:bodyPr>
+          <a:lstStyle/>
+          <a:p>
+            <a:r>
+              <a:rPr lang="pt-BR" sz="1200" dirty="0" smtClean="0">
+                <a:latin typeface="Arial" panose="020B0604020202020204" pitchFamily="34" charset="0"/>
+                <a:cs typeface="Arial" panose="020B0604020202020204" pitchFamily="34" charset="0"/>
+              </a:rPr>
+              <a:t>Provedor do cartão</a:t>
+            </a:r>
+          </a:p>
+        </p:txBody>
+      </p:sp>
+      <p:cxnSp>
+        <p:nvCxnSpPr>
+          <p:cNvPr id="4" name="Conector em curva 3"/>
+          <p:cNvCxnSpPr>
+            <a:stCxn id="7" idx="7"/>
+            <a:endCxn id="27" idx="1"/>
+          </p:cNvCxnSpPr>
+          <p:nvPr/>
+        </p:nvCxnSpPr>
+        <p:spPr>
+          <a:xfrm rot="5400000" flipH="1" flipV="1">
+            <a:off x="3500323" y="2011551"/>
+            <a:ext cx="1297071" cy="1697347"/>
+          </a:xfrm>
+          <a:prstGeom prst="curvedConnector2">
+            <a:avLst/>
+          </a:prstGeom>
+          <a:ln>
+            <a:solidFill>
+              <a:schemeClr val="tx1"/>
+            </a:solidFill>
+            <a:headEnd type="triangle"/>
+            <a:tailEnd type="triangle"/>
+          </a:ln>
+        </p:spPr>
+        <p:style>
+          <a:lnRef idx="1">
+            <a:schemeClr val="accent1"/>
+          </a:lnRef>
+          <a:fillRef idx="0">
+            <a:schemeClr val="accent1"/>
+          </a:fillRef>
+          <a:effectRef idx="0">
+            <a:schemeClr val="accent1"/>
+          </a:effectRef>
+          <a:fontRef idx="minor">
+            <a:schemeClr val="tx1"/>
+          </a:fontRef>
+        </p:style>
+      </p:cxnSp>
+      <p:sp>
+        <p:nvSpPr>
+          <p:cNvPr id="30" name="CaixaDeTexto 29"/>
+          <p:cNvSpPr txBox="1"/>
+          <p:nvPr/>
+        </p:nvSpPr>
+        <p:spPr>
+          <a:xfrm>
+            <a:off x="3894514" y="1841223"/>
+            <a:ext cx="1125264" cy="461665"/>
+          </a:xfrm>
+          <a:prstGeom prst="rect">
+            <a:avLst/>
+          </a:prstGeom>
+          <a:noFill/>
+        </p:spPr>
+        <p:txBody>
+          <a:bodyPr wrap="square" rtlCol="0">
+            <a:spAutoFit/>
+          </a:bodyPr>
+          <a:lstStyle/>
+          <a:p>
+            <a:r>
+              <a:rPr lang="pt-BR" sz="1200" dirty="0" smtClean="0">
+                <a:latin typeface="Arial" panose="020B0604020202020204" pitchFamily="34" charset="0"/>
+                <a:cs typeface="Arial" panose="020B0604020202020204" pitchFamily="34" charset="0"/>
+              </a:rPr>
+              <a:t>Verifica o tipo do cartão</a:t>
+            </a:r>
+          </a:p>
+        </p:txBody>
+      </p:sp>
     </p:spTree>
     <p:extLst>
       <p:ext uri="{BB962C8B-B14F-4D97-AF65-F5344CB8AC3E}">
         <p14:creationId xmlns:p14="http://schemas.microsoft.com/office/powerpoint/2010/main" val="900901424"/>
+      </p:ext>
+    </p:extLst>
+  </p:cSld>
+  <p:clrMapOvr>
+    <a:masterClrMapping/>
+  </p:clrMapOvr>
+</p:sld>
+</file>
+
+<file path=ppt/slides/slide5.xml><?xml version="1.0" encoding="utf-8"?>
+<p:sld xmlns:a="http://schemas.openxmlformats.org/drawingml/2006/main" xmlns:r="http://schemas.openxmlformats.org/officeDocument/2006/relationships" xmlns:p="http://schemas.openxmlformats.org/presentationml/2006/main">
+  <p:cSld>
+    <p:spTree>
+      <p:nvGrpSpPr>
+        <p:cNvPr id="1" name=""/>
+        <p:cNvGrpSpPr/>
+        <p:nvPr/>
+      </p:nvGrpSpPr>
+      <p:grpSpPr>
+        <a:xfrm>
+          <a:off x="0" y="0"/>
+          <a:ext cx="0" cy="0"/>
+          <a:chOff x="0" y="0"/>
+          <a:chExt cx="0" cy="0"/>
+        </a:xfrm>
+      </p:grpSpPr>
+      <p:sp>
+        <p:nvSpPr>
+          <p:cNvPr id="2" name="Título 1"/>
+          <p:cNvSpPr txBox="1">
+            <a:spLocks/>
+          </p:cNvSpPr>
+          <p:nvPr/>
+        </p:nvSpPr>
+        <p:spPr>
+          <a:xfrm>
+            <a:off x="29982" y="63740"/>
+            <a:ext cx="10515600" cy="790700"/>
+          </a:xfrm>
+          <a:prstGeom prst="rect">
+            <a:avLst/>
+          </a:prstGeom>
+        </p:spPr>
+        <p:txBody>
+          <a:bodyPr/>
+          <a:lstStyle>
+            <a:lvl1pPr algn="l" defTabSz="914400" rtl="0" eaLnBrk="1" latinLnBrk="0" hangingPunct="1">
+              <a:lnSpc>
+                <a:spcPct val="90000"/>
+              </a:lnSpc>
+              <a:spcBef>
+                <a:spcPct val="0"/>
+              </a:spcBef>
+              <a:buNone/>
+              <a:defRPr sz="4400" kern="1200">
+                <a:solidFill>
+                  <a:schemeClr val="tx1"/>
+                </a:solidFill>
+                <a:latin typeface="+mj-lt"/>
+                <a:ea typeface="+mj-ea"/>
+                <a:cs typeface="+mj-cs"/>
+              </a:defRPr>
+            </a:lvl1pPr>
+          </a:lstStyle>
+          <a:p>
+            <a:r>
+              <a:rPr lang="pt-BR" dirty="0" smtClean="0"/>
+              <a:t>Capacidade: </a:t>
+            </a:r>
+            <a:r>
+              <a:rPr lang="pt-BR" dirty="0"/>
+              <a:t>Tratar a troca do </a:t>
+            </a:r>
+            <a:r>
+              <a:rPr lang="pt-BR" dirty="0" smtClean="0"/>
+              <a:t>produto</a:t>
+            </a:r>
+            <a:endParaRPr lang="pt-BR" dirty="0"/>
+          </a:p>
+        </p:txBody>
+      </p:sp>
+      <p:sp>
+        <p:nvSpPr>
+          <p:cNvPr id="3" name="Retângulo 2"/>
+          <p:cNvSpPr/>
+          <p:nvPr/>
+        </p:nvSpPr>
+        <p:spPr>
+          <a:xfrm>
+            <a:off x="3282834" y="1499020"/>
+            <a:ext cx="929390" cy="599607"/>
+          </a:xfrm>
+          <a:prstGeom prst="rect">
+            <a:avLst/>
+          </a:prstGeom>
+          <a:noFill/>
+          <a:ln>
+            <a:solidFill>
+              <a:schemeClr val="tx1"/>
+            </a:solidFill>
+          </a:ln>
+        </p:spPr>
+        <p:style>
+          <a:lnRef idx="2">
+            <a:schemeClr val="accent1">
+              <a:shade val="50000"/>
+            </a:schemeClr>
+          </a:lnRef>
+          <a:fillRef idx="1">
+            <a:schemeClr val="accent1"/>
+          </a:fillRef>
+          <a:effectRef idx="0">
+            <a:schemeClr val="accent1"/>
+          </a:effectRef>
+          <a:fontRef idx="minor">
+            <a:schemeClr val="lt1"/>
+          </a:fontRef>
+        </p:style>
+        <p:txBody>
+          <a:bodyPr rtlCol="0" anchor="ctr"/>
+          <a:lstStyle/>
+          <a:p>
+            <a:pPr algn="ctr"/>
+            <a:endParaRPr lang="pt-BR"/>
+          </a:p>
+        </p:txBody>
+      </p:sp>
+      <p:sp>
+        <p:nvSpPr>
+          <p:cNvPr id="4" name="CaixaDeTexto 3"/>
+          <p:cNvSpPr txBox="1"/>
+          <p:nvPr/>
+        </p:nvSpPr>
+        <p:spPr>
+          <a:xfrm>
+            <a:off x="3427740" y="1644247"/>
+            <a:ext cx="689548" cy="276999"/>
+          </a:xfrm>
+          <a:prstGeom prst="rect">
+            <a:avLst/>
+          </a:prstGeom>
+          <a:solidFill>
+            <a:schemeClr val="bg1"/>
+          </a:solidFill>
+        </p:spPr>
+        <p:txBody>
+          <a:bodyPr wrap="square" rtlCol="0">
+            <a:spAutoFit/>
+          </a:bodyPr>
+          <a:lstStyle/>
+          <a:p>
+            <a:r>
+              <a:rPr lang="pt-BR" sz="1200" dirty="0" smtClean="0">
+                <a:latin typeface="Arial" panose="020B0604020202020204" pitchFamily="34" charset="0"/>
+                <a:cs typeface="Arial" panose="020B0604020202020204" pitchFamily="34" charset="0"/>
+              </a:rPr>
+              <a:t>Cliente</a:t>
+            </a:r>
+          </a:p>
+        </p:txBody>
+      </p:sp>
+      <p:cxnSp>
+        <p:nvCxnSpPr>
+          <p:cNvPr id="5" name="Conector de seta reta 4"/>
+          <p:cNvCxnSpPr/>
+          <p:nvPr/>
+        </p:nvCxnSpPr>
+        <p:spPr>
+          <a:xfrm>
+            <a:off x="3747529" y="2098627"/>
+            <a:ext cx="6" cy="884417"/>
+          </a:xfrm>
+          <a:prstGeom prst="straightConnector1">
+            <a:avLst/>
+          </a:prstGeom>
+          <a:ln>
+            <a:solidFill>
+              <a:schemeClr val="tx1"/>
+            </a:solidFill>
+            <a:tailEnd type="triangle"/>
+          </a:ln>
+        </p:spPr>
+        <p:style>
+          <a:lnRef idx="1">
+            <a:schemeClr val="accent1"/>
+          </a:lnRef>
+          <a:fillRef idx="0">
+            <a:schemeClr val="accent1"/>
+          </a:fillRef>
+          <a:effectRef idx="0">
+            <a:schemeClr val="accent1"/>
+          </a:effectRef>
+          <a:fontRef idx="minor">
+            <a:schemeClr val="tx1"/>
+          </a:fontRef>
+        </p:style>
+      </p:cxnSp>
+      <p:sp>
+        <p:nvSpPr>
+          <p:cNvPr id="6" name="CaixaDeTexto 5"/>
+          <p:cNvSpPr txBox="1"/>
+          <p:nvPr/>
+        </p:nvSpPr>
+        <p:spPr>
+          <a:xfrm>
+            <a:off x="3425240" y="2331291"/>
+            <a:ext cx="689548" cy="461665"/>
+          </a:xfrm>
+          <a:prstGeom prst="rect">
+            <a:avLst/>
+          </a:prstGeom>
+          <a:solidFill>
+            <a:schemeClr val="bg1"/>
+          </a:solidFill>
+        </p:spPr>
+        <p:txBody>
+          <a:bodyPr wrap="square" rtlCol="0">
+            <a:spAutoFit/>
+          </a:bodyPr>
+          <a:lstStyle/>
+          <a:p>
+            <a:r>
+              <a:rPr lang="pt-BR" sz="1200" dirty="0" smtClean="0">
+                <a:latin typeface="Arial" panose="020B0604020202020204" pitchFamily="34" charset="0"/>
+                <a:cs typeface="Arial" panose="020B0604020202020204" pitchFamily="34" charset="0"/>
+              </a:rPr>
+              <a:t>Solicita</a:t>
+            </a:r>
+            <a:r>
+              <a:rPr lang="pt-BR" sz="1200" u="sng" dirty="0" smtClean="0">
+                <a:latin typeface="Arial" panose="020B0604020202020204" pitchFamily="34" charset="0"/>
+                <a:cs typeface="Arial" panose="020B0604020202020204" pitchFamily="34" charset="0"/>
+              </a:rPr>
+              <a:t> </a:t>
+            </a:r>
+            <a:r>
+              <a:rPr lang="pt-BR" sz="1200" dirty="0" smtClean="0">
+                <a:latin typeface="Arial" panose="020B0604020202020204" pitchFamily="34" charset="0"/>
+                <a:cs typeface="Arial" panose="020B0604020202020204" pitchFamily="34" charset="0"/>
+              </a:rPr>
+              <a:t>t</a:t>
+            </a:r>
+            <a:r>
+              <a:rPr lang="pt-BR" sz="1200" dirty="0" smtClean="0">
+                <a:latin typeface="Arial" panose="020B0604020202020204" pitchFamily="34" charset="0"/>
+                <a:cs typeface="Arial" panose="020B0604020202020204" pitchFamily="34" charset="0"/>
+              </a:rPr>
+              <a:t>roca</a:t>
+            </a:r>
+            <a:endParaRPr lang="pt-BR" sz="1200" dirty="0" smtClean="0">
+              <a:latin typeface="Arial" panose="020B0604020202020204" pitchFamily="34" charset="0"/>
+              <a:cs typeface="Arial" panose="020B0604020202020204" pitchFamily="34" charset="0"/>
+            </a:endParaRPr>
+          </a:p>
+        </p:txBody>
+      </p:sp>
+      <p:sp>
+        <p:nvSpPr>
+          <p:cNvPr id="7" name="Elipse 6"/>
+          <p:cNvSpPr/>
+          <p:nvPr/>
+        </p:nvSpPr>
+        <p:spPr>
+          <a:xfrm>
+            <a:off x="3395266" y="2983044"/>
+            <a:ext cx="704538" cy="644577"/>
+          </a:xfrm>
+          <a:prstGeom prst="ellipse">
+            <a:avLst/>
+          </a:prstGeom>
+          <a:noFill/>
+          <a:ln>
+            <a:solidFill>
+              <a:schemeClr val="tx1"/>
+            </a:solidFill>
+          </a:ln>
+        </p:spPr>
+        <p:style>
+          <a:lnRef idx="2">
+            <a:schemeClr val="accent1">
+              <a:shade val="50000"/>
+            </a:schemeClr>
+          </a:lnRef>
+          <a:fillRef idx="1">
+            <a:schemeClr val="accent1"/>
+          </a:fillRef>
+          <a:effectRef idx="0">
+            <a:schemeClr val="accent1"/>
+          </a:effectRef>
+          <a:fontRef idx="minor">
+            <a:schemeClr val="lt1"/>
+          </a:fontRef>
+        </p:style>
+        <p:txBody>
+          <a:bodyPr rtlCol="0" anchor="ctr"/>
+          <a:lstStyle/>
+          <a:p>
+            <a:pPr algn="ctr"/>
+            <a:endParaRPr lang="pt-BR"/>
+          </a:p>
+        </p:txBody>
+      </p:sp>
+      <p:sp>
+        <p:nvSpPr>
+          <p:cNvPr id="8" name="CaixaDeTexto 7"/>
+          <p:cNvSpPr txBox="1"/>
+          <p:nvPr/>
+        </p:nvSpPr>
+        <p:spPr>
+          <a:xfrm>
+            <a:off x="3442729" y="3113273"/>
+            <a:ext cx="689548" cy="400110"/>
+          </a:xfrm>
+          <a:prstGeom prst="rect">
+            <a:avLst/>
+          </a:prstGeom>
+          <a:noFill/>
+        </p:spPr>
+        <p:txBody>
+          <a:bodyPr wrap="square" rtlCol="0">
+            <a:spAutoFit/>
+          </a:bodyPr>
+          <a:lstStyle/>
+          <a:p>
+            <a:r>
+              <a:rPr lang="pt-BR" sz="1000" dirty="0" smtClean="0">
+                <a:latin typeface="Arial" panose="020B0604020202020204" pitchFamily="34" charset="0"/>
+                <a:cs typeface="Arial" panose="020B0604020202020204" pitchFamily="34" charset="0"/>
+              </a:rPr>
+              <a:t>Tratar Troca</a:t>
+            </a:r>
+          </a:p>
+        </p:txBody>
+      </p:sp>
+      <p:cxnSp>
+        <p:nvCxnSpPr>
+          <p:cNvPr id="9" name="Conector reto 8"/>
+          <p:cNvCxnSpPr/>
+          <p:nvPr/>
+        </p:nvCxnSpPr>
+        <p:spPr>
+          <a:xfrm>
+            <a:off x="3192901" y="4182256"/>
+            <a:ext cx="1049303" cy="0"/>
+          </a:xfrm>
+          <a:prstGeom prst="line">
+            <a:avLst/>
+          </a:prstGeom>
+          <a:ln>
+            <a:solidFill>
+              <a:schemeClr val="tx1"/>
+            </a:solidFill>
+          </a:ln>
+        </p:spPr>
+        <p:style>
+          <a:lnRef idx="1">
+            <a:schemeClr val="accent1"/>
+          </a:lnRef>
+          <a:fillRef idx="0">
+            <a:schemeClr val="accent1"/>
+          </a:fillRef>
+          <a:effectRef idx="0">
+            <a:schemeClr val="accent1"/>
+          </a:effectRef>
+          <a:fontRef idx="minor">
+            <a:schemeClr val="tx1"/>
+          </a:fontRef>
+        </p:style>
+      </p:cxnSp>
+      <p:cxnSp>
+        <p:nvCxnSpPr>
+          <p:cNvPr id="10" name="Conector reto 9"/>
+          <p:cNvCxnSpPr/>
+          <p:nvPr/>
+        </p:nvCxnSpPr>
+        <p:spPr>
+          <a:xfrm>
+            <a:off x="3180411" y="4589486"/>
+            <a:ext cx="1049303" cy="0"/>
+          </a:xfrm>
+          <a:prstGeom prst="line">
+            <a:avLst/>
+          </a:prstGeom>
+          <a:ln>
+            <a:solidFill>
+              <a:schemeClr val="tx1"/>
+            </a:solidFill>
+          </a:ln>
+        </p:spPr>
+        <p:style>
+          <a:lnRef idx="1">
+            <a:schemeClr val="accent1"/>
+          </a:lnRef>
+          <a:fillRef idx="0">
+            <a:schemeClr val="accent1"/>
+          </a:fillRef>
+          <a:effectRef idx="0">
+            <a:schemeClr val="accent1"/>
+          </a:effectRef>
+          <a:fontRef idx="minor">
+            <a:schemeClr val="tx1"/>
+          </a:fontRef>
+        </p:style>
+      </p:cxnSp>
+      <p:sp>
+        <p:nvSpPr>
+          <p:cNvPr id="11" name="CaixaDeTexto 10"/>
+          <p:cNvSpPr txBox="1"/>
+          <p:nvPr/>
+        </p:nvSpPr>
+        <p:spPr>
+          <a:xfrm>
+            <a:off x="3337798" y="4222544"/>
+            <a:ext cx="836949" cy="276999"/>
+          </a:xfrm>
+          <a:prstGeom prst="rect">
+            <a:avLst/>
+          </a:prstGeom>
+          <a:solidFill>
+            <a:schemeClr val="bg1"/>
+          </a:solidFill>
+        </p:spPr>
+        <p:txBody>
+          <a:bodyPr wrap="square" rtlCol="0">
+            <a:spAutoFit/>
+          </a:bodyPr>
+          <a:lstStyle/>
+          <a:p>
+            <a:r>
+              <a:rPr lang="pt-BR" sz="1200" dirty="0" smtClean="0">
+                <a:latin typeface="Arial" panose="020B0604020202020204" pitchFamily="34" charset="0"/>
+                <a:cs typeface="Arial" panose="020B0604020202020204" pitchFamily="34" charset="0"/>
+              </a:rPr>
+              <a:t>Produto</a:t>
+            </a:r>
+          </a:p>
+        </p:txBody>
+      </p:sp>
+      <p:cxnSp>
+        <p:nvCxnSpPr>
+          <p:cNvPr id="12" name="Conector de seta reta 11"/>
+          <p:cNvCxnSpPr>
+            <a:stCxn id="7" idx="5"/>
+          </p:cNvCxnSpPr>
+          <p:nvPr/>
+        </p:nvCxnSpPr>
+        <p:spPr>
+          <a:xfrm>
+            <a:off x="3996627" y="3533225"/>
+            <a:ext cx="632822" cy="649031"/>
+          </a:xfrm>
+          <a:prstGeom prst="straightConnector1">
+            <a:avLst/>
+          </a:prstGeom>
+          <a:ln w="6350">
+            <a:solidFill>
+              <a:schemeClr val="tx1"/>
+            </a:solidFill>
+            <a:headEnd type="triangle"/>
+            <a:tailEnd type="triangle"/>
+          </a:ln>
+        </p:spPr>
+        <p:style>
+          <a:lnRef idx="1">
+            <a:schemeClr val="accent1"/>
+          </a:lnRef>
+          <a:fillRef idx="0">
+            <a:schemeClr val="accent1"/>
+          </a:fillRef>
+          <a:effectRef idx="0">
+            <a:schemeClr val="accent1"/>
+          </a:effectRef>
+          <a:fontRef idx="minor">
+            <a:schemeClr val="tx1"/>
+          </a:fontRef>
+        </p:style>
+      </p:cxnSp>
+      <p:cxnSp>
+        <p:nvCxnSpPr>
+          <p:cNvPr id="13" name="Conector de seta reta 12"/>
+          <p:cNvCxnSpPr/>
+          <p:nvPr/>
+        </p:nvCxnSpPr>
+        <p:spPr>
+          <a:xfrm flipV="1">
+            <a:off x="3747529" y="3627621"/>
+            <a:ext cx="6" cy="554635"/>
+          </a:xfrm>
+          <a:prstGeom prst="straightConnector1">
+            <a:avLst/>
+          </a:prstGeom>
+          <a:ln>
+            <a:solidFill>
+              <a:schemeClr val="tx1"/>
+            </a:solidFill>
+            <a:tailEnd type="triangle"/>
+          </a:ln>
+        </p:spPr>
+        <p:style>
+          <a:lnRef idx="1">
+            <a:schemeClr val="accent1"/>
+          </a:lnRef>
+          <a:fillRef idx="0">
+            <a:schemeClr val="accent1"/>
+          </a:fillRef>
+          <a:effectRef idx="0">
+            <a:schemeClr val="accent1"/>
+          </a:effectRef>
+          <a:fontRef idx="minor">
+            <a:schemeClr val="tx1"/>
+          </a:fontRef>
+        </p:style>
+      </p:cxnSp>
+      <p:cxnSp>
+        <p:nvCxnSpPr>
+          <p:cNvPr id="14" name="Conector em curva 13"/>
+          <p:cNvCxnSpPr/>
+          <p:nvPr/>
+        </p:nvCxnSpPr>
+        <p:spPr>
+          <a:xfrm flipV="1">
+            <a:off x="4099804" y="1798824"/>
+            <a:ext cx="112420" cy="1506509"/>
+          </a:xfrm>
+          <a:prstGeom prst="curvedConnector3">
+            <a:avLst>
+              <a:gd name="adj1" fmla="val 463353"/>
+            </a:avLst>
+          </a:prstGeom>
+          <a:ln>
+            <a:solidFill>
+              <a:schemeClr val="tx1"/>
+            </a:solidFill>
+            <a:tailEnd type="triangle"/>
+          </a:ln>
+        </p:spPr>
+        <p:style>
+          <a:lnRef idx="1">
+            <a:schemeClr val="accent1"/>
+          </a:lnRef>
+          <a:fillRef idx="0">
+            <a:schemeClr val="accent1"/>
+          </a:fillRef>
+          <a:effectRef idx="0">
+            <a:schemeClr val="accent1"/>
+          </a:effectRef>
+          <a:fontRef idx="minor">
+            <a:schemeClr val="tx1"/>
+          </a:fontRef>
+        </p:style>
+      </p:cxnSp>
+      <p:cxnSp>
+        <p:nvCxnSpPr>
+          <p:cNvPr id="15" name="Conector em curva 14"/>
+          <p:cNvCxnSpPr/>
+          <p:nvPr/>
+        </p:nvCxnSpPr>
+        <p:spPr>
+          <a:xfrm rot="10800000">
+            <a:off x="3282834" y="1798825"/>
+            <a:ext cx="112432" cy="1506509"/>
+          </a:xfrm>
+          <a:prstGeom prst="curvedConnector3">
+            <a:avLst>
+              <a:gd name="adj1" fmla="val 716635"/>
+            </a:avLst>
+          </a:prstGeom>
+          <a:ln>
+            <a:solidFill>
+              <a:schemeClr val="tx1"/>
+            </a:solidFill>
+            <a:tailEnd type="triangle"/>
+          </a:ln>
+        </p:spPr>
+        <p:style>
+          <a:lnRef idx="1">
+            <a:schemeClr val="accent1"/>
+          </a:lnRef>
+          <a:fillRef idx="0">
+            <a:schemeClr val="accent1"/>
+          </a:fillRef>
+          <a:effectRef idx="0">
+            <a:schemeClr val="accent1"/>
+          </a:effectRef>
+          <a:fontRef idx="minor">
+            <a:schemeClr val="tx1"/>
+          </a:fontRef>
+        </p:style>
+      </p:cxnSp>
+      <p:sp>
+        <p:nvSpPr>
+          <p:cNvPr id="16" name="CaixaDeTexto 15"/>
+          <p:cNvSpPr txBox="1"/>
+          <p:nvPr/>
+        </p:nvSpPr>
+        <p:spPr>
+          <a:xfrm>
+            <a:off x="1997425" y="2217669"/>
+            <a:ext cx="1457795" cy="461665"/>
+          </a:xfrm>
+          <a:prstGeom prst="rect">
+            <a:avLst/>
+          </a:prstGeom>
+          <a:solidFill>
+            <a:schemeClr val="bg1"/>
+          </a:solidFill>
+        </p:spPr>
+        <p:txBody>
+          <a:bodyPr wrap="square" rtlCol="0">
+            <a:spAutoFit/>
+          </a:bodyPr>
+          <a:lstStyle/>
+          <a:p>
+            <a:r>
+              <a:rPr lang="pt-BR" sz="1200" dirty="0" smtClean="0">
+                <a:latin typeface="Arial" panose="020B0604020202020204" pitchFamily="34" charset="0"/>
+                <a:cs typeface="Arial" panose="020B0604020202020204" pitchFamily="34" charset="0"/>
+              </a:rPr>
+              <a:t>Data de retirada do produto</a:t>
+            </a:r>
+          </a:p>
+        </p:txBody>
+      </p:sp>
+      <p:cxnSp>
+        <p:nvCxnSpPr>
+          <p:cNvPr id="17" name="Conector reto 16"/>
+          <p:cNvCxnSpPr/>
+          <p:nvPr/>
+        </p:nvCxnSpPr>
+        <p:spPr>
+          <a:xfrm>
+            <a:off x="1909052" y="4187254"/>
+            <a:ext cx="1049303" cy="0"/>
+          </a:xfrm>
+          <a:prstGeom prst="line">
+            <a:avLst/>
+          </a:prstGeom>
+          <a:ln>
+            <a:solidFill>
+              <a:schemeClr val="tx1"/>
+            </a:solidFill>
+          </a:ln>
+        </p:spPr>
+        <p:style>
+          <a:lnRef idx="1">
+            <a:schemeClr val="accent1"/>
+          </a:lnRef>
+          <a:fillRef idx="0">
+            <a:schemeClr val="accent1"/>
+          </a:fillRef>
+          <a:effectRef idx="0">
+            <a:schemeClr val="accent1"/>
+          </a:effectRef>
+          <a:fontRef idx="minor">
+            <a:schemeClr val="tx1"/>
+          </a:fontRef>
+        </p:style>
+      </p:cxnSp>
+      <p:cxnSp>
+        <p:nvCxnSpPr>
+          <p:cNvPr id="18" name="Conector reto 17"/>
+          <p:cNvCxnSpPr/>
+          <p:nvPr/>
+        </p:nvCxnSpPr>
+        <p:spPr>
+          <a:xfrm>
+            <a:off x="1896562" y="4594484"/>
+            <a:ext cx="1049303" cy="0"/>
+          </a:xfrm>
+          <a:prstGeom prst="line">
+            <a:avLst/>
+          </a:prstGeom>
+          <a:ln>
+            <a:solidFill>
+              <a:schemeClr val="tx1"/>
+            </a:solidFill>
+          </a:ln>
+        </p:spPr>
+        <p:style>
+          <a:lnRef idx="1">
+            <a:schemeClr val="accent1"/>
+          </a:lnRef>
+          <a:fillRef idx="0">
+            <a:schemeClr val="accent1"/>
+          </a:fillRef>
+          <a:effectRef idx="0">
+            <a:schemeClr val="accent1"/>
+          </a:effectRef>
+          <a:fontRef idx="minor">
+            <a:schemeClr val="tx1"/>
+          </a:fontRef>
+        </p:style>
+      </p:cxnSp>
+      <p:sp>
+        <p:nvSpPr>
+          <p:cNvPr id="19" name="CaixaDeTexto 18"/>
+          <p:cNvSpPr txBox="1"/>
+          <p:nvPr/>
+        </p:nvSpPr>
+        <p:spPr>
+          <a:xfrm>
+            <a:off x="1919039" y="4242532"/>
+            <a:ext cx="1109277" cy="276999"/>
+          </a:xfrm>
+          <a:prstGeom prst="rect">
+            <a:avLst/>
+          </a:prstGeom>
+          <a:solidFill>
+            <a:schemeClr val="bg1"/>
+          </a:solidFill>
+        </p:spPr>
+        <p:txBody>
+          <a:bodyPr wrap="square" rtlCol="0">
+            <a:spAutoFit/>
+          </a:bodyPr>
+          <a:lstStyle/>
+          <a:p>
+            <a:r>
+              <a:rPr lang="pt-BR" sz="1200" dirty="0" smtClean="0">
+                <a:latin typeface="Arial" panose="020B0604020202020204" pitchFamily="34" charset="0"/>
+                <a:cs typeface="Arial" panose="020B0604020202020204" pitchFamily="34" charset="0"/>
+              </a:rPr>
+              <a:t>Encomenda</a:t>
+            </a:r>
+          </a:p>
+        </p:txBody>
+      </p:sp>
+      <p:cxnSp>
+        <p:nvCxnSpPr>
+          <p:cNvPr id="20" name="Conector de seta reta 19"/>
+          <p:cNvCxnSpPr>
+            <a:stCxn id="7" idx="3"/>
+          </p:cNvCxnSpPr>
+          <p:nvPr/>
+        </p:nvCxnSpPr>
+        <p:spPr>
+          <a:xfrm flipH="1">
+            <a:off x="2730861" y="3533225"/>
+            <a:ext cx="767582" cy="649031"/>
+          </a:xfrm>
+          <a:prstGeom prst="straightConnector1">
+            <a:avLst/>
+          </a:prstGeom>
+          <a:ln>
+            <a:solidFill>
+              <a:schemeClr val="tx1"/>
+            </a:solidFill>
+            <a:headEnd type="triangle"/>
+            <a:tailEnd type="triangle"/>
+          </a:ln>
+        </p:spPr>
+        <p:style>
+          <a:lnRef idx="1">
+            <a:schemeClr val="accent1"/>
+          </a:lnRef>
+          <a:fillRef idx="0">
+            <a:schemeClr val="accent1"/>
+          </a:fillRef>
+          <a:effectRef idx="0">
+            <a:schemeClr val="accent1"/>
+          </a:effectRef>
+          <a:fontRef idx="minor">
+            <a:schemeClr val="tx1"/>
+          </a:fontRef>
+        </p:style>
+      </p:cxnSp>
+      <p:cxnSp>
+        <p:nvCxnSpPr>
+          <p:cNvPr id="21" name="Conector reto 20"/>
+          <p:cNvCxnSpPr/>
+          <p:nvPr/>
+        </p:nvCxnSpPr>
+        <p:spPr>
+          <a:xfrm>
+            <a:off x="4484552" y="4184755"/>
+            <a:ext cx="1049303" cy="0"/>
+          </a:xfrm>
+          <a:prstGeom prst="line">
+            <a:avLst/>
+          </a:prstGeom>
+          <a:ln>
+            <a:solidFill>
+              <a:schemeClr val="tx1"/>
+            </a:solidFill>
+          </a:ln>
+        </p:spPr>
+        <p:style>
+          <a:lnRef idx="1">
+            <a:schemeClr val="accent1"/>
+          </a:lnRef>
+          <a:fillRef idx="0">
+            <a:schemeClr val="accent1"/>
+          </a:fillRef>
+          <a:effectRef idx="0">
+            <a:schemeClr val="accent1"/>
+          </a:effectRef>
+          <a:fontRef idx="minor">
+            <a:schemeClr val="tx1"/>
+          </a:fontRef>
+        </p:style>
+      </p:cxnSp>
+      <p:cxnSp>
+        <p:nvCxnSpPr>
+          <p:cNvPr id="22" name="Conector reto 21"/>
+          <p:cNvCxnSpPr/>
+          <p:nvPr/>
+        </p:nvCxnSpPr>
+        <p:spPr>
+          <a:xfrm>
+            <a:off x="4472062" y="4591985"/>
+            <a:ext cx="1049303" cy="0"/>
+          </a:xfrm>
+          <a:prstGeom prst="line">
+            <a:avLst/>
+          </a:prstGeom>
+          <a:ln>
+            <a:solidFill>
+              <a:schemeClr val="tx1"/>
+            </a:solidFill>
+          </a:ln>
+        </p:spPr>
+        <p:style>
+          <a:lnRef idx="1">
+            <a:schemeClr val="accent1"/>
+          </a:lnRef>
+          <a:fillRef idx="0">
+            <a:schemeClr val="accent1"/>
+          </a:fillRef>
+          <a:effectRef idx="0">
+            <a:schemeClr val="accent1"/>
+          </a:effectRef>
+          <a:fontRef idx="minor">
+            <a:schemeClr val="tx1"/>
+          </a:fontRef>
+        </p:style>
+      </p:cxnSp>
+      <p:sp>
+        <p:nvSpPr>
+          <p:cNvPr id="23" name="CaixaDeTexto 22"/>
+          <p:cNvSpPr txBox="1"/>
+          <p:nvPr/>
+        </p:nvSpPr>
+        <p:spPr>
+          <a:xfrm>
+            <a:off x="4629449" y="4225043"/>
+            <a:ext cx="836949" cy="276999"/>
+          </a:xfrm>
+          <a:prstGeom prst="rect">
+            <a:avLst/>
+          </a:prstGeom>
+          <a:solidFill>
+            <a:schemeClr val="bg1"/>
+          </a:solidFill>
+        </p:spPr>
+        <p:txBody>
+          <a:bodyPr wrap="square" rtlCol="0">
+            <a:spAutoFit/>
+          </a:bodyPr>
+          <a:lstStyle/>
+          <a:p>
+            <a:r>
+              <a:rPr lang="pt-BR" sz="1200" dirty="0" smtClean="0">
+                <a:latin typeface="Arial" panose="020B0604020202020204" pitchFamily="34" charset="0"/>
+                <a:cs typeface="Arial" panose="020B0604020202020204" pitchFamily="34" charset="0"/>
+              </a:rPr>
+              <a:t>Pedido</a:t>
+            </a:r>
+          </a:p>
+        </p:txBody>
+      </p:sp>
+      <p:sp>
+        <p:nvSpPr>
+          <p:cNvPr id="24" name="Espaço Reservado para Conteúdo 2">
+            <a:extLst>
+              <a:ext uri="{FF2B5EF4-FFF2-40B4-BE49-F238E27FC236}">
+                <a16:creationId xmlns="" xmlns:a16="http://schemas.microsoft.com/office/drawing/2014/main" id="{F21868BC-3263-4148-A116-9A1B781D7959}"/>
+              </a:ext>
+            </a:extLst>
+          </p:cNvPr>
+          <p:cNvSpPr txBox="1">
+            <a:spLocks/>
+          </p:cNvSpPr>
+          <p:nvPr/>
+        </p:nvSpPr>
+        <p:spPr>
+          <a:xfrm>
+            <a:off x="7629131" y="1541702"/>
+            <a:ext cx="4334163" cy="4351338"/>
+          </a:xfrm>
+          <a:prstGeom prst="rect">
+            <a:avLst/>
+          </a:prstGeom>
+        </p:spPr>
+        <p:txBody>
+          <a:bodyPr>
+            <a:normAutofit/>
+          </a:bodyPr>
+          <a:lstStyle>
+            <a:lvl1pPr marL="228600" indent="-228600" algn="l" defTabSz="914400" rtl="0" eaLnBrk="1" latinLnBrk="0" hangingPunct="1">
+              <a:lnSpc>
+                <a:spcPct val="90000"/>
+              </a:lnSpc>
+              <a:spcBef>
+                <a:spcPts val="1000"/>
+              </a:spcBef>
+              <a:buFont typeface="Arial" panose="020B0604020202020204" pitchFamily="34" charset="0"/>
+              <a:buChar char="•"/>
+              <a:defRPr sz="2800" kern="1200">
+                <a:solidFill>
+                  <a:schemeClr val="tx1"/>
+                </a:solidFill>
+                <a:latin typeface="+mn-lt"/>
+                <a:ea typeface="+mn-ea"/>
+                <a:cs typeface="+mn-cs"/>
+              </a:defRPr>
+            </a:lvl1pPr>
+            <a:lvl2pPr marL="685800" indent="-228600" algn="l" defTabSz="914400" rtl="0" eaLnBrk="1" latinLnBrk="0" hangingPunct="1">
+              <a:lnSpc>
+                <a:spcPct val="90000"/>
+              </a:lnSpc>
+              <a:spcBef>
+                <a:spcPts val="500"/>
+              </a:spcBef>
+              <a:buFont typeface="Arial" panose="020B0604020202020204" pitchFamily="34" charset="0"/>
+              <a:buChar char="•"/>
+              <a:defRPr sz="2400" kern="1200">
+                <a:solidFill>
+                  <a:schemeClr val="tx1"/>
+                </a:solidFill>
+                <a:latin typeface="+mn-lt"/>
+                <a:ea typeface="+mn-ea"/>
+                <a:cs typeface="+mn-cs"/>
+              </a:defRPr>
+            </a:lvl2pPr>
+            <a:lvl3pPr marL="1143000" indent="-228600" algn="l" defTabSz="914400" rtl="0" eaLnBrk="1" latinLnBrk="0" hangingPunct="1">
+              <a:lnSpc>
+                <a:spcPct val="90000"/>
+              </a:lnSpc>
+              <a:spcBef>
+                <a:spcPts val="500"/>
+              </a:spcBef>
+              <a:buFont typeface="Arial" panose="020B0604020202020204" pitchFamily="34" charset="0"/>
+              <a:buChar char="•"/>
+              <a:defRPr sz="2000" kern="1200">
+                <a:solidFill>
+                  <a:schemeClr val="tx1"/>
+                </a:solidFill>
+                <a:latin typeface="+mn-lt"/>
+                <a:ea typeface="+mn-ea"/>
+                <a:cs typeface="+mn-cs"/>
+              </a:defRPr>
+            </a:lvl3pPr>
+            <a:lvl4pPr marL="1600200" indent="-228600" algn="l" defTabSz="914400" rtl="0" eaLnBrk="1" latinLnBrk="0" hangingPunct="1">
+              <a:lnSpc>
+                <a:spcPct val="90000"/>
+              </a:lnSpc>
+              <a:spcBef>
+                <a:spcPts val="500"/>
+              </a:spcBef>
+              <a:buFont typeface="Arial" panose="020B0604020202020204" pitchFamily="34" charset="0"/>
+              <a:buChar char="•"/>
+              <a:defRPr sz="1800" kern="1200">
+                <a:solidFill>
+                  <a:schemeClr val="tx1"/>
+                </a:solidFill>
+                <a:latin typeface="+mn-lt"/>
+                <a:ea typeface="+mn-ea"/>
+                <a:cs typeface="+mn-cs"/>
+              </a:defRPr>
+            </a:lvl4pPr>
+            <a:lvl5pPr marL="2057400" indent="-228600" algn="l" defTabSz="914400" rtl="0" eaLnBrk="1" latinLnBrk="0" hangingPunct="1">
+              <a:lnSpc>
+                <a:spcPct val="90000"/>
+              </a:lnSpc>
+              <a:spcBef>
+                <a:spcPts val="500"/>
+              </a:spcBef>
+              <a:buFont typeface="Arial" panose="020B0604020202020204" pitchFamily="34" charset="0"/>
+              <a:buChar char="•"/>
+              <a:defRPr sz="1800" kern="1200">
+                <a:solidFill>
+                  <a:schemeClr val="tx1"/>
+                </a:solidFill>
+                <a:latin typeface="+mn-lt"/>
+                <a:ea typeface="+mn-ea"/>
+                <a:cs typeface="+mn-cs"/>
+              </a:defRPr>
+            </a:lvl5pPr>
+            <a:lvl6pPr marL="2514600" indent="-228600" algn="l" defTabSz="914400" rtl="0" eaLnBrk="1" latinLnBrk="0" hangingPunct="1">
+              <a:lnSpc>
+                <a:spcPct val="90000"/>
+              </a:lnSpc>
+              <a:spcBef>
+                <a:spcPts val="500"/>
+              </a:spcBef>
+              <a:buFont typeface="Arial" panose="020B0604020202020204" pitchFamily="34" charset="0"/>
+              <a:buChar char="•"/>
+              <a:defRPr sz="1800" kern="1200">
+                <a:solidFill>
+                  <a:schemeClr val="tx1"/>
+                </a:solidFill>
+                <a:latin typeface="+mn-lt"/>
+                <a:ea typeface="+mn-ea"/>
+                <a:cs typeface="+mn-cs"/>
+              </a:defRPr>
+            </a:lvl6pPr>
+            <a:lvl7pPr marL="2971800" indent="-228600" algn="l" defTabSz="914400" rtl="0" eaLnBrk="1" latinLnBrk="0" hangingPunct="1">
+              <a:lnSpc>
+                <a:spcPct val="90000"/>
+              </a:lnSpc>
+              <a:spcBef>
+                <a:spcPts val="500"/>
+              </a:spcBef>
+              <a:buFont typeface="Arial" panose="020B0604020202020204" pitchFamily="34" charset="0"/>
+              <a:buChar char="•"/>
+              <a:defRPr sz="1800" kern="1200">
+                <a:solidFill>
+                  <a:schemeClr val="tx1"/>
+                </a:solidFill>
+                <a:latin typeface="+mn-lt"/>
+                <a:ea typeface="+mn-ea"/>
+                <a:cs typeface="+mn-cs"/>
+              </a:defRPr>
+            </a:lvl7pPr>
+            <a:lvl8pPr marL="3429000" indent="-228600" algn="l" defTabSz="914400" rtl="0" eaLnBrk="1" latinLnBrk="0" hangingPunct="1">
+              <a:lnSpc>
+                <a:spcPct val="90000"/>
+              </a:lnSpc>
+              <a:spcBef>
+                <a:spcPts val="500"/>
+              </a:spcBef>
+              <a:buFont typeface="Arial" panose="020B0604020202020204" pitchFamily="34" charset="0"/>
+              <a:buChar char="•"/>
+              <a:defRPr sz="1800" kern="1200">
+                <a:solidFill>
+                  <a:schemeClr val="tx1"/>
+                </a:solidFill>
+                <a:latin typeface="+mn-lt"/>
+                <a:ea typeface="+mn-ea"/>
+                <a:cs typeface="+mn-cs"/>
+              </a:defRPr>
+            </a:lvl8pPr>
+            <a:lvl9pPr marL="3886200" indent="-228600" algn="l" defTabSz="914400" rtl="0" eaLnBrk="1" latinLnBrk="0" hangingPunct="1">
+              <a:lnSpc>
+                <a:spcPct val="90000"/>
+              </a:lnSpc>
+              <a:spcBef>
+                <a:spcPts val="500"/>
+              </a:spcBef>
+              <a:buFont typeface="Arial" panose="020B0604020202020204" pitchFamily="34" charset="0"/>
+              <a:buChar char="•"/>
+              <a:defRPr sz="1800" kern="1200">
+                <a:solidFill>
+                  <a:schemeClr val="tx1"/>
+                </a:solidFill>
+                <a:latin typeface="+mn-lt"/>
+                <a:ea typeface="+mn-ea"/>
+                <a:cs typeface="+mn-cs"/>
+              </a:defRPr>
+            </a:lvl9pPr>
+          </a:lstStyle>
+          <a:p>
+            <a:pPr marL="0" indent="0">
+              <a:buNone/>
+            </a:pPr>
+            <a:r>
+              <a:rPr lang="pt-BR" sz="1600" b="1" dirty="0" smtClean="0">
+                <a:latin typeface="Arial" panose="020B0604020202020204" pitchFamily="34" charset="0"/>
+                <a:cs typeface="Arial" panose="020B0604020202020204" pitchFamily="34" charset="0"/>
+              </a:rPr>
+              <a:t>Processo</a:t>
+            </a:r>
+            <a:r>
+              <a:rPr lang="pt-BR" sz="1600" dirty="0" smtClean="0">
+                <a:latin typeface="Arial" panose="020B0604020202020204" pitchFamily="34" charset="0"/>
+                <a:cs typeface="Arial" panose="020B0604020202020204" pitchFamily="34" charset="0"/>
+              </a:rPr>
+              <a:t>: Tratar troca </a:t>
+            </a:r>
+          </a:p>
+          <a:p>
+            <a:pPr marL="0" indent="0">
+              <a:buFont typeface="Arial" panose="020B0604020202020204" pitchFamily="34" charset="0"/>
+              <a:buNone/>
+            </a:pPr>
+            <a:r>
+              <a:rPr lang="pt-BR" sz="1600" b="1" dirty="0" smtClean="0">
+                <a:latin typeface="Arial" panose="020B0604020202020204" pitchFamily="34" charset="0"/>
+                <a:cs typeface="Arial" panose="020B0604020202020204" pitchFamily="34" charset="0"/>
+              </a:rPr>
+              <a:t>Evento</a:t>
+            </a:r>
+            <a:r>
+              <a:rPr lang="pt-BR" sz="1600" dirty="0" smtClean="0">
+                <a:latin typeface="Arial" panose="020B0604020202020204" pitchFamily="34" charset="0"/>
+                <a:cs typeface="Arial" panose="020B0604020202020204" pitchFamily="34" charset="0"/>
+              </a:rPr>
+              <a:t>: Cliente faz troca</a:t>
+            </a:r>
+          </a:p>
+          <a:p>
+            <a:pPr marL="0" indent="0">
+              <a:buFont typeface="Arial" panose="020B0604020202020204" pitchFamily="34" charset="0"/>
+              <a:buNone/>
+            </a:pPr>
+            <a:r>
+              <a:rPr lang="pt-BR" sz="1600" b="1" dirty="0" smtClean="0">
+                <a:latin typeface="Arial" panose="020B0604020202020204" pitchFamily="34" charset="0"/>
+                <a:cs typeface="Arial" panose="020B0604020202020204" pitchFamily="34" charset="0"/>
+              </a:rPr>
+              <a:t>Trabalhador Envolvido</a:t>
+            </a:r>
+            <a:r>
+              <a:rPr lang="pt-BR" sz="1600" dirty="0" smtClean="0">
+                <a:latin typeface="Arial" panose="020B0604020202020204" pitchFamily="34" charset="0"/>
+                <a:cs typeface="Arial" panose="020B0604020202020204" pitchFamily="34" charset="0"/>
+              </a:rPr>
+              <a:t>: Atendente</a:t>
+            </a:r>
+          </a:p>
+          <a:p>
+            <a:r>
+              <a:rPr lang="pt-BR" sz="1600" dirty="0" smtClean="0">
+                <a:latin typeface="Arial" panose="020B0604020202020204" pitchFamily="34" charset="0"/>
+                <a:cs typeface="Arial" panose="020B0604020202020204" pitchFamily="34" charset="0"/>
+              </a:rPr>
+              <a:t>Receber </a:t>
+            </a:r>
+            <a:r>
+              <a:rPr lang="pt-BR" sz="1600" dirty="0">
+                <a:latin typeface="Arial" panose="020B0604020202020204" pitchFamily="34" charset="0"/>
+                <a:cs typeface="Arial" panose="020B0604020202020204" pitchFamily="34" charset="0"/>
+              </a:rPr>
+              <a:t>o</a:t>
+            </a:r>
+            <a:r>
+              <a:rPr lang="pt-BR" sz="1600" dirty="0" smtClean="0">
+                <a:latin typeface="Arial" panose="020B0604020202020204" pitchFamily="34" charset="0"/>
+                <a:cs typeface="Arial" panose="020B0604020202020204" pitchFamily="34" charset="0"/>
+              </a:rPr>
+              <a:t> produto da troca</a:t>
+            </a:r>
+            <a:r>
+              <a:rPr lang="pt-BR" sz="1600" dirty="0" smtClean="0">
+                <a:latin typeface="Arial" panose="020B0604020202020204" pitchFamily="34" charset="0"/>
+                <a:cs typeface="Arial" panose="020B0604020202020204" pitchFamily="34" charset="0"/>
+              </a:rPr>
+              <a:t>.</a:t>
+            </a:r>
+          </a:p>
+          <a:p>
+            <a:r>
+              <a:rPr lang="pt-BR" sz="1600" dirty="0" smtClean="0">
+                <a:latin typeface="Arial" panose="020B0604020202020204" pitchFamily="34" charset="0"/>
+                <a:cs typeface="Arial" panose="020B0604020202020204" pitchFamily="34" charset="0"/>
+              </a:rPr>
+              <a:t>Verificar o pedido.</a:t>
+            </a:r>
+            <a:endParaRPr lang="pt-BR" sz="1600" dirty="0" smtClean="0">
+              <a:latin typeface="Arial" panose="020B0604020202020204" pitchFamily="34" charset="0"/>
+              <a:cs typeface="Arial" panose="020B0604020202020204" pitchFamily="34" charset="0"/>
+            </a:endParaRPr>
+          </a:p>
+          <a:p>
+            <a:r>
+              <a:rPr lang="pt-BR" sz="1600" dirty="0" smtClean="0">
+                <a:latin typeface="Arial" panose="020B0604020202020204" pitchFamily="34" charset="0"/>
+                <a:cs typeface="Arial" panose="020B0604020202020204" pitchFamily="34" charset="0"/>
+              </a:rPr>
+              <a:t>Verificar </a:t>
+            </a:r>
+            <a:r>
+              <a:rPr lang="pt-BR" sz="1600" dirty="0" smtClean="0">
+                <a:latin typeface="Arial" panose="020B0604020202020204" pitchFamily="34" charset="0"/>
+                <a:cs typeface="Arial" panose="020B0604020202020204" pitchFamily="34" charset="0"/>
+              </a:rPr>
+              <a:t>o produto.</a:t>
+            </a:r>
+          </a:p>
+          <a:p>
+            <a:pPr lvl="1"/>
+            <a:r>
+              <a:rPr lang="pt-BR" sz="1600" dirty="0" smtClean="0">
+                <a:latin typeface="Arial" panose="020B0604020202020204" pitchFamily="34" charset="0"/>
+                <a:cs typeface="Arial" panose="020B0604020202020204" pitchFamily="34" charset="0"/>
+              </a:rPr>
+              <a:t>Se o produto estiver muito danificado, devolver o produto e não realizar a troca</a:t>
+            </a:r>
+            <a:endParaRPr lang="pt-BR" sz="1600" dirty="0" smtClean="0">
+              <a:latin typeface="Arial" panose="020B0604020202020204" pitchFamily="34" charset="0"/>
+              <a:cs typeface="Arial" panose="020B0604020202020204" pitchFamily="34" charset="0"/>
+            </a:endParaRPr>
+          </a:p>
+          <a:p>
+            <a:r>
+              <a:rPr lang="pt-BR" sz="1600" dirty="0" smtClean="0">
+                <a:latin typeface="Arial" panose="020B0604020202020204" pitchFamily="34" charset="0"/>
+                <a:cs typeface="Arial" panose="020B0604020202020204" pitchFamily="34" charset="0"/>
+              </a:rPr>
+              <a:t>Se não houver o produto disponível para troca, fazer uma encomenda e informar a data para a retirada do produto.</a:t>
+            </a:r>
+            <a:endParaRPr lang="pt-BR" sz="1600" dirty="0">
+              <a:latin typeface="Arial" panose="020B0604020202020204" pitchFamily="34" charset="0"/>
+              <a:cs typeface="Arial" panose="020B0604020202020204" pitchFamily="34" charset="0"/>
+            </a:endParaRPr>
+          </a:p>
+          <a:p>
+            <a:r>
+              <a:rPr lang="pt-BR" sz="1600" dirty="0" smtClean="0">
+                <a:latin typeface="Arial" panose="020B0604020202020204" pitchFamily="34" charset="0"/>
+                <a:cs typeface="Arial" panose="020B0604020202020204" pitchFamily="34" charset="0"/>
+              </a:rPr>
+              <a:t>Fazer a troca e e</a:t>
+            </a:r>
+            <a:r>
+              <a:rPr lang="pt-BR" sz="1600" dirty="0" smtClean="0">
+                <a:latin typeface="Arial" panose="020B0604020202020204" pitchFamily="34" charset="0"/>
+                <a:cs typeface="Arial" panose="020B0604020202020204" pitchFamily="34" charset="0"/>
+              </a:rPr>
+              <a:t>ntregar </a:t>
+            </a:r>
+            <a:r>
+              <a:rPr lang="pt-BR" sz="1600" dirty="0" smtClean="0">
+                <a:latin typeface="Arial" panose="020B0604020202020204" pitchFamily="34" charset="0"/>
+                <a:cs typeface="Arial" panose="020B0604020202020204" pitchFamily="34" charset="0"/>
+              </a:rPr>
+              <a:t>o produto</a:t>
+            </a:r>
+            <a:r>
+              <a:rPr lang="pt-BR" sz="1600" dirty="0" smtClean="0">
+                <a:latin typeface="Arial" panose="020B0604020202020204" pitchFamily="34" charset="0"/>
+                <a:cs typeface="Arial" panose="020B0604020202020204" pitchFamily="34" charset="0"/>
+              </a:rPr>
+              <a:t>.</a:t>
+            </a:r>
+            <a:endParaRPr lang="pt-BR" sz="1600" dirty="0">
+              <a:latin typeface="Arial" panose="020B0604020202020204" pitchFamily="34" charset="0"/>
+              <a:cs typeface="Arial" panose="020B0604020202020204" pitchFamily="34" charset="0"/>
+            </a:endParaRPr>
+          </a:p>
+        </p:txBody>
+      </p:sp>
+      <p:sp>
+        <p:nvSpPr>
+          <p:cNvPr id="25" name="CaixaDeTexto 24"/>
+          <p:cNvSpPr txBox="1"/>
+          <p:nvPr/>
+        </p:nvSpPr>
+        <p:spPr>
+          <a:xfrm>
+            <a:off x="4159761" y="2315113"/>
+            <a:ext cx="1026837" cy="276999"/>
+          </a:xfrm>
+          <a:prstGeom prst="rect">
+            <a:avLst/>
+          </a:prstGeom>
+          <a:solidFill>
+            <a:schemeClr val="bg1"/>
+          </a:solidFill>
+        </p:spPr>
+        <p:txBody>
+          <a:bodyPr wrap="square" rtlCol="0">
+            <a:spAutoFit/>
+          </a:bodyPr>
+          <a:lstStyle/>
+          <a:p>
+            <a:pPr algn="ctr"/>
+            <a:r>
+              <a:rPr lang="pt-BR" sz="1200" dirty="0" smtClean="0">
+                <a:latin typeface="Arial" panose="020B0604020202020204" pitchFamily="34" charset="0"/>
+                <a:cs typeface="Arial" panose="020B0604020202020204" pitchFamily="34" charset="0"/>
+              </a:rPr>
+              <a:t>Produto</a:t>
+            </a:r>
+          </a:p>
+        </p:txBody>
+      </p:sp>
+    </p:spTree>
+    <p:extLst>
+      <p:ext uri="{BB962C8B-B14F-4D97-AF65-F5344CB8AC3E}">
+        <p14:creationId xmlns:p14="http://schemas.microsoft.com/office/powerpoint/2010/main" val="108241480"/>
+      </p:ext>
+    </p:extLst>
+  </p:cSld>
+  <p:clrMapOvr>
+    <a:masterClrMapping/>
+  </p:clrMapOvr>
+</p:sld>
+</file>
+
+<file path=ppt/slides/slide6.xml><?xml version="1.0" encoding="utf-8"?>
+<p:sld xmlns:a="http://schemas.openxmlformats.org/drawingml/2006/main" xmlns:r="http://schemas.openxmlformats.org/officeDocument/2006/relationships" xmlns:p="http://schemas.openxmlformats.org/presentationml/2006/main">
+  <p:cSld>
+    <p:spTree>
+      <p:nvGrpSpPr>
+        <p:cNvPr id="1" name=""/>
+        <p:cNvGrpSpPr/>
+        <p:nvPr/>
+      </p:nvGrpSpPr>
+      <p:grpSpPr>
+        <a:xfrm>
+          <a:off x="0" y="0"/>
+          <a:ext cx="0" cy="0"/>
+          <a:chOff x="0" y="0"/>
+          <a:chExt cx="0" cy="0"/>
+        </a:xfrm>
+      </p:grpSpPr>
+      <p:sp>
+        <p:nvSpPr>
+          <p:cNvPr id="2" name="CaixaDeTexto 1"/>
+          <p:cNvSpPr txBox="1"/>
+          <p:nvPr/>
+        </p:nvSpPr>
+        <p:spPr>
+          <a:xfrm>
+            <a:off x="3771991" y="2513047"/>
+            <a:ext cx="1339122" cy="461665"/>
+          </a:xfrm>
+          <a:prstGeom prst="rect">
+            <a:avLst/>
+          </a:prstGeom>
+          <a:solidFill>
+            <a:schemeClr val="bg1"/>
+          </a:solidFill>
+        </p:spPr>
+        <p:txBody>
+          <a:bodyPr wrap="square" rtlCol="0">
+            <a:spAutoFit/>
+          </a:bodyPr>
+          <a:lstStyle/>
+          <a:p>
+            <a:r>
+              <a:rPr lang="pt-BR" sz="1200" dirty="0" smtClean="0">
+                <a:latin typeface="Arial" panose="020B0604020202020204" pitchFamily="34" charset="0"/>
+                <a:cs typeface="Arial" panose="020B0604020202020204" pitchFamily="34" charset="0"/>
+              </a:rPr>
+              <a:t>Troca por outro produto</a:t>
+            </a:r>
+          </a:p>
+        </p:txBody>
+      </p:sp>
+      <p:sp>
+        <p:nvSpPr>
+          <p:cNvPr id="3" name="Elipse 2"/>
+          <p:cNvSpPr/>
+          <p:nvPr/>
+        </p:nvSpPr>
+        <p:spPr>
+          <a:xfrm>
+            <a:off x="3868651" y="3225383"/>
+            <a:ext cx="1020630" cy="776993"/>
+          </a:xfrm>
+          <a:prstGeom prst="ellipse">
+            <a:avLst/>
+          </a:prstGeom>
+          <a:noFill/>
+          <a:ln>
+            <a:solidFill>
+              <a:schemeClr val="tx1"/>
+            </a:solidFill>
+          </a:ln>
+        </p:spPr>
+        <p:style>
+          <a:lnRef idx="2">
+            <a:schemeClr val="accent1">
+              <a:shade val="50000"/>
+            </a:schemeClr>
+          </a:lnRef>
+          <a:fillRef idx="1">
+            <a:schemeClr val="accent1"/>
+          </a:fillRef>
+          <a:effectRef idx="0">
+            <a:schemeClr val="accent1"/>
+          </a:effectRef>
+          <a:fontRef idx="minor">
+            <a:schemeClr val="lt1"/>
+          </a:fontRef>
+        </p:style>
+        <p:txBody>
+          <a:bodyPr rtlCol="0" anchor="ctr"/>
+          <a:lstStyle/>
+          <a:p>
+            <a:pPr algn="ctr"/>
+            <a:r>
+              <a:rPr lang="pt-BR" sz="1200" dirty="0" smtClean="0">
+                <a:latin typeface="Arial" panose="020B0604020202020204" pitchFamily="34" charset="0"/>
+                <a:cs typeface="Arial" panose="020B0604020202020204" pitchFamily="34" charset="0"/>
+              </a:rPr>
+              <a:t>oca</a:t>
+            </a:r>
+            <a:endParaRPr lang="pt-BR" sz="1200" dirty="0">
+              <a:latin typeface="Arial" panose="020B0604020202020204" pitchFamily="34" charset="0"/>
+              <a:cs typeface="Arial" panose="020B0604020202020204" pitchFamily="34" charset="0"/>
+            </a:endParaRPr>
+          </a:p>
+          <a:p>
+            <a:pPr algn="ctr"/>
+            <a:endParaRPr lang="pt-BR" dirty="0"/>
+          </a:p>
+        </p:txBody>
+      </p:sp>
+      <p:sp>
+        <p:nvSpPr>
+          <p:cNvPr id="5" name="Retângulo 4"/>
+          <p:cNvSpPr/>
+          <p:nvPr/>
+        </p:nvSpPr>
+        <p:spPr>
+          <a:xfrm>
+            <a:off x="3868651" y="1723870"/>
+            <a:ext cx="929390" cy="599607"/>
+          </a:xfrm>
+          <a:prstGeom prst="rect">
+            <a:avLst/>
+          </a:prstGeom>
+          <a:noFill/>
+          <a:ln>
+            <a:solidFill>
+              <a:schemeClr val="tx1"/>
+            </a:solidFill>
+          </a:ln>
+        </p:spPr>
+        <p:style>
+          <a:lnRef idx="2">
+            <a:schemeClr val="accent1">
+              <a:shade val="50000"/>
+            </a:schemeClr>
+          </a:lnRef>
+          <a:fillRef idx="1">
+            <a:schemeClr val="accent1"/>
+          </a:fillRef>
+          <a:effectRef idx="0">
+            <a:schemeClr val="accent1"/>
+          </a:effectRef>
+          <a:fontRef idx="minor">
+            <a:schemeClr val="lt1"/>
+          </a:fontRef>
+        </p:style>
+        <p:txBody>
+          <a:bodyPr rtlCol="0" anchor="ctr"/>
+          <a:lstStyle/>
+          <a:p>
+            <a:pPr algn="ctr"/>
+            <a:endParaRPr lang="pt-BR"/>
+          </a:p>
+        </p:txBody>
+      </p:sp>
+      <p:sp>
+        <p:nvSpPr>
+          <p:cNvPr id="6" name="CaixaDeTexto 5"/>
+          <p:cNvSpPr txBox="1"/>
+          <p:nvPr/>
+        </p:nvSpPr>
+        <p:spPr>
+          <a:xfrm>
+            <a:off x="4013557" y="1869097"/>
+            <a:ext cx="689548" cy="276999"/>
+          </a:xfrm>
+          <a:prstGeom prst="rect">
+            <a:avLst/>
+          </a:prstGeom>
+          <a:solidFill>
+            <a:schemeClr val="bg1"/>
+          </a:solidFill>
+        </p:spPr>
+        <p:txBody>
+          <a:bodyPr wrap="square" rtlCol="0">
+            <a:spAutoFit/>
+          </a:bodyPr>
+          <a:lstStyle/>
+          <a:p>
+            <a:r>
+              <a:rPr lang="pt-BR" sz="1200" dirty="0" smtClean="0">
+                <a:latin typeface="Arial" panose="020B0604020202020204" pitchFamily="34" charset="0"/>
+                <a:cs typeface="Arial" panose="020B0604020202020204" pitchFamily="34" charset="0"/>
+              </a:rPr>
+              <a:t>Cliente</a:t>
+            </a:r>
+          </a:p>
+        </p:txBody>
+      </p:sp>
+      <p:cxnSp>
+        <p:nvCxnSpPr>
+          <p:cNvPr id="7" name="Conector de seta reta 6"/>
+          <p:cNvCxnSpPr/>
+          <p:nvPr/>
+        </p:nvCxnSpPr>
+        <p:spPr>
+          <a:xfrm>
+            <a:off x="4366293" y="2342527"/>
+            <a:ext cx="6" cy="884417"/>
+          </a:xfrm>
+          <a:prstGeom prst="straightConnector1">
+            <a:avLst/>
+          </a:prstGeom>
+          <a:ln>
+            <a:solidFill>
+              <a:schemeClr val="tx1"/>
+            </a:solidFill>
+            <a:tailEnd type="triangle"/>
+          </a:ln>
+        </p:spPr>
+        <p:style>
+          <a:lnRef idx="1">
+            <a:schemeClr val="accent1"/>
+          </a:lnRef>
+          <a:fillRef idx="0">
+            <a:schemeClr val="accent1"/>
+          </a:fillRef>
+          <a:effectRef idx="0">
+            <a:schemeClr val="accent1"/>
+          </a:effectRef>
+          <a:fontRef idx="minor">
+            <a:schemeClr val="tx1"/>
+          </a:fontRef>
+        </p:style>
+      </p:cxnSp>
+      <p:cxnSp>
+        <p:nvCxnSpPr>
+          <p:cNvPr id="8" name="Conector de seta reta 7"/>
+          <p:cNvCxnSpPr>
+            <a:stCxn id="3" idx="4"/>
+          </p:cNvCxnSpPr>
+          <p:nvPr/>
+        </p:nvCxnSpPr>
+        <p:spPr>
+          <a:xfrm>
+            <a:off x="4378966" y="4002376"/>
+            <a:ext cx="11534" cy="404730"/>
+          </a:xfrm>
+          <a:prstGeom prst="straightConnector1">
+            <a:avLst/>
+          </a:prstGeom>
+          <a:ln>
+            <a:solidFill>
+              <a:schemeClr val="tx1"/>
+            </a:solidFill>
+            <a:headEnd type="triangle"/>
+            <a:tailEnd type="triangle"/>
+          </a:ln>
+        </p:spPr>
+        <p:style>
+          <a:lnRef idx="1">
+            <a:schemeClr val="accent1"/>
+          </a:lnRef>
+          <a:fillRef idx="0">
+            <a:schemeClr val="accent1"/>
+          </a:fillRef>
+          <a:effectRef idx="0">
+            <a:schemeClr val="accent1"/>
+          </a:effectRef>
+          <a:fontRef idx="minor">
+            <a:schemeClr val="tx1"/>
+          </a:fontRef>
+        </p:style>
+      </p:cxnSp>
+      <p:cxnSp>
+        <p:nvCxnSpPr>
+          <p:cNvPr id="9" name="Conector em curva 8"/>
+          <p:cNvCxnSpPr>
+            <a:stCxn id="3" idx="6"/>
+          </p:cNvCxnSpPr>
+          <p:nvPr/>
+        </p:nvCxnSpPr>
+        <p:spPr>
+          <a:xfrm flipH="1" flipV="1">
+            <a:off x="4798041" y="1981880"/>
+            <a:ext cx="91240" cy="1632000"/>
+          </a:xfrm>
+          <a:prstGeom prst="curvedConnector4">
+            <a:avLst>
+              <a:gd name="adj1" fmla="val -904757"/>
+              <a:gd name="adj2" fmla="val 109372"/>
+            </a:avLst>
+          </a:prstGeom>
+          <a:ln>
+            <a:solidFill>
+              <a:schemeClr val="tx1"/>
+            </a:solidFill>
+            <a:tailEnd type="triangle"/>
+          </a:ln>
+        </p:spPr>
+        <p:style>
+          <a:lnRef idx="1">
+            <a:schemeClr val="accent1"/>
+          </a:lnRef>
+          <a:fillRef idx="0">
+            <a:schemeClr val="accent1"/>
+          </a:fillRef>
+          <a:effectRef idx="0">
+            <a:schemeClr val="accent1"/>
+          </a:effectRef>
+          <a:fontRef idx="minor">
+            <a:schemeClr val="tx1"/>
+          </a:fontRef>
+        </p:style>
+      </p:cxnSp>
+      <p:sp>
+        <p:nvSpPr>
+          <p:cNvPr id="10" name="CaixaDeTexto 9"/>
+          <p:cNvSpPr txBox="1"/>
+          <p:nvPr/>
+        </p:nvSpPr>
+        <p:spPr>
+          <a:xfrm>
+            <a:off x="5195331" y="2686471"/>
+            <a:ext cx="1026837" cy="276999"/>
+          </a:xfrm>
+          <a:prstGeom prst="rect">
+            <a:avLst/>
+          </a:prstGeom>
+          <a:solidFill>
+            <a:schemeClr val="bg1"/>
+          </a:solidFill>
+        </p:spPr>
+        <p:txBody>
+          <a:bodyPr wrap="square" rtlCol="0">
+            <a:spAutoFit/>
+          </a:bodyPr>
+          <a:lstStyle/>
+          <a:p>
+            <a:pPr algn="ctr"/>
+            <a:r>
+              <a:rPr lang="pt-BR" sz="1200" dirty="0" smtClean="0">
+                <a:latin typeface="Arial" panose="020B0604020202020204" pitchFamily="34" charset="0"/>
+                <a:cs typeface="Arial" panose="020B0604020202020204" pitchFamily="34" charset="0"/>
+              </a:rPr>
+              <a:t>Produto</a:t>
+            </a:r>
+          </a:p>
+        </p:txBody>
+      </p:sp>
+      <p:cxnSp>
+        <p:nvCxnSpPr>
+          <p:cNvPr id="11" name="Conector em curva 10"/>
+          <p:cNvCxnSpPr>
+            <a:stCxn id="3" idx="2"/>
+            <a:endCxn id="5" idx="1"/>
+          </p:cNvCxnSpPr>
+          <p:nvPr/>
+        </p:nvCxnSpPr>
+        <p:spPr>
+          <a:xfrm rot="10800000">
+            <a:off x="3868651" y="2023674"/>
+            <a:ext cx="12700" cy="1590206"/>
+          </a:xfrm>
+          <a:prstGeom prst="curvedConnector3">
+            <a:avLst>
+              <a:gd name="adj1" fmla="val 6500000"/>
+            </a:avLst>
+          </a:prstGeom>
+          <a:ln>
+            <a:solidFill>
+              <a:schemeClr val="tx1"/>
+            </a:solidFill>
+            <a:tailEnd type="triangle"/>
+          </a:ln>
+        </p:spPr>
+        <p:style>
+          <a:lnRef idx="1">
+            <a:schemeClr val="accent1"/>
+          </a:lnRef>
+          <a:fillRef idx="0">
+            <a:schemeClr val="accent1"/>
+          </a:fillRef>
+          <a:effectRef idx="0">
+            <a:schemeClr val="accent1"/>
+          </a:effectRef>
+          <a:fontRef idx="minor">
+            <a:schemeClr val="tx1"/>
+          </a:fontRef>
+        </p:style>
+      </p:cxnSp>
+      <p:sp>
+        <p:nvSpPr>
+          <p:cNvPr id="12" name="Título 1"/>
+          <p:cNvSpPr txBox="1">
+            <a:spLocks/>
+          </p:cNvSpPr>
+          <p:nvPr/>
+        </p:nvSpPr>
+        <p:spPr>
+          <a:xfrm>
+            <a:off x="29982" y="63740"/>
+            <a:ext cx="10515600" cy="790700"/>
+          </a:xfrm>
+          <a:prstGeom prst="rect">
+            <a:avLst/>
+          </a:prstGeom>
+        </p:spPr>
+        <p:txBody>
+          <a:bodyPr/>
+          <a:lstStyle>
+            <a:lvl1pPr algn="l" defTabSz="914400" rtl="0" eaLnBrk="1" latinLnBrk="0" hangingPunct="1">
+              <a:lnSpc>
+                <a:spcPct val="90000"/>
+              </a:lnSpc>
+              <a:spcBef>
+                <a:spcPct val="0"/>
+              </a:spcBef>
+              <a:buNone/>
+              <a:defRPr sz="4400" kern="1200">
+                <a:solidFill>
+                  <a:schemeClr val="tx1"/>
+                </a:solidFill>
+                <a:latin typeface="+mj-lt"/>
+                <a:ea typeface="+mj-ea"/>
+                <a:cs typeface="+mj-cs"/>
+              </a:defRPr>
+            </a:lvl1pPr>
+          </a:lstStyle>
+          <a:p>
+            <a:r>
+              <a:rPr lang="pt-BR" dirty="0" smtClean="0"/>
+              <a:t>Capacidade: </a:t>
+            </a:r>
+            <a:r>
+              <a:rPr lang="pt-BR" dirty="0"/>
+              <a:t>Tratar a troca do </a:t>
+            </a:r>
+            <a:r>
+              <a:rPr lang="pt-BR" dirty="0" smtClean="0"/>
+              <a:t>produto</a:t>
+            </a:r>
+            <a:endParaRPr lang="pt-BR" dirty="0"/>
+          </a:p>
+        </p:txBody>
+      </p:sp>
+      <p:sp>
+        <p:nvSpPr>
+          <p:cNvPr id="13" name="CaixaDeTexto 12"/>
+          <p:cNvSpPr txBox="1"/>
+          <p:nvPr/>
+        </p:nvSpPr>
+        <p:spPr>
+          <a:xfrm>
+            <a:off x="2708105" y="2512287"/>
+            <a:ext cx="1026837" cy="1200329"/>
+          </a:xfrm>
+          <a:prstGeom prst="rect">
+            <a:avLst/>
+          </a:prstGeom>
+          <a:solidFill>
+            <a:schemeClr val="bg1"/>
+          </a:solidFill>
+        </p:spPr>
+        <p:txBody>
+          <a:bodyPr wrap="square" rtlCol="0">
+            <a:spAutoFit/>
+          </a:bodyPr>
+          <a:lstStyle/>
+          <a:p>
+            <a:pPr algn="ctr"/>
+            <a:r>
+              <a:rPr lang="pt-BR" sz="1200" dirty="0" smtClean="0">
+                <a:latin typeface="Arial" panose="020B0604020202020204" pitchFamily="34" charset="0"/>
+                <a:cs typeface="Arial" panose="020B0604020202020204" pitchFamily="34" charset="0"/>
+              </a:rPr>
+              <a:t>Produto</a:t>
+            </a:r>
+          </a:p>
+          <a:p>
+            <a:pPr algn="ctr"/>
+            <a:r>
+              <a:rPr lang="pt-BR" sz="1200" dirty="0" smtClean="0">
+                <a:latin typeface="Arial" panose="020B0604020202020204" pitchFamily="34" charset="0"/>
+                <a:cs typeface="Arial" panose="020B0604020202020204" pitchFamily="34" charset="0"/>
+              </a:rPr>
+              <a:t>Indisponível+ </a:t>
+            </a:r>
+            <a:r>
+              <a:rPr lang="pt-BR" sz="1200" dirty="0" smtClean="0">
+                <a:latin typeface="Arial" panose="020B0604020202020204" pitchFamily="34" charset="0"/>
+                <a:cs typeface="Arial" panose="020B0604020202020204" pitchFamily="34" charset="0"/>
+              </a:rPr>
+              <a:t>pagamento</a:t>
+            </a:r>
+          </a:p>
+          <a:p>
+            <a:pPr algn="ctr"/>
+            <a:r>
+              <a:rPr lang="pt-BR" sz="1200" dirty="0" smtClean="0">
+                <a:latin typeface="Arial" panose="020B0604020202020204" pitchFamily="34" charset="0"/>
+                <a:cs typeface="Arial" panose="020B0604020202020204" pitchFamily="34" charset="0"/>
+              </a:rPr>
+              <a:t>+</a:t>
+            </a:r>
+          </a:p>
+          <a:p>
+            <a:pPr algn="ctr"/>
+            <a:r>
+              <a:rPr lang="pt-BR" sz="1200" dirty="0" smtClean="0">
+                <a:latin typeface="Arial" panose="020B0604020202020204" pitchFamily="34" charset="0"/>
+                <a:cs typeface="Arial" panose="020B0604020202020204" pitchFamily="34" charset="0"/>
+              </a:rPr>
+              <a:t>(estorno)</a:t>
+            </a:r>
+            <a:endParaRPr lang="pt-BR" sz="1200" dirty="0" smtClean="0">
+              <a:latin typeface="Arial" panose="020B0604020202020204" pitchFamily="34" charset="0"/>
+              <a:cs typeface="Arial" panose="020B0604020202020204" pitchFamily="34" charset="0"/>
+            </a:endParaRPr>
+          </a:p>
+        </p:txBody>
+      </p:sp>
+      <p:cxnSp>
+        <p:nvCxnSpPr>
+          <p:cNvPr id="14" name="Conector reto 13"/>
+          <p:cNvCxnSpPr/>
+          <p:nvPr/>
+        </p:nvCxnSpPr>
+        <p:spPr>
+          <a:xfrm>
+            <a:off x="2548327" y="4407106"/>
+            <a:ext cx="1049303" cy="0"/>
+          </a:xfrm>
+          <a:prstGeom prst="line">
+            <a:avLst/>
+          </a:prstGeom>
+          <a:ln>
+            <a:solidFill>
+              <a:schemeClr val="tx1"/>
+            </a:solidFill>
+          </a:ln>
+        </p:spPr>
+        <p:style>
+          <a:lnRef idx="1">
+            <a:schemeClr val="accent1"/>
+          </a:lnRef>
+          <a:fillRef idx="0">
+            <a:schemeClr val="accent1"/>
+          </a:fillRef>
+          <a:effectRef idx="0">
+            <a:schemeClr val="accent1"/>
+          </a:effectRef>
+          <a:fontRef idx="minor">
+            <a:schemeClr val="tx1"/>
+          </a:fontRef>
+        </p:style>
+      </p:cxnSp>
+      <p:cxnSp>
+        <p:nvCxnSpPr>
+          <p:cNvPr id="15" name="Conector reto 14"/>
+          <p:cNvCxnSpPr/>
+          <p:nvPr/>
+        </p:nvCxnSpPr>
+        <p:spPr>
+          <a:xfrm>
+            <a:off x="2535837" y="4814336"/>
+            <a:ext cx="1049303" cy="0"/>
+          </a:xfrm>
+          <a:prstGeom prst="line">
+            <a:avLst/>
+          </a:prstGeom>
+          <a:ln>
+            <a:solidFill>
+              <a:schemeClr val="tx1"/>
+            </a:solidFill>
+          </a:ln>
+        </p:spPr>
+        <p:style>
+          <a:lnRef idx="1">
+            <a:schemeClr val="accent1"/>
+          </a:lnRef>
+          <a:fillRef idx="0">
+            <a:schemeClr val="accent1"/>
+          </a:fillRef>
+          <a:effectRef idx="0">
+            <a:schemeClr val="accent1"/>
+          </a:effectRef>
+          <a:fontRef idx="minor">
+            <a:schemeClr val="tx1"/>
+          </a:fontRef>
+        </p:style>
+      </p:cxnSp>
+      <p:sp>
+        <p:nvSpPr>
+          <p:cNvPr id="16" name="CaixaDeTexto 15"/>
+          <p:cNvSpPr txBox="1"/>
+          <p:nvPr/>
+        </p:nvSpPr>
+        <p:spPr>
+          <a:xfrm>
+            <a:off x="2693224" y="4447394"/>
+            <a:ext cx="836949" cy="276999"/>
+          </a:xfrm>
+          <a:prstGeom prst="rect">
+            <a:avLst/>
+          </a:prstGeom>
+          <a:solidFill>
+            <a:schemeClr val="bg1"/>
+          </a:solidFill>
+        </p:spPr>
+        <p:txBody>
+          <a:bodyPr wrap="square" rtlCol="0">
+            <a:spAutoFit/>
+          </a:bodyPr>
+          <a:lstStyle/>
+          <a:p>
+            <a:r>
+              <a:rPr lang="pt-BR" sz="1200" dirty="0" smtClean="0">
+                <a:latin typeface="Arial" panose="020B0604020202020204" pitchFamily="34" charset="0"/>
+                <a:cs typeface="Arial" panose="020B0604020202020204" pitchFamily="34" charset="0"/>
+              </a:rPr>
+              <a:t>Produto</a:t>
+            </a:r>
+          </a:p>
+        </p:txBody>
+      </p:sp>
+      <p:cxnSp>
+        <p:nvCxnSpPr>
+          <p:cNvPr id="17" name="Conector reto 16"/>
+          <p:cNvCxnSpPr/>
+          <p:nvPr/>
+        </p:nvCxnSpPr>
+        <p:spPr>
+          <a:xfrm>
+            <a:off x="3839978" y="4409605"/>
+            <a:ext cx="1049303" cy="0"/>
+          </a:xfrm>
+          <a:prstGeom prst="line">
+            <a:avLst/>
+          </a:prstGeom>
+          <a:ln>
+            <a:solidFill>
+              <a:schemeClr val="tx1"/>
+            </a:solidFill>
+          </a:ln>
+        </p:spPr>
+        <p:style>
+          <a:lnRef idx="1">
+            <a:schemeClr val="accent1"/>
+          </a:lnRef>
+          <a:fillRef idx="0">
+            <a:schemeClr val="accent1"/>
+          </a:fillRef>
+          <a:effectRef idx="0">
+            <a:schemeClr val="accent1"/>
+          </a:effectRef>
+          <a:fontRef idx="minor">
+            <a:schemeClr val="tx1"/>
+          </a:fontRef>
+        </p:style>
+      </p:cxnSp>
+      <p:cxnSp>
+        <p:nvCxnSpPr>
+          <p:cNvPr id="18" name="Conector reto 17"/>
+          <p:cNvCxnSpPr/>
+          <p:nvPr/>
+        </p:nvCxnSpPr>
+        <p:spPr>
+          <a:xfrm>
+            <a:off x="3827488" y="4816835"/>
+            <a:ext cx="1049303" cy="0"/>
+          </a:xfrm>
+          <a:prstGeom prst="line">
+            <a:avLst/>
+          </a:prstGeom>
+          <a:ln>
+            <a:solidFill>
+              <a:schemeClr val="tx1"/>
+            </a:solidFill>
+          </a:ln>
+        </p:spPr>
+        <p:style>
+          <a:lnRef idx="1">
+            <a:schemeClr val="accent1"/>
+          </a:lnRef>
+          <a:fillRef idx="0">
+            <a:schemeClr val="accent1"/>
+          </a:fillRef>
+          <a:effectRef idx="0">
+            <a:schemeClr val="accent1"/>
+          </a:effectRef>
+          <a:fontRef idx="minor">
+            <a:schemeClr val="tx1"/>
+          </a:fontRef>
+        </p:style>
+      </p:cxnSp>
+      <p:sp>
+        <p:nvSpPr>
+          <p:cNvPr id="19" name="CaixaDeTexto 18"/>
+          <p:cNvSpPr txBox="1"/>
+          <p:nvPr/>
+        </p:nvSpPr>
+        <p:spPr>
+          <a:xfrm>
+            <a:off x="3984875" y="4449893"/>
+            <a:ext cx="836949" cy="276999"/>
+          </a:xfrm>
+          <a:prstGeom prst="rect">
+            <a:avLst/>
+          </a:prstGeom>
+          <a:solidFill>
+            <a:schemeClr val="bg1"/>
+          </a:solidFill>
+        </p:spPr>
+        <p:txBody>
+          <a:bodyPr wrap="square" rtlCol="0">
+            <a:spAutoFit/>
+          </a:bodyPr>
+          <a:lstStyle/>
+          <a:p>
+            <a:r>
+              <a:rPr lang="pt-BR" sz="1200" dirty="0" smtClean="0">
+                <a:latin typeface="Arial" panose="020B0604020202020204" pitchFamily="34" charset="0"/>
+                <a:cs typeface="Arial" panose="020B0604020202020204" pitchFamily="34" charset="0"/>
+              </a:rPr>
+              <a:t>Pedido</a:t>
+            </a:r>
+          </a:p>
+        </p:txBody>
+      </p:sp>
+      <p:cxnSp>
+        <p:nvCxnSpPr>
+          <p:cNvPr id="27" name="Conector de seta reta 26"/>
+          <p:cNvCxnSpPr>
+            <a:endCxn id="3" idx="3"/>
+          </p:cNvCxnSpPr>
+          <p:nvPr/>
+        </p:nvCxnSpPr>
+        <p:spPr>
+          <a:xfrm flipV="1">
+            <a:off x="3221523" y="3888588"/>
+            <a:ext cx="796596" cy="518518"/>
+          </a:xfrm>
+          <a:prstGeom prst="straightConnector1">
+            <a:avLst/>
+          </a:prstGeom>
+          <a:ln>
+            <a:solidFill>
+              <a:schemeClr val="tx1"/>
+            </a:solidFill>
+            <a:tailEnd type="triangle"/>
+          </a:ln>
+        </p:spPr>
+        <p:style>
+          <a:lnRef idx="1">
+            <a:schemeClr val="accent1"/>
+          </a:lnRef>
+          <a:fillRef idx="0">
+            <a:schemeClr val="accent1"/>
+          </a:fillRef>
+          <a:effectRef idx="0">
+            <a:schemeClr val="accent1"/>
+          </a:effectRef>
+          <a:fontRef idx="minor">
+            <a:schemeClr val="tx1"/>
+          </a:fontRef>
+        </p:style>
+      </p:cxnSp>
+      <p:sp>
+        <p:nvSpPr>
+          <p:cNvPr id="28" name="Espaço Reservado para Conteúdo 2">
+            <a:extLst>
+              <a:ext uri="{FF2B5EF4-FFF2-40B4-BE49-F238E27FC236}">
+                <a16:creationId xmlns="" xmlns:a16="http://schemas.microsoft.com/office/drawing/2014/main" id="{F21868BC-3263-4148-A116-9A1B781D7959}"/>
+              </a:ext>
+            </a:extLst>
+          </p:cNvPr>
+          <p:cNvSpPr txBox="1">
+            <a:spLocks/>
+          </p:cNvSpPr>
+          <p:nvPr/>
+        </p:nvSpPr>
+        <p:spPr>
+          <a:xfrm>
+            <a:off x="7629131" y="1541702"/>
+            <a:ext cx="4334163" cy="4351338"/>
+          </a:xfrm>
+          <a:prstGeom prst="rect">
+            <a:avLst/>
+          </a:prstGeom>
+        </p:spPr>
+        <p:txBody>
+          <a:bodyPr>
+            <a:normAutofit/>
+          </a:bodyPr>
+          <a:lstStyle>
+            <a:lvl1pPr marL="228600" indent="-228600" algn="l" defTabSz="914400" rtl="0" eaLnBrk="1" latinLnBrk="0" hangingPunct="1">
+              <a:lnSpc>
+                <a:spcPct val="90000"/>
+              </a:lnSpc>
+              <a:spcBef>
+                <a:spcPts val="1000"/>
+              </a:spcBef>
+              <a:buFont typeface="Arial" panose="020B0604020202020204" pitchFamily="34" charset="0"/>
+              <a:buChar char="•"/>
+              <a:defRPr sz="2800" kern="1200">
+                <a:solidFill>
+                  <a:schemeClr val="tx1"/>
+                </a:solidFill>
+                <a:latin typeface="+mn-lt"/>
+                <a:ea typeface="+mn-ea"/>
+                <a:cs typeface="+mn-cs"/>
+              </a:defRPr>
+            </a:lvl1pPr>
+            <a:lvl2pPr marL="685800" indent="-228600" algn="l" defTabSz="914400" rtl="0" eaLnBrk="1" latinLnBrk="0" hangingPunct="1">
+              <a:lnSpc>
+                <a:spcPct val="90000"/>
+              </a:lnSpc>
+              <a:spcBef>
+                <a:spcPts val="500"/>
+              </a:spcBef>
+              <a:buFont typeface="Arial" panose="020B0604020202020204" pitchFamily="34" charset="0"/>
+              <a:buChar char="•"/>
+              <a:defRPr sz="2400" kern="1200">
+                <a:solidFill>
+                  <a:schemeClr val="tx1"/>
+                </a:solidFill>
+                <a:latin typeface="+mn-lt"/>
+                <a:ea typeface="+mn-ea"/>
+                <a:cs typeface="+mn-cs"/>
+              </a:defRPr>
+            </a:lvl2pPr>
+            <a:lvl3pPr marL="1143000" indent="-228600" algn="l" defTabSz="914400" rtl="0" eaLnBrk="1" latinLnBrk="0" hangingPunct="1">
+              <a:lnSpc>
+                <a:spcPct val="90000"/>
+              </a:lnSpc>
+              <a:spcBef>
+                <a:spcPts val="500"/>
+              </a:spcBef>
+              <a:buFont typeface="Arial" panose="020B0604020202020204" pitchFamily="34" charset="0"/>
+              <a:buChar char="•"/>
+              <a:defRPr sz="2000" kern="1200">
+                <a:solidFill>
+                  <a:schemeClr val="tx1"/>
+                </a:solidFill>
+                <a:latin typeface="+mn-lt"/>
+                <a:ea typeface="+mn-ea"/>
+                <a:cs typeface="+mn-cs"/>
+              </a:defRPr>
+            </a:lvl3pPr>
+            <a:lvl4pPr marL="1600200" indent="-228600" algn="l" defTabSz="914400" rtl="0" eaLnBrk="1" latinLnBrk="0" hangingPunct="1">
+              <a:lnSpc>
+                <a:spcPct val="90000"/>
+              </a:lnSpc>
+              <a:spcBef>
+                <a:spcPts val="500"/>
+              </a:spcBef>
+              <a:buFont typeface="Arial" panose="020B0604020202020204" pitchFamily="34" charset="0"/>
+              <a:buChar char="•"/>
+              <a:defRPr sz="1800" kern="1200">
+                <a:solidFill>
+                  <a:schemeClr val="tx1"/>
+                </a:solidFill>
+                <a:latin typeface="+mn-lt"/>
+                <a:ea typeface="+mn-ea"/>
+                <a:cs typeface="+mn-cs"/>
+              </a:defRPr>
+            </a:lvl4pPr>
+            <a:lvl5pPr marL="2057400" indent="-228600" algn="l" defTabSz="914400" rtl="0" eaLnBrk="1" latinLnBrk="0" hangingPunct="1">
+              <a:lnSpc>
+                <a:spcPct val="90000"/>
+              </a:lnSpc>
+              <a:spcBef>
+                <a:spcPts val="500"/>
+              </a:spcBef>
+              <a:buFont typeface="Arial" panose="020B0604020202020204" pitchFamily="34" charset="0"/>
+              <a:buChar char="•"/>
+              <a:defRPr sz="1800" kern="1200">
+                <a:solidFill>
+                  <a:schemeClr val="tx1"/>
+                </a:solidFill>
+                <a:latin typeface="+mn-lt"/>
+                <a:ea typeface="+mn-ea"/>
+                <a:cs typeface="+mn-cs"/>
+              </a:defRPr>
+            </a:lvl5pPr>
+            <a:lvl6pPr marL="2514600" indent="-228600" algn="l" defTabSz="914400" rtl="0" eaLnBrk="1" latinLnBrk="0" hangingPunct="1">
+              <a:lnSpc>
+                <a:spcPct val="90000"/>
+              </a:lnSpc>
+              <a:spcBef>
+                <a:spcPts val="500"/>
+              </a:spcBef>
+              <a:buFont typeface="Arial" panose="020B0604020202020204" pitchFamily="34" charset="0"/>
+              <a:buChar char="•"/>
+              <a:defRPr sz="1800" kern="1200">
+                <a:solidFill>
+                  <a:schemeClr val="tx1"/>
+                </a:solidFill>
+                <a:latin typeface="+mn-lt"/>
+                <a:ea typeface="+mn-ea"/>
+                <a:cs typeface="+mn-cs"/>
+              </a:defRPr>
+            </a:lvl6pPr>
+            <a:lvl7pPr marL="2971800" indent="-228600" algn="l" defTabSz="914400" rtl="0" eaLnBrk="1" latinLnBrk="0" hangingPunct="1">
+              <a:lnSpc>
+                <a:spcPct val="90000"/>
+              </a:lnSpc>
+              <a:spcBef>
+                <a:spcPts val="500"/>
+              </a:spcBef>
+              <a:buFont typeface="Arial" panose="020B0604020202020204" pitchFamily="34" charset="0"/>
+              <a:buChar char="•"/>
+              <a:defRPr sz="1800" kern="1200">
+                <a:solidFill>
+                  <a:schemeClr val="tx1"/>
+                </a:solidFill>
+                <a:latin typeface="+mn-lt"/>
+                <a:ea typeface="+mn-ea"/>
+                <a:cs typeface="+mn-cs"/>
+              </a:defRPr>
+            </a:lvl7pPr>
+            <a:lvl8pPr marL="3429000" indent="-228600" algn="l" defTabSz="914400" rtl="0" eaLnBrk="1" latinLnBrk="0" hangingPunct="1">
+              <a:lnSpc>
+                <a:spcPct val="90000"/>
+              </a:lnSpc>
+              <a:spcBef>
+                <a:spcPts val="500"/>
+              </a:spcBef>
+              <a:buFont typeface="Arial" panose="020B0604020202020204" pitchFamily="34" charset="0"/>
+              <a:buChar char="•"/>
+              <a:defRPr sz="1800" kern="1200">
+                <a:solidFill>
+                  <a:schemeClr val="tx1"/>
+                </a:solidFill>
+                <a:latin typeface="+mn-lt"/>
+                <a:ea typeface="+mn-ea"/>
+                <a:cs typeface="+mn-cs"/>
+              </a:defRPr>
+            </a:lvl8pPr>
+            <a:lvl9pPr marL="3886200" indent="-228600" algn="l" defTabSz="914400" rtl="0" eaLnBrk="1" latinLnBrk="0" hangingPunct="1">
+              <a:lnSpc>
+                <a:spcPct val="90000"/>
+              </a:lnSpc>
+              <a:spcBef>
+                <a:spcPts val="500"/>
+              </a:spcBef>
+              <a:buFont typeface="Arial" panose="020B0604020202020204" pitchFamily="34" charset="0"/>
+              <a:buChar char="•"/>
+              <a:defRPr sz="1800" kern="1200">
+                <a:solidFill>
+                  <a:schemeClr val="tx1"/>
+                </a:solidFill>
+                <a:latin typeface="+mn-lt"/>
+                <a:ea typeface="+mn-ea"/>
+                <a:cs typeface="+mn-cs"/>
+              </a:defRPr>
+            </a:lvl9pPr>
+          </a:lstStyle>
+          <a:p>
+            <a:pPr marL="0" indent="0">
+              <a:buNone/>
+            </a:pPr>
+            <a:r>
+              <a:rPr lang="pt-BR" sz="1600" b="1" dirty="0" smtClean="0">
+                <a:latin typeface="Arial" panose="020B0604020202020204" pitchFamily="34" charset="0"/>
+                <a:cs typeface="Arial" panose="020B0604020202020204" pitchFamily="34" charset="0"/>
+              </a:rPr>
+              <a:t>Processo</a:t>
+            </a:r>
+            <a:r>
+              <a:rPr lang="pt-BR" sz="1600" dirty="0" smtClean="0">
+                <a:latin typeface="Arial" panose="020B0604020202020204" pitchFamily="34" charset="0"/>
+                <a:cs typeface="Arial" panose="020B0604020202020204" pitchFamily="34" charset="0"/>
+              </a:rPr>
+              <a:t>: </a:t>
+            </a:r>
+            <a:r>
+              <a:rPr lang="pt-BR" sz="1600" dirty="0">
+                <a:latin typeface="Arial" panose="020B0604020202020204" pitchFamily="34" charset="0"/>
+                <a:cs typeface="Arial" panose="020B0604020202020204" pitchFamily="34" charset="0"/>
+              </a:rPr>
+              <a:t>Trocar por outro </a:t>
+            </a:r>
+            <a:r>
+              <a:rPr lang="pt-BR" sz="1600" dirty="0" smtClean="0">
+                <a:latin typeface="Arial" panose="020B0604020202020204" pitchFamily="34" charset="0"/>
+                <a:cs typeface="Arial" panose="020B0604020202020204" pitchFamily="34" charset="0"/>
+              </a:rPr>
+              <a:t>produto</a:t>
+            </a:r>
+            <a:endParaRPr lang="pt-BR" sz="1600" dirty="0" smtClean="0">
+              <a:latin typeface="Arial" panose="020B0604020202020204" pitchFamily="34" charset="0"/>
+              <a:cs typeface="Arial" panose="020B0604020202020204" pitchFamily="34" charset="0"/>
+            </a:endParaRPr>
+          </a:p>
+          <a:p>
+            <a:pPr marL="0" indent="0">
+              <a:buFont typeface="Arial" panose="020B0604020202020204" pitchFamily="34" charset="0"/>
+              <a:buNone/>
+            </a:pPr>
+            <a:r>
+              <a:rPr lang="pt-BR" sz="1600" b="1" dirty="0" smtClean="0">
+                <a:latin typeface="Arial" panose="020B0604020202020204" pitchFamily="34" charset="0"/>
+                <a:cs typeface="Arial" panose="020B0604020202020204" pitchFamily="34" charset="0"/>
+              </a:rPr>
+              <a:t>Evento</a:t>
+            </a:r>
+            <a:r>
+              <a:rPr lang="pt-BR" sz="1600" dirty="0" smtClean="0">
+                <a:latin typeface="Arial" panose="020B0604020202020204" pitchFamily="34" charset="0"/>
+                <a:cs typeface="Arial" panose="020B0604020202020204" pitchFamily="34" charset="0"/>
+              </a:rPr>
+              <a:t>: Cliente faz </a:t>
+            </a:r>
+            <a:r>
+              <a:rPr lang="pt-BR" sz="1600" dirty="0" smtClean="0">
+                <a:latin typeface="Arial" panose="020B0604020202020204" pitchFamily="34" charset="0"/>
+                <a:cs typeface="Arial" panose="020B0604020202020204" pitchFamily="34" charset="0"/>
+              </a:rPr>
+              <a:t>troca por outro produto</a:t>
+            </a:r>
+            <a:endParaRPr lang="pt-BR" sz="1600" dirty="0" smtClean="0">
+              <a:latin typeface="Arial" panose="020B0604020202020204" pitchFamily="34" charset="0"/>
+              <a:cs typeface="Arial" panose="020B0604020202020204" pitchFamily="34" charset="0"/>
+            </a:endParaRPr>
+          </a:p>
+          <a:p>
+            <a:pPr marL="0" indent="0">
+              <a:buFont typeface="Arial" panose="020B0604020202020204" pitchFamily="34" charset="0"/>
+              <a:buNone/>
+            </a:pPr>
+            <a:r>
+              <a:rPr lang="pt-BR" sz="1600" b="1" dirty="0" smtClean="0">
+                <a:latin typeface="Arial" panose="020B0604020202020204" pitchFamily="34" charset="0"/>
+                <a:cs typeface="Arial" panose="020B0604020202020204" pitchFamily="34" charset="0"/>
+              </a:rPr>
+              <a:t>Trabalhador Envolvido</a:t>
+            </a:r>
+            <a:r>
+              <a:rPr lang="pt-BR" sz="1600" dirty="0" smtClean="0">
+                <a:latin typeface="Arial" panose="020B0604020202020204" pitchFamily="34" charset="0"/>
+                <a:cs typeface="Arial" panose="020B0604020202020204" pitchFamily="34" charset="0"/>
+              </a:rPr>
+              <a:t>: Atendente</a:t>
+            </a:r>
+          </a:p>
+          <a:p>
+            <a:r>
+              <a:rPr lang="pt-BR" sz="1600" dirty="0" smtClean="0">
+                <a:latin typeface="Arial" panose="020B0604020202020204" pitchFamily="34" charset="0"/>
+                <a:cs typeface="Arial" panose="020B0604020202020204" pitchFamily="34" charset="0"/>
+              </a:rPr>
+              <a:t>Receber </a:t>
+            </a:r>
+            <a:r>
+              <a:rPr lang="pt-BR" sz="1600" dirty="0">
+                <a:latin typeface="Arial" panose="020B0604020202020204" pitchFamily="34" charset="0"/>
+                <a:cs typeface="Arial" panose="020B0604020202020204" pitchFamily="34" charset="0"/>
+              </a:rPr>
+              <a:t>o</a:t>
+            </a:r>
+            <a:r>
+              <a:rPr lang="pt-BR" sz="1600" dirty="0" smtClean="0">
+                <a:latin typeface="Arial" panose="020B0604020202020204" pitchFamily="34" charset="0"/>
+                <a:cs typeface="Arial" panose="020B0604020202020204" pitchFamily="34" charset="0"/>
+              </a:rPr>
+              <a:t> produto da troca</a:t>
+            </a:r>
+            <a:r>
+              <a:rPr lang="pt-BR" sz="1600" dirty="0" smtClean="0">
+                <a:latin typeface="Arial" panose="020B0604020202020204" pitchFamily="34" charset="0"/>
+                <a:cs typeface="Arial" panose="020B0604020202020204" pitchFamily="34" charset="0"/>
+              </a:rPr>
+              <a:t>.</a:t>
+            </a:r>
+          </a:p>
+          <a:p>
+            <a:r>
+              <a:rPr lang="pt-BR" sz="1600" dirty="0" smtClean="0">
+                <a:latin typeface="Arial" panose="020B0604020202020204" pitchFamily="34" charset="0"/>
+                <a:cs typeface="Arial" panose="020B0604020202020204" pitchFamily="34" charset="0"/>
+              </a:rPr>
+              <a:t>Verificar o pedido.</a:t>
+            </a:r>
+            <a:endParaRPr lang="pt-BR" sz="1600" dirty="0" smtClean="0">
+              <a:latin typeface="Arial" panose="020B0604020202020204" pitchFamily="34" charset="0"/>
+              <a:cs typeface="Arial" panose="020B0604020202020204" pitchFamily="34" charset="0"/>
+            </a:endParaRPr>
+          </a:p>
+          <a:p>
+            <a:r>
+              <a:rPr lang="pt-BR" sz="1600" dirty="0" smtClean="0">
+                <a:latin typeface="Arial" panose="020B0604020202020204" pitchFamily="34" charset="0"/>
+                <a:cs typeface="Arial" panose="020B0604020202020204" pitchFamily="34" charset="0"/>
+              </a:rPr>
+              <a:t>Verificar </a:t>
+            </a:r>
+            <a:r>
+              <a:rPr lang="pt-BR" sz="1600" dirty="0" smtClean="0">
+                <a:latin typeface="Arial" panose="020B0604020202020204" pitchFamily="34" charset="0"/>
+                <a:cs typeface="Arial" panose="020B0604020202020204" pitchFamily="34" charset="0"/>
+              </a:rPr>
+              <a:t>o produto.</a:t>
+            </a:r>
+          </a:p>
+          <a:p>
+            <a:pPr lvl="1"/>
+            <a:r>
+              <a:rPr lang="pt-BR" sz="1600" dirty="0" smtClean="0">
+                <a:latin typeface="Arial" panose="020B0604020202020204" pitchFamily="34" charset="0"/>
+                <a:cs typeface="Arial" panose="020B0604020202020204" pitchFamily="34" charset="0"/>
+              </a:rPr>
+              <a:t>Se o produto estiver danificado, devolver o produto e não realizar a troca</a:t>
+            </a:r>
+            <a:endParaRPr lang="pt-BR" sz="1600" dirty="0" smtClean="0">
+              <a:latin typeface="Arial" panose="020B0604020202020204" pitchFamily="34" charset="0"/>
+              <a:cs typeface="Arial" panose="020B0604020202020204" pitchFamily="34" charset="0"/>
+            </a:endParaRPr>
+          </a:p>
+          <a:p>
+            <a:r>
+              <a:rPr lang="pt-BR" sz="1600" dirty="0" smtClean="0">
+                <a:latin typeface="Arial" panose="020B0604020202020204" pitchFamily="34" charset="0"/>
+                <a:cs typeface="Arial" panose="020B0604020202020204" pitchFamily="34" charset="0"/>
+              </a:rPr>
+              <a:t>Se não houver o produto disponível para troca, informar que o produto está indisponível e devolver o pagamento em caso de cartão fazer o estorno.</a:t>
+            </a:r>
+            <a:endParaRPr lang="pt-BR" sz="1600" dirty="0">
+              <a:latin typeface="Arial" panose="020B0604020202020204" pitchFamily="34" charset="0"/>
+              <a:cs typeface="Arial" panose="020B0604020202020204" pitchFamily="34" charset="0"/>
+            </a:endParaRPr>
+          </a:p>
+          <a:p>
+            <a:r>
+              <a:rPr lang="pt-BR" sz="1600" dirty="0" smtClean="0">
+                <a:latin typeface="Arial" panose="020B0604020202020204" pitchFamily="34" charset="0"/>
+                <a:cs typeface="Arial" panose="020B0604020202020204" pitchFamily="34" charset="0"/>
+              </a:rPr>
+              <a:t>Fazer a troca e e</a:t>
+            </a:r>
+            <a:r>
+              <a:rPr lang="pt-BR" sz="1600" dirty="0" smtClean="0">
+                <a:latin typeface="Arial" panose="020B0604020202020204" pitchFamily="34" charset="0"/>
+                <a:cs typeface="Arial" panose="020B0604020202020204" pitchFamily="34" charset="0"/>
+              </a:rPr>
+              <a:t>ntregar </a:t>
+            </a:r>
+            <a:r>
+              <a:rPr lang="pt-BR" sz="1600" dirty="0" smtClean="0">
+                <a:latin typeface="Arial" panose="020B0604020202020204" pitchFamily="34" charset="0"/>
+                <a:cs typeface="Arial" panose="020B0604020202020204" pitchFamily="34" charset="0"/>
+              </a:rPr>
+              <a:t>o produto</a:t>
+            </a:r>
+            <a:r>
+              <a:rPr lang="pt-BR" sz="1600" dirty="0" smtClean="0">
+                <a:latin typeface="Arial" panose="020B0604020202020204" pitchFamily="34" charset="0"/>
+                <a:cs typeface="Arial" panose="020B0604020202020204" pitchFamily="34" charset="0"/>
+              </a:rPr>
+              <a:t>.</a:t>
+            </a:r>
+            <a:endParaRPr lang="pt-BR" sz="1600" dirty="0">
+              <a:latin typeface="Arial" panose="020B0604020202020204" pitchFamily="34" charset="0"/>
+              <a:cs typeface="Arial" panose="020B0604020202020204" pitchFamily="34" charset="0"/>
+            </a:endParaRPr>
+          </a:p>
+        </p:txBody>
+      </p:sp>
+      <p:sp>
+        <p:nvSpPr>
+          <p:cNvPr id="53" name="CaixaDeTexto 52"/>
+          <p:cNvSpPr txBox="1"/>
+          <p:nvPr/>
+        </p:nvSpPr>
+        <p:spPr>
+          <a:xfrm>
+            <a:off x="4040541" y="3275532"/>
+            <a:ext cx="757499" cy="600164"/>
+          </a:xfrm>
+          <a:prstGeom prst="rect">
+            <a:avLst/>
+          </a:prstGeom>
+          <a:noFill/>
+        </p:spPr>
+        <p:txBody>
+          <a:bodyPr wrap="square" rtlCol="0">
+            <a:spAutoFit/>
+          </a:bodyPr>
+          <a:lstStyle/>
+          <a:p>
+            <a:r>
+              <a:rPr lang="pt-BR" sz="1100" dirty="0" smtClean="0">
+                <a:latin typeface="Arial" panose="020B0604020202020204" pitchFamily="34" charset="0"/>
+                <a:cs typeface="Arial" panose="020B0604020202020204" pitchFamily="34" charset="0"/>
+              </a:rPr>
+              <a:t>Trocar por outro produto</a:t>
+            </a:r>
+            <a:endParaRPr lang="pt-BR" sz="1100" dirty="0">
+              <a:latin typeface="Arial" panose="020B0604020202020204" pitchFamily="34" charset="0"/>
+              <a:cs typeface="Arial" panose="020B0604020202020204" pitchFamily="34" charset="0"/>
+            </a:endParaRPr>
+          </a:p>
+        </p:txBody>
+      </p:sp>
+    </p:spTree>
+    <p:extLst>
+      <p:ext uri="{BB962C8B-B14F-4D97-AF65-F5344CB8AC3E}">
+        <p14:creationId xmlns:p14="http://schemas.microsoft.com/office/powerpoint/2010/main" val="696759097"/>
       </p:ext>
     </p:extLst>
   </p:cSld>

--- a/18 - Descrição dos Processos de Negócio.pptx
+++ b/18 - Descrição dos Processos de Negócio.pptx
@@ -11,6 +11,7 @@
     <p:sldId id="257" r:id="rId5"/>
     <p:sldId id="260" r:id="rId6"/>
     <p:sldId id="261" r:id="rId7"/>
+    <p:sldId id="262" r:id="rId8"/>
   </p:sldIdLst>
   <p:sldSz cx="12192000" cy="6858000"/>
   <p:notesSz cx="6858000" cy="9144000"/>
@@ -248,7 +249,7 @@
           <a:p>
             <a:fld id="{A6A0B6C0-4FB8-44D1-BA1C-C44D318A3A4A}" type="datetimeFigureOut">
               <a:rPr lang="pt-BR" smtClean="0"/>
-              <a:t>09/10/2020</a:t>
+              <a:t>01/11/2020</a:t>
             </a:fld>
             <a:endParaRPr lang="pt-BR"/>
           </a:p>
@@ -418,7 +419,7 @@
           <a:p>
             <a:fld id="{A6A0B6C0-4FB8-44D1-BA1C-C44D318A3A4A}" type="datetimeFigureOut">
               <a:rPr lang="pt-BR" smtClean="0"/>
-              <a:t>09/10/2020</a:t>
+              <a:t>01/11/2020</a:t>
             </a:fld>
             <a:endParaRPr lang="pt-BR"/>
           </a:p>
@@ -598,7 +599,7 @@
           <a:p>
             <a:fld id="{A6A0B6C0-4FB8-44D1-BA1C-C44D318A3A4A}" type="datetimeFigureOut">
               <a:rPr lang="pt-BR" smtClean="0"/>
-              <a:t>09/10/2020</a:t>
+              <a:t>01/11/2020</a:t>
             </a:fld>
             <a:endParaRPr lang="pt-BR"/>
           </a:p>
@@ -768,7 +769,7 @@
           <a:p>
             <a:fld id="{A6A0B6C0-4FB8-44D1-BA1C-C44D318A3A4A}" type="datetimeFigureOut">
               <a:rPr lang="pt-BR" smtClean="0"/>
-              <a:t>09/10/2020</a:t>
+              <a:t>01/11/2020</a:t>
             </a:fld>
             <a:endParaRPr lang="pt-BR"/>
           </a:p>
@@ -1014,7 +1015,7 @@
           <a:p>
             <a:fld id="{A6A0B6C0-4FB8-44D1-BA1C-C44D318A3A4A}" type="datetimeFigureOut">
               <a:rPr lang="pt-BR" smtClean="0"/>
-              <a:t>09/10/2020</a:t>
+              <a:t>01/11/2020</a:t>
             </a:fld>
             <a:endParaRPr lang="pt-BR"/>
           </a:p>
@@ -1246,7 +1247,7 @@
           <a:p>
             <a:fld id="{A6A0B6C0-4FB8-44D1-BA1C-C44D318A3A4A}" type="datetimeFigureOut">
               <a:rPr lang="pt-BR" smtClean="0"/>
-              <a:t>09/10/2020</a:t>
+              <a:t>01/11/2020</a:t>
             </a:fld>
             <a:endParaRPr lang="pt-BR"/>
           </a:p>
@@ -1613,7 +1614,7 @@
           <a:p>
             <a:fld id="{A6A0B6C0-4FB8-44D1-BA1C-C44D318A3A4A}" type="datetimeFigureOut">
               <a:rPr lang="pt-BR" smtClean="0"/>
-              <a:t>09/10/2020</a:t>
+              <a:t>01/11/2020</a:t>
             </a:fld>
             <a:endParaRPr lang="pt-BR"/>
           </a:p>
@@ -1731,7 +1732,7 @@
           <a:p>
             <a:fld id="{A6A0B6C0-4FB8-44D1-BA1C-C44D318A3A4A}" type="datetimeFigureOut">
               <a:rPr lang="pt-BR" smtClean="0"/>
-              <a:t>09/10/2020</a:t>
+              <a:t>01/11/2020</a:t>
             </a:fld>
             <a:endParaRPr lang="pt-BR"/>
           </a:p>
@@ -1826,7 +1827,7 @@
           <a:p>
             <a:fld id="{A6A0B6C0-4FB8-44D1-BA1C-C44D318A3A4A}" type="datetimeFigureOut">
               <a:rPr lang="pt-BR" smtClean="0"/>
-              <a:t>09/10/2020</a:t>
+              <a:t>01/11/2020</a:t>
             </a:fld>
             <a:endParaRPr lang="pt-BR"/>
           </a:p>
@@ -2103,7 +2104,7 @@
           <a:p>
             <a:fld id="{A6A0B6C0-4FB8-44D1-BA1C-C44D318A3A4A}" type="datetimeFigureOut">
               <a:rPr lang="pt-BR" smtClean="0"/>
-              <a:t>09/10/2020</a:t>
+              <a:t>01/11/2020</a:t>
             </a:fld>
             <a:endParaRPr lang="pt-BR"/>
           </a:p>
@@ -2356,7 +2357,7 @@
           <a:p>
             <a:fld id="{A6A0B6C0-4FB8-44D1-BA1C-C44D318A3A4A}" type="datetimeFigureOut">
               <a:rPr lang="pt-BR" smtClean="0"/>
-              <a:t>09/10/2020</a:t>
+              <a:t>01/11/2020</a:t>
             </a:fld>
             <a:endParaRPr lang="pt-BR"/>
           </a:p>
@@ -2569,7 +2570,7 @@
           <a:p>
             <a:fld id="{A6A0B6C0-4FB8-44D1-BA1C-C44D318A3A4A}" type="datetimeFigureOut">
               <a:rPr lang="pt-BR" smtClean="0"/>
-              <a:t>09/10/2020</a:t>
+              <a:t>01/11/2020</a:t>
             </a:fld>
             <a:endParaRPr lang="pt-BR"/>
           </a:p>
@@ -3026,7 +3027,7 @@
           <p:cNvPr id="5" name="Espaço Reservado para Conteúdo 2">
             <a:extLst>
               <a:ext uri="{FF2B5EF4-FFF2-40B4-BE49-F238E27FC236}">
-                <a16:creationId xmlns="" xmlns:a16="http://schemas.microsoft.com/office/drawing/2014/main" id="{F21868BC-3263-4148-A116-9A1B781D7959}"/>
+                <a16:creationId xmlns:a16="http://schemas.microsoft.com/office/drawing/2014/main" xmlns="" id="{F21868BC-3263-4148-A116-9A1B781D7959}"/>
               </a:ext>
             </a:extLst>
           </p:cNvPr>
@@ -4015,7 +4016,7 @@
           <p:cNvPr id="2" name="Espaço Reservado para Conteúdo 2">
             <a:extLst>
               <a:ext uri="{FF2B5EF4-FFF2-40B4-BE49-F238E27FC236}">
-                <a16:creationId xmlns="" xmlns:a16="http://schemas.microsoft.com/office/drawing/2014/main" id="{F21868BC-3263-4148-A116-9A1B781D7959}"/>
+                <a16:creationId xmlns:a16="http://schemas.microsoft.com/office/drawing/2014/main" xmlns="" id="{F21868BC-3263-4148-A116-9A1B781D7959}"/>
               </a:ext>
             </a:extLst>
           </p:cNvPr>
@@ -4928,7 +4929,7 @@
           <p:cNvPr id="2" name="Espaço Reservado para Conteúdo 2">
             <a:extLst>
               <a:ext uri="{FF2B5EF4-FFF2-40B4-BE49-F238E27FC236}">
-                <a16:creationId xmlns="" xmlns:a16="http://schemas.microsoft.com/office/drawing/2014/main" id="{F21868BC-3263-4148-A116-9A1B781D7959}"/>
+                <a16:creationId xmlns:a16="http://schemas.microsoft.com/office/drawing/2014/main" xmlns="" id="{F21868BC-3263-4148-A116-9A1B781D7959}"/>
               </a:ext>
             </a:extLst>
           </p:cNvPr>
@@ -6241,7 +6242,7 @@
           <p:cNvPr id="5" name="Espaço Reservado para Conteúdo 2">
             <a:extLst>
               <a:ext uri="{FF2B5EF4-FFF2-40B4-BE49-F238E27FC236}">
-                <a16:creationId xmlns="" xmlns:a16="http://schemas.microsoft.com/office/drawing/2014/main" id="{F21868BC-3263-4148-A116-9A1B781D7959}"/>
+                <a16:creationId xmlns:a16="http://schemas.microsoft.com/office/drawing/2014/main" xmlns="" id="{F21868BC-3263-4148-A116-9A1B781D7959}"/>
               </a:ext>
             </a:extLst>
           </p:cNvPr>
@@ -7703,19 +7704,8 @@
                 <a:latin typeface="Arial" panose="020B0604020202020204" pitchFamily="34" charset="0"/>
                 <a:cs typeface="Arial" panose="020B0604020202020204" pitchFamily="34" charset="0"/>
               </a:rPr>
-              <a:t>t</a:t>
-            </a:r>
-            <a:r>
-              <a:rPr lang="pt-BR" sz="1200" dirty="0" smtClean="0">
-                <a:latin typeface="Arial" panose="020B0604020202020204" pitchFamily="34" charset="0"/>
-                <a:cs typeface="Arial" panose="020B0604020202020204" pitchFamily="34" charset="0"/>
-              </a:rPr>
-              <a:t>roca</a:t>
-            </a:r>
-            <a:endParaRPr lang="pt-BR" sz="1200" dirty="0" smtClean="0">
-              <a:latin typeface="Arial" panose="020B0604020202020204" pitchFamily="34" charset="0"/>
-              <a:cs typeface="Arial" panose="020B0604020202020204" pitchFamily="34" charset="0"/>
-            </a:endParaRPr>
+              <a:t>troca</a:t>
+            </a:r>
           </a:p>
         </p:txBody>
       </p:sp>
@@ -8338,7 +8328,7 @@
           <p:cNvPr id="24" name="Espaço Reservado para Conteúdo 2">
             <a:extLst>
               <a:ext uri="{FF2B5EF4-FFF2-40B4-BE49-F238E27FC236}">
-                <a16:creationId xmlns="" xmlns:a16="http://schemas.microsoft.com/office/drawing/2014/main" id="{F21868BC-3263-4148-A116-9A1B781D7959}"/>
+                <a16:creationId xmlns:a16="http://schemas.microsoft.com/office/drawing/2014/main" xmlns="" id="{F21868BC-3263-4148-A116-9A1B781D7959}"/>
               </a:ext>
             </a:extLst>
           </p:cNvPr>
@@ -8603,14 +8593,16 @@
                 <a:latin typeface="Arial" panose="020B0604020202020204" pitchFamily="34" charset="0"/>
                 <a:cs typeface="Arial" panose="020B0604020202020204" pitchFamily="34" charset="0"/>
               </a:rPr>
-              <a:t> produto da troca</a:t>
-            </a:r>
+              <a:t> produto da troca.</a:t>
+            </a:r>
+          </a:p>
+          <a:p>
             <a:r>
               <a:rPr lang="pt-BR" sz="1600" dirty="0" smtClean="0">
                 <a:latin typeface="Arial" panose="020B0604020202020204" pitchFamily="34" charset="0"/>
                 <a:cs typeface="Arial" panose="020B0604020202020204" pitchFamily="34" charset="0"/>
               </a:rPr>
-              <a:t>.</a:t>
+              <a:t>Verificar o pedido.</a:t>
             </a:r>
           </a:p>
           <a:p>
@@ -8619,42 +8611,18 @@
                 <a:latin typeface="Arial" panose="020B0604020202020204" pitchFamily="34" charset="0"/>
                 <a:cs typeface="Arial" panose="020B0604020202020204" pitchFamily="34" charset="0"/>
               </a:rPr>
-              <a:t>Verificar o pedido.</a:t>
-            </a:r>
-            <a:endParaRPr lang="pt-BR" sz="1600" dirty="0" smtClean="0">
-              <a:latin typeface="Arial" panose="020B0604020202020204" pitchFamily="34" charset="0"/>
-              <a:cs typeface="Arial" panose="020B0604020202020204" pitchFamily="34" charset="0"/>
-            </a:endParaRPr>
-          </a:p>
-          <a:p>
+              <a:t>Verificar o produto.</a:t>
+            </a:r>
+          </a:p>
+          <a:p>
+            <a:pPr lvl="1"/>
             <a:r>
               <a:rPr lang="pt-BR" sz="1600" dirty="0" smtClean="0">
                 <a:latin typeface="Arial" panose="020B0604020202020204" pitchFamily="34" charset="0"/>
                 <a:cs typeface="Arial" panose="020B0604020202020204" pitchFamily="34" charset="0"/>
               </a:rPr>
-              <a:t>Verificar </a:t>
-            </a:r>
-            <a:r>
-              <a:rPr lang="pt-BR" sz="1600" dirty="0" smtClean="0">
-                <a:latin typeface="Arial" panose="020B0604020202020204" pitchFamily="34" charset="0"/>
-                <a:cs typeface="Arial" panose="020B0604020202020204" pitchFamily="34" charset="0"/>
-              </a:rPr>
-              <a:t>o produto.</a:t>
-            </a:r>
-          </a:p>
-          <a:p>
-            <a:pPr lvl="1"/>
-            <a:r>
-              <a:rPr lang="pt-BR" sz="1600" dirty="0" smtClean="0">
-                <a:latin typeface="Arial" panose="020B0604020202020204" pitchFamily="34" charset="0"/>
-                <a:cs typeface="Arial" panose="020B0604020202020204" pitchFamily="34" charset="0"/>
-              </a:rPr>
               <a:t>Se o produto estiver muito danificado, devolver o produto e não realizar a troca</a:t>
             </a:r>
-            <a:endParaRPr lang="pt-BR" sz="1600" dirty="0" smtClean="0">
-              <a:latin typeface="Arial" panose="020B0604020202020204" pitchFamily="34" charset="0"/>
-              <a:cs typeface="Arial" panose="020B0604020202020204" pitchFamily="34" charset="0"/>
-            </a:endParaRPr>
           </a:p>
           <a:p>
             <a:r>
@@ -8675,28 +8643,7 @@
                 <a:latin typeface="Arial" panose="020B0604020202020204" pitchFamily="34" charset="0"/>
                 <a:cs typeface="Arial" panose="020B0604020202020204" pitchFamily="34" charset="0"/>
               </a:rPr>
-              <a:t>Fazer a troca e e</a:t>
-            </a:r>
-            <a:r>
-              <a:rPr lang="pt-BR" sz="1600" dirty="0" smtClean="0">
-                <a:latin typeface="Arial" panose="020B0604020202020204" pitchFamily="34" charset="0"/>
-                <a:cs typeface="Arial" panose="020B0604020202020204" pitchFamily="34" charset="0"/>
-              </a:rPr>
-              <a:t>ntregar </a:t>
-            </a:r>
-            <a:r>
-              <a:rPr lang="pt-BR" sz="1600" dirty="0" smtClean="0">
-                <a:latin typeface="Arial" panose="020B0604020202020204" pitchFamily="34" charset="0"/>
-                <a:cs typeface="Arial" panose="020B0604020202020204" pitchFamily="34" charset="0"/>
-              </a:rPr>
-              <a:t>o produto</a:t>
-            </a:r>
-            <a:r>
-              <a:rPr lang="pt-BR" sz="1600" dirty="0" smtClean="0">
-                <a:latin typeface="Arial" panose="020B0604020202020204" pitchFamily="34" charset="0"/>
-                <a:cs typeface="Arial" panose="020B0604020202020204" pitchFamily="34" charset="0"/>
-              </a:rPr>
-              <a:t>.</a:t>
+              <a:t>Fazer a troca e entregar o produto.</a:t>
             </a:r>
             <a:endParaRPr lang="pt-BR" sz="1600" dirty="0">
               <a:latin typeface="Arial" panose="020B0604020202020204" pitchFamily="34" charset="0"/>
@@ -9231,14 +9178,17 @@
                 <a:latin typeface="Arial" panose="020B0604020202020204" pitchFamily="34" charset="0"/>
                 <a:cs typeface="Arial" panose="020B0604020202020204" pitchFamily="34" charset="0"/>
               </a:rPr>
-              <a:t>Indisponível+ </a:t>
-            </a:r>
+              <a:t>Indisponível+ pagamento</a:t>
+            </a:r>
+          </a:p>
+          <a:p>
+            <a:pPr algn="ctr"/>
             <a:r>
               <a:rPr lang="pt-BR" sz="1200" dirty="0" smtClean="0">
                 <a:latin typeface="Arial" panose="020B0604020202020204" pitchFamily="34" charset="0"/>
                 <a:cs typeface="Arial" panose="020B0604020202020204" pitchFamily="34" charset="0"/>
               </a:rPr>
-              <a:t>pagamento</a:t>
+              <a:t>+</a:t>
             </a:r>
           </a:p>
           <a:p>
@@ -9248,22 +9198,8 @@
                 <a:latin typeface="Arial" panose="020B0604020202020204" pitchFamily="34" charset="0"/>
                 <a:cs typeface="Arial" panose="020B0604020202020204" pitchFamily="34" charset="0"/>
               </a:rPr>
-              <a:t>+</a:t>
-            </a:r>
-          </a:p>
-          <a:p>
-            <a:pPr algn="ctr"/>
-            <a:r>
-              <a:rPr lang="pt-BR" sz="1200" dirty="0" smtClean="0">
-                <a:latin typeface="Arial" panose="020B0604020202020204" pitchFamily="34" charset="0"/>
-                <a:cs typeface="Arial" panose="020B0604020202020204" pitchFamily="34" charset="0"/>
-              </a:rPr>
               <a:t>(estorno)</a:t>
             </a:r>
-            <a:endParaRPr lang="pt-BR" sz="1200" dirty="0" smtClean="0">
-              <a:latin typeface="Arial" panose="020B0604020202020204" pitchFamily="34" charset="0"/>
-              <a:cs typeface="Arial" panose="020B0604020202020204" pitchFamily="34" charset="0"/>
-            </a:endParaRPr>
           </a:p>
         </p:txBody>
       </p:sp>
@@ -9518,7 +9454,7 @@
           <p:cNvPr id="28" name="Espaço Reservado para Conteúdo 2">
             <a:extLst>
               <a:ext uri="{FF2B5EF4-FFF2-40B4-BE49-F238E27FC236}">
-                <a16:creationId xmlns="" xmlns:a16="http://schemas.microsoft.com/office/drawing/2014/main" id="{F21868BC-3263-4148-A116-9A1B781D7959}"/>
+                <a16:creationId xmlns:a16="http://schemas.microsoft.com/office/drawing/2014/main" xmlns="" id="{F21868BC-3263-4148-A116-9A1B781D7959}"/>
               </a:ext>
             </a:extLst>
           </p:cNvPr>
@@ -9736,10 +9672,6 @@
               </a:rPr>
               <a:t>produto</a:t>
             </a:r>
-            <a:endParaRPr lang="pt-BR" sz="1600" dirty="0" smtClean="0">
-              <a:latin typeface="Arial" panose="020B0604020202020204" pitchFamily="34" charset="0"/>
-              <a:cs typeface="Arial" panose="020B0604020202020204" pitchFamily="34" charset="0"/>
-            </a:endParaRPr>
           </a:p>
           <a:p>
             <a:pPr marL="0" indent="0">
@@ -9758,19 +9690,8 @@
                 <a:latin typeface="Arial" panose="020B0604020202020204" pitchFamily="34" charset="0"/>
                 <a:cs typeface="Arial" panose="020B0604020202020204" pitchFamily="34" charset="0"/>
               </a:rPr>
-              <a:t>: Cliente faz </a:t>
-            </a:r>
-            <a:r>
-              <a:rPr lang="pt-BR" sz="1600" dirty="0" smtClean="0">
-                <a:latin typeface="Arial" panose="020B0604020202020204" pitchFamily="34" charset="0"/>
-                <a:cs typeface="Arial" panose="020B0604020202020204" pitchFamily="34" charset="0"/>
-              </a:rPr>
-              <a:t>troca por outro produto</a:t>
-            </a:r>
-            <a:endParaRPr lang="pt-BR" sz="1600" dirty="0" smtClean="0">
-              <a:latin typeface="Arial" panose="020B0604020202020204" pitchFamily="34" charset="0"/>
-              <a:cs typeface="Arial" panose="020B0604020202020204" pitchFamily="34" charset="0"/>
-            </a:endParaRPr>
+              <a:t>: Cliente faz troca por outro produto</a:t>
+            </a:r>
           </a:p>
           <a:p>
             <a:pPr marL="0" indent="0">
@@ -9812,14 +9733,16 @@
                 <a:latin typeface="Arial" panose="020B0604020202020204" pitchFamily="34" charset="0"/>
                 <a:cs typeface="Arial" panose="020B0604020202020204" pitchFamily="34" charset="0"/>
               </a:rPr>
-              <a:t> produto da troca</a:t>
-            </a:r>
+              <a:t> produto da troca.</a:t>
+            </a:r>
+          </a:p>
+          <a:p>
             <a:r>
               <a:rPr lang="pt-BR" sz="1600" dirty="0" smtClean="0">
                 <a:latin typeface="Arial" panose="020B0604020202020204" pitchFamily="34" charset="0"/>
                 <a:cs typeface="Arial" panose="020B0604020202020204" pitchFamily="34" charset="0"/>
               </a:rPr>
-              <a:t>.</a:t>
+              <a:t>Verificar o pedido.</a:t>
             </a:r>
           </a:p>
           <a:p>
@@ -9828,42 +9751,18 @@
                 <a:latin typeface="Arial" panose="020B0604020202020204" pitchFamily="34" charset="0"/>
                 <a:cs typeface="Arial" panose="020B0604020202020204" pitchFamily="34" charset="0"/>
               </a:rPr>
-              <a:t>Verificar o pedido.</a:t>
-            </a:r>
-            <a:endParaRPr lang="pt-BR" sz="1600" dirty="0" smtClean="0">
-              <a:latin typeface="Arial" panose="020B0604020202020204" pitchFamily="34" charset="0"/>
-              <a:cs typeface="Arial" panose="020B0604020202020204" pitchFamily="34" charset="0"/>
-            </a:endParaRPr>
-          </a:p>
-          <a:p>
+              <a:t>Verificar o produto.</a:t>
+            </a:r>
+          </a:p>
+          <a:p>
+            <a:pPr lvl="1"/>
             <a:r>
               <a:rPr lang="pt-BR" sz="1600" dirty="0" smtClean="0">
                 <a:latin typeface="Arial" panose="020B0604020202020204" pitchFamily="34" charset="0"/>
                 <a:cs typeface="Arial" panose="020B0604020202020204" pitchFamily="34" charset="0"/>
               </a:rPr>
-              <a:t>Verificar </a:t>
-            </a:r>
-            <a:r>
-              <a:rPr lang="pt-BR" sz="1600" dirty="0" smtClean="0">
-                <a:latin typeface="Arial" panose="020B0604020202020204" pitchFamily="34" charset="0"/>
-                <a:cs typeface="Arial" panose="020B0604020202020204" pitchFamily="34" charset="0"/>
-              </a:rPr>
-              <a:t>o produto.</a:t>
-            </a:r>
-          </a:p>
-          <a:p>
-            <a:pPr lvl="1"/>
-            <a:r>
-              <a:rPr lang="pt-BR" sz="1600" dirty="0" smtClean="0">
-                <a:latin typeface="Arial" panose="020B0604020202020204" pitchFamily="34" charset="0"/>
-                <a:cs typeface="Arial" panose="020B0604020202020204" pitchFamily="34" charset="0"/>
-              </a:rPr>
               <a:t>Se o produto estiver danificado, devolver o produto e não realizar a troca</a:t>
             </a:r>
-            <a:endParaRPr lang="pt-BR" sz="1600" dirty="0" smtClean="0">
-              <a:latin typeface="Arial" panose="020B0604020202020204" pitchFamily="34" charset="0"/>
-              <a:cs typeface="Arial" panose="020B0604020202020204" pitchFamily="34" charset="0"/>
-            </a:endParaRPr>
           </a:p>
           <a:p>
             <a:r>
@@ -9884,28 +9783,7 @@
                 <a:latin typeface="Arial" panose="020B0604020202020204" pitchFamily="34" charset="0"/>
                 <a:cs typeface="Arial" panose="020B0604020202020204" pitchFamily="34" charset="0"/>
               </a:rPr>
-              <a:t>Fazer a troca e e</a:t>
-            </a:r>
-            <a:r>
-              <a:rPr lang="pt-BR" sz="1600" dirty="0" smtClean="0">
-                <a:latin typeface="Arial" panose="020B0604020202020204" pitchFamily="34" charset="0"/>
-                <a:cs typeface="Arial" panose="020B0604020202020204" pitchFamily="34" charset="0"/>
-              </a:rPr>
-              <a:t>ntregar </a:t>
-            </a:r>
-            <a:r>
-              <a:rPr lang="pt-BR" sz="1600" dirty="0" smtClean="0">
-                <a:latin typeface="Arial" panose="020B0604020202020204" pitchFamily="34" charset="0"/>
-                <a:cs typeface="Arial" panose="020B0604020202020204" pitchFamily="34" charset="0"/>
-              </a:rPr>
-              <a:t>o produto</a:t>
-            </a:r>
-            <a:r>
-              <a:rPr lang="pt-BR" sz="1600" dirty="0" smtClean="0">
-                <a:latin typeface="Arial" panose="020B0604020202020204" pitchFamily="34" charset="0"/>
-                <a:cs typeface="Arial" panose="020B0604020202020204" pitchFamily="34" charset="0"/>
-              </a:rPr>
-              <a:t>.</a:t>
+              <a:t>Fazer a troca e entregar o produto.</a:t>
             </a:r>
             <a:endParaRPr lang="pt-BR" sz="1600" dirty="0">
               <a:latin typeface="Arial" panose="020B0604020202020204" pitchFamily="34" charset="0"/>
@@ -9954,6 +9832,1064 @@
     <p:extLst>
       <p:ext uri="{BB962C8B-B14F-4D97-AF65-F5344CB8AC3E}">
         <p14:creationId xmlns:p14="http://schemas.microsoft.com/office/powerpoint/2010/main" val="696759097"/>
+      </p:ext>
+    </p:extLst>
+  </p:cSld>
+  <p:clrMapOvr>
+    <a:masterClrMapping/>
+  </p:clrMapOvr>
+</p:sld>
+</file>
+
+<file path=ppt/slides/slide7.xml><?xml version="1.0" encoding="utf-8"?>
+<p:sld xmlns:a="http://schemas.openxmlformats.org/drawingml/2006/main" xmlns:r="http://schemas.openxmlformats.org/officeDocument/2006/relationships" xmlns:p="http://schemas.openxmlformats.org/presentationml/2006/main">
+  <p:cSld>
+    <p:spTree>
+      <p:nvGrpSpPr>
+        <p:cNvPr id="1" name=""/>
+        <p:cNvGrpSpPr/>
+        <p:nvPr/>
+      </p:nvGrpSpPr>
+      <p:grpSpPr>
+        <a:xfrm>
+          <a:off x="0" y="0"/>
+          <a:ext cx="0" cy="0"/>
+          <a:chOff x="0" y="0"/>
+          <a:chExt cx="0" cy="0"/>
+        </a:xfrm>
+      </p:grpSpPr>
+      <p:sp>
+        <p:nvSpPr>
+          <p:cNvPr id="2" name="Título 1"/>
+          <p:cNvSpPr txBox="1">
+            <a:spLocks/>
+          </p:cNvSpPr>
+          <p:nvPr/>
+        </p:nvSpPr>
+        <p:spPr>
+          <a:xfrm>
+            <a:off x="29982" y="63740"/>
+            <a:ext cx="10515600" cy="730740"/>
+          </a:xfrm>
+          <a:prstGeom prst="rect">
+            <a:avLst/>
+          </a:prstGeom>
+        </p:spPr>
+        <p:txBody>
+          <a:bodyPr/>
+          <a:lstStyle>
+            <a:lvl1pPr algn="l" defTabSz="914400" rtl="0" eaLnBrk="1" latinLnBrk="0" hangingPunct="1">
+              <a:lnSpc>
+                <a:spcPct val="90000"/>
+              </a:lnSpc>
+              <a:spcBef>
+                <a:spcPct val="0"/>
+              </a:spcBef>
+              <a:buNone/>
+              <a:defRPr sz="4400" kern="1200">
+                <a:solidFill>
+                  <a:schemeClr val="tx1"/>
+                </a:solidFill>
+                <a:latin typeface="+mj-lt"/>
+                <a:ea typeface="+mj-ea"/>
+                <a:cs typeface="+mj-cs"/>
+              </a:defRPr>
+            </a:lvl1pPr>
+          </a:lstStyle>
+          <a:p>
+            <a:r>
+              <a:rPr lang="pt-BR" dirty="0" smtClean="0"/>
+              <a:t>Capacidade: Retirar produto</a:t>
+            </a:r>
+            <a:endParaRPr lang="pt-BR" dirty="0"/>
+          </a:p>
+        </p:txBody>
+      </p:sp>
+      <p:sp>
+        <p:nvSpPr>
+          <p:cNvPr id="3" name="Retângulo 2"/>
+          <p:cNvSpPr/>
+          <p:nvPr/>
+        </p:nvSpPr>
+        <p:spPr>
+          <a:xfrm>
+            <a:off x="4126569" y="1767413"/>
+            <a:ext cx="929390" cy="599607"/>
+          </a:xfrm>
+          <a:prstGeom prst="rect">
+            <a:avLst/>
+          </a:prstGeom>
+          <a:noFill/>
+          <a:ln>
+            <a:solidFill>
+              <a:schemeClr val="tx1"/>
+            </a:solidFill>
+          </a:ln>
+        </p:spPr>
+        <p:style>
+          <a:lnRef idx="2">
+            <a:schemeClr val="accent1">
+              <a:shade val="50000"/>
+            </a:schemeClr>
+          </a:lnRef>
+          <a:fillRef idx="1">
+            <a:schemeClr val="accent1"/>
+          </a:fillRef>
+          <a:effectRef idx="0">
+            <a:schemeClr val="accent1"/>
+          </a:effectRef>
+          <a:fontRef idx="minor">
+            <a:schemeClr val="lt1"/>
+          </a:fontRef>
+        </p:style>
+        <p:txBody>
+          <a:bodyPr rtlCol="0" anchor="ctr"/>
+          <a:lstStyle/>
+          <a:p>
+            <a:pPr algn="ctr"/>
+            <a:endParaRPr lang="pt-BR"/>
+          </a:p>
+        </p:txBody>
+      </p:sp>
+      <p:sp>
+        <p:nvSpPr>
+          <p:cNvPr id="4" name="CaixaDeTexto 3"/>
+          <p:cNvSpPr txBox="1"/>
+          <p:nvPr/>
+        </p:nvSpPr>
+        <p:spPr>
+          <a:xfrm>
+            <a:off x="4271475" y="1912640"/>
+            <a:ext cx="689548" cy="276999"/>
+          </a:xfrm>
+          <a:prstGeom prst="rect">
+            <a:avLst/>
+          </a:prstGeom>
+          <a:solidFill>
+            <a:schemeClr val="bg1"/>
+          </a:solidFill>
+        </p:spPr>
+        <p:txBody>
+          <a:bodyPr wrap="square" rtlCol="0">
+            <a:spAutoFit/>
+          </a:bodyPr>
+          <a:lstStyle/>
+          <a:p>
+            <a:r>
+              <a:rPr lang="pt-BR" sz="1200" dirty="0" smtClean="0">
+                <a:latin typeface="Arial" panose="020B0604020202020204" pitchFamily="34" charset="0"/>
+                <a:cs typeface="Arial" panose="020B0604020202020204" pitchFamily="34" charset="0"/>
+              </a:rPr>
+              <a:t>Cliente</a:t>
+            </a:r>
+          </a:p>
+        </p:txBody>
+      </p:sp>
+      <p:cxnSp>
+        <p:nvCxnSpPr>
+          <p:cNvPr id="5" name="Conector de seta reta 4"/>
+          <p:cNvCxnSpPr/>
+          <p:nvPr/>
+        </p:nvCxnSpPr>
+        <p:spPr>
+          <a:xfrm>
+            <a:off x="4591264" y="2367020"/>
+            <a:ext cx="6" cy="884417"/>
+          </a:xfrm>
+          <a:prstGeom prst="straightConnector1">
+            <a:avLst/>
+          </a:prstGeom>
+          <a:ln>
+            <a:solidFill>
+              <a:schemeClr val="tx1"/>
+            </a:solidFill>
+            <a:tailEnd type="triangle"/>
+          </a:ln>
+        </p:spPr>
+        <p:style>
+          <a:lnRef idx="1">
+            <a:schemeClr val="accent1"/>
+          </a:lnRef>
+          <a:fillRef idx="0">
+            <a:schemeClr val="accent1"/>
+          </a:fillRef>
+          <a:effectRef idx="0">
+            <a:schemeClr val="accent1"/>
+          </a:effectRef>
+          <a:fontRef idx="minor">
+            <a:schemeClr val="tx1"/>
+          </a:fontRef>
+        </p:style>
+      </p:cxnSp>
+      <p:sp>
+        <p:nvSpPr>
+          <p:cNvPr id="6" name="Elipse 5"/>
+          <p:cNvSpPr/>
+          <p:nvPr/>
+        </p:nvSpPr>
+        <p:spPr>
+          <a:xfrm>
+            <a:off x="4239001" y="3251437"/>
+            <a:ext cx="846938" cy="791983"/>
+          </a:xfrm>
+          <a:prstGeom prst="ellipse">
+            <a:avLst/>
+          </a:prstGeom>
+          <a:noFill/>
+          <a:ln>
+            <a:solidFill>
+              <a:schemeClr val="tx1"/>
+            </a:solidFill>
+          </a:ln>
+        </p:spPr>
+        <p:style>
+          <a:lnRef idx="2">
+            <a:schemeClr val="accent1">
+              <a:shade val="50000"/>
+            </a:schemeClr>
+          </a:lnRef>
+          <a:fillRef idx="1">
+            <a:schemeClr val="accent1"/>
+          </a:fillRef>
+          <a:effectRef idx="0">
+            <a:schemeClr val="accent1"/>
+          </a:effectRef>
+          <a:fontRef idx="minor">
+            <a:schemeClr val="lt1"/>
+          </a:fontRef>
+        </p:style>
+        <p:txBody>
+          <a:bodyPr rtlCol="0" anchor="ctr"/>
+          <a:lstStyle/>
+          <a:p>
+            <a:pPr algn="ctr"/>
+            <a:endParaRPr lang="pt-BR"/>
+          </a:p>
+        </p:txBody>
+      </p:sp>
+      <p:cxnSp>
+        <p:nvCxnSpPr>
+          <p:cNvPr id="7" name="Conector reto 6"/>
+          <p:cNvCxnSpPr/>
+          <p:nvPr/>
+        </p:nvCxnSpPr>
+        <p:spPr>
+          <a:xfrm>
+            <a:off x="4094104" y="4540632"/>
+            <a:ext cx="1049303" cy="0"/>
+          </a:xfrm>
+          <a:prstGeom prst="line">
+            <a:avLst/>
+          </a:prstGeom>
+          <a:ln>
+            <a:solidFill>
+              <a:schemeClr val="tx1"/>
+            </a:solidFill>
+          </a:ln>
+        </p:spPr>
+        <p:style>
+          <a:lnRef idx="1">
+            <a:schemeClr val="accent1"/>
+          </a:lnRef>
+          <a:fillRef idx="0">
+            <a:schemeClr val="accent1"/>
+          </a:fillRef>
+          <a:effectRef idx="0">
+            <a:schemeClr val="accent1"/>
+          </a:effectRef>
+          <a:fontRef idx="minor">
+            <a:schemeClr val="tx1"/>
+          </a:fontRef>
+        </p:style>
+      </p:cxnSp>
+      <p:cxnSp>
+        <p:nvCxnSpPr>
+          <p:cNvPr id="8" name="Conector reto 7"/>
+          <p:cNvCxnSpPr/>
+          <p:nvPr/>
+        </p:nvCxnSpPr>
+        <p:spPr>
+          <a:xfrm>
+            <a:off x="4081614" y="4947862"/>
+            <a:ext cx="1049303" cy="0"/>
+          </a:xfrm>
+          <a:prstGeom prst="line">
+            <a:avLst/>
+          </a:prstGeom>
+          <a:ln>
+            <a:solidFill>
+              <a:schemeClr val="tx1"/>
+            </a:solidFill>
+          </a:ln>
+        </p:spPr>
+        <p:style>
+          <a:lnRef idx="1">
+            <a:schemeClr val="accent1"/>
+          </a:lnRef>
+          <a:fillRef idx="0">
+            <a:schemeClr val="accent1"/>
+          </a:fillRef>
+          <a:effectRef idx="0">
+            <a:schemeClr val="accent1"/>
+          </a:effectRef>
+          <a:fontRef idx="minor">
+            <a:schemeClr val="tx1"/>
+          </a:fontRef>
+        </p:style>
+      </p:cxnSp>
+      <p:sp>
+        <p:nvSpPr>
+          <p:cNvPr id="9" name="CaixaDeTexto 8"/>
+          <p:cNvSpPr txBox="1"/>
+          <p:nvPr/>
+        </p:nvSpPr>
+        <p:spPr>
+          <a:xfrm>
+            <a:off x="4187790" y="4600908"/>
+            <a:ext cx="836949" cy="276999"/>
+          </a:xfrm>
+          <a:prstGeom prst="rect">
+            <a:avLst/>
+          </a:prstGeom>
+          <a:solidFill>
+            <a:schemeClr val="bg1"/>
+          </a:solidFill>
+        </p:spPr>
+        <p:txBody>
+          <a:bodyPr wrap="square" rtlCol="0">
+            <a:spAutoFit/>
+          </a:bodyPr>
+          <a:lstStyle/>
+          <a:p>
+            <a:r>
+              <a:rPr lang="pt-BR" sz="1200" dirty="0" smtClean="0">
+                <a:latin typeface="Arial" panose="020B0604020202020204" pitchFamily="34" charset="0"/>
+                <a:cs typeface="Arial" panose="020B0604020202020204" pitchFamily="34" charset="0"/>
+              </a:rPr>
+              <a:t>Produto</a:t>
+            </a:r>
+          </a:p>
+        </p:txBody>
+      </p:sp>
+      <p:cxnSp>
+        <p:nvCxnSpPr>
+          <p:cNvPr id="10" name="Conector em curva 9"/>
+          <p:cNvCxnSpPr>
+            <a:stCxn id="18" idx="3"/>
+          </p:cNvCxnSpPr>
+          <p:nvPr/>
+        </p:nvCxnSpPr>
+        <p:spPr>
+          <a:xfrm flipH="1" flipV="1">
+            <a:off x="5055959" y="2067218"/>
+            <a:ext cx="100813" cy="1520278"/>
+          </a:xfrm>
+          <a:prstGeom prst="curvedConnector4">
+            <a:avLst>
+              <a:gd name="adj1" fmla="val -370728"/>
+              <a:gd name="adj2" fmla="val 104316"/>
+            </a:avLst>
+          </a:prstGeom>
+          <a:ln>
+            <a:solidFill>
+              <a:schemeClr val="tx1"/>
+            </a:solidFill>
+            <a:tailEnd type="triangle"/>
+          </a:ln>
+        </p:spPr>
+        <p:style>
+          <a:lnRef idx="1">
+            <a:schemeClr val="accent1"/>
+          </a:lnRef>
+          <a:fillRef idx="0">
+            <a:schemeClr val="accent1"/>
+          </a:fillRef>
+          <a:effectRef idx="0">
+            <a:schemeClr val="accent1"/>
+          </a:effectRef>
+          <a:fontRef idx="minor">
+            <a:schemeClr val="tx1"/>
+          </a:fontRef>
+        </p:style>
+      </p:cxnSp>
+      <p:sp>
+        <p:nvSpPr>
+          <p:cNvPr id="11" name="CaixaDeTexto 10"/>
+          <p:cNvSpPr txBox="1"/>
+          <p:nvPr/>
+        </p:nvSpPr>
+        <p:spPr>
+          <a:xfrm>
+            <a:off x="4988502" y="2704614"/>
+            <a:ext cx="1026837" cy="276999"/>
+          </a:xfrm>
+          <a:prstGeom prst="rect">
+            <a:avLst/>
+          </a:prstGeom>
+          <a:solidFill>
+            <a:schemeClr val="bg1"/>
+          </a:solidFill>
+        </p:spPr>
+        <p:txBody>
+          <a:bodyPr wrap="square" rtlCol="0">
+            <a:spAutoFit/>
+          </a:bodyPr>
+          <a:lstStyle/>
+          <a:p>
+            <a:pPr algn="ctr"/>
+            <a:r>
+              <a:rPr lang="pt-BR" sz="1200" dirty="0" smtClean="0">
+                <a:latin typeface="Arial" panose="020B0604020202020204" pitchFamily="34" charset="0"/>
+                <a:cs typeface="Arial" panose="020B0604020202020204" pitchFamily="34" charset="0"/>
+              </a:rPr>
+              <a:t>Produto</a:t>
+            </a:r>
+          </a:p>
+        </p:txBody>
+      </p:sp>
+      <p:cxnSp>
+        <p:nvCxnSpPr>
+          <p:cNvPr id="12" name="Conector em curva 11"/>
+          <p:cNvCxnSpPr/>
+          <p:nvPr/>
+        </p:nvCxnSpPr>
+        <p:spPr>
+          <a:xfrm rot="10800000">
+            <a:off x="4126569" y="2067218"/>
+            <a:ext cx="112432" cy="1506509"/>
+          </a:xfrm>
+          <a:prstGeom prst="curvedConnector3">
+            <a:avLst>
+              <a:gd name="adj1" fmla="val 716635"/>
+            </a:avLst>
+          </a:prstGeom>
+          <a:ln>
+            <a:solidFill>
+              <a:schemeClr val="tx1"/>
+            </a:solidFill>
+            <a:tailEnd type="triangle"/>
+          </a:ln>
+        </p:spPr>
+        <p:style>
+          <a:lnRef idx="1">
+            <a:schemeClr val="accent1"/>
+          </a:lnRef>
+          <a:fillRef idx="0">
+            <a:schemeClr val="accent1"/>
+          </a:fillRef>
+          <a:effectRef idx="0">
+            <a:schemeClr val="accent1"/>
+          </a:effectRef>
+          <a:fontRef idx="minor">
+            <a:schemeClr val="tx1"/>
+          </a:fontRef>
+        </p:style>
+      </p:cxnSp>
+      <p:sp>
+        <p:nvSpPr>
+          <p:cNvPr id="13" name="CaixaDeTexto 12"/>
+          <p:cNvSpPr txBox="1"/>
+          <p:nvPr/>
+        </p:nvSpPr>
+        <p:spPr>
+          <a:xfrm>
+            <a:off x="2841160" y="2486062"/>
+            <a:ext cx="1457795" cy="461665"/>
+          </a:xfrm>
+          <a:prstGeom prst="rect">
+            <a:avLst/>
+          </a:prstGeom>
+          <a:solidFill>
+            <a:schemeClr val="bg1"/>
+          </a:solidFill>
+        </p:spPr>
+        <p:txBody>
+          <a:bodyPr wrap="square" rtlCol="0">
+            <a:spAutoFit/>
+          </a:bodyPr>
+          <a:lstStyle/>
+          <a:p>
+            <a:r>
+              <a:rPr lang="pt-BR" sz="1200" dirty="0" smtClean="0">
+                <a:latin typeface="Arial" panose="020B0604020202020204" pitchFamily="34" charset="0"/>
+                <a:cs typeface="Arial" panose="020B0604020202020204" pitchFamily="34" charset="0"/>
+              </a:rPr>
+              <a:t>Produto </a:t>
+            </a:r>
+          </a:p>
+          <a:p>
+            <a:r>
+              <a:rPr lang="pt-BR" sz="1200" dirty="0" smtClean="0">
+                <a:latin typeface="Arial" panose="020B0604020202020204" pitchFamily="34" charset="0"/>
+                <a:cs typeface="Arial" panose="020B0604020202020204" pitchFamily="34" charset="0"/>
+              </a:rPr>
+              <a:t>indisponível</a:t>
+            </a:r>
+          </a:p>
+        </p:txBody>
+      </p:sp>
+      <p:cxnSp>
+        <p:nvCxnSpPr>
+          <p:cNvPr id="14" name="Conector reto 13"/>
+          <p:cNvCxnSpPr/>
+          <p:nvPr/>
+        </p:nvCxnSpPr>
+        <p:spPr>
+          <a:xfrm>
+            <a:off x="2810255" y="4545630"/>
+            <a:ext cx="1049303" cy="0"/>
+          </a:xfrm>
+          <a:prstGeom prst="line">
+            <a:avLst/>
+          </a:prstGeom>
+          <a:ln>
+            <a:solidFill>
+              <a:schemeClr val="tx1"/>
+            </a:solidFill>
+          </a:ln>
+        </p:spPr>
+        <p:style>
+          <a:lnRef idx="1">
+            <a:schemeClr val="accent1"/>
+          </a:lnRef>
+          <a:fillRef idx="0">
+            <a:schemeClr val="accent1"/>
+          </a:fillRef>
+          <a:effectRef idx="0">
+            <a:schemeClr val="accent1"/>
+          </a:effectRef>
+          <a:fontRef idx="minor">
+            <a:schemeClr val="tx1"/>
+          </a:fontRef>
+        </p:style>
+      </p:cxnSp>
+      <p:cxnSp>
+        <p:nvCxnSpPr>
+          <p:cNvPr id="15" name="Conector reto 14"/>
+          <p:cNvCxnSpPr/>
+          <p:nvPr/>
+        </p:nvCxnSpPr>
+        <p:spPr>
+          <a:xfrm>
+            <a:off x="2797765" y="4952860"/>
+            <a:ext cx="1049303" cy="0"/>
+          </a:xfrm>
+          <a:prstGeom prst="line">
+            <a:avLst/>
+          </a:prstGeom>
+          <a:ln>
+            <a:solidFill>
+              <a:schemeClr val="tx1"/>
+            </a:solidFill>
+          </a:ln>
+        </p:spPr>
+        <p:style>
+          <a:lnRef idx="1">
+            <a:schemeClr val="accent1"/>
+          </a:lnRef>
+          <a:fillRef idx="0">
+            <a:schemeClr val="accent1"/>
+          </a:fillRef>
+          <a:effectRef idx="0">
+            <a:schemeClr val="accent1"/>
+          </a:effectRef>
+          <a:fontRef idx="minor">
+            <a:schemeClr val="tx1"/>
+          </a:fontRef>
+        </p:style>
+      </p:cxnSp>
+      <p:sp>
+        <p:nvSpPr>
+          <p:cNvPr id="16" name="CaixaDeTexto 15"/>
+          <p:cNvSpPr txBox="1"/>
+          <p:nvPr/>
+        </p:nvSpPr>
+        <p:spPr>
+          <a:xfrm>
+            <a:off x="2820242" y="4600908"/>
+            <a:ext cx="1109277" cy="276999"/>
+          </a:xfrm>
+          <a:prstGeom prst="rect">
+            <a:avLst/>
+          </a:prstGeom>
+          <a:solidFill>
+            <a:schemeClr val="bg1"/>
+          </a:solidFill>
+        </p:spPr>
+        <p:txBody>
+          <a:bodyPr wrap="square" rtlCol="0">
+            <a:spAutoFit/>
+          </a:bodyPr>
+          <a:lstStyle/>
+          <a:p>
+            <a:r>
+              <a:rPr lang="pt-BR" sz="1200" dirty="0" smtClean="0">
+                <a:latin typeface="Arial" panose="020B0604020202020204" pitchFamily="34" charset="0"/>
+                <a:cs typeface="Arial" panose="020B0604020202020204" pitchFamily="34" charset="0"/>
+              </a:rPr>
+              <a:t>Encomenda</a:t>
+            </a:r>
+          </a:p>
+        </p:txBody>
+      </p:sp>
+      <p:cxnSp>
+        <p:nvCxnSpPr>
+          <p:cNvPr id="17" name="Conector de seta reta 16"/>
+          <p:cNvCxnSpPr>
+            <a:stCxn id="6" idx="3"/>
+          </p:cNvCxnSpPr>
+          <p:nvPr/>
+        </p:nvCxnSpPr>
+        <p:spPr>
+          <a:xfrm flipH="1">
+            <a:off x="3574596" y="3927437"/>
+            <a:ext cx="788436" cy="523212"/>
+          </a:xfrm>
+          <a:prstGeom prst="straightConnector1">
+            <a:avLst/>
+          </a:prstGeom>
+          <a:ln>
+            <a:solidFill>
+              <a:schemeClr val="tx1"/>
+            </a:solidFill>
+            <a:headEnd type="triangle"/>
+            <a:tailEnd type="triangle"/>
+          </a:ln>
+        </p:spPr>
+        <p:style>
+          <a:lnRef idx="1">
+            <a:schemeClr val="accent1"/>
+          </a:lnRef>
+          <a:fillRef idx="0">
+            <a:schemeClr val="accent1"/>
+          </a:fillRef>
+          <a:effectRef idx="0">
+            <a:schemeClr val="accent1"/>
+          </a:effectRef>
+          <a:fontRef idx="minor">
+            <a:schemeClr val="tx1"/>
+          </a:fontRef>
+        </p:style>
+      </p:cxnSp>
+      <p:sp>
+        <p:nvSpPr>
+          <p:cNvPr id="18" name="CaixaDeTexto 17"/>
+          <p:cNvSpPr txBox="1"/>
+          <p:nvPr/>
+        </p:nvSpPr>
+        <p:spPr>
+          <a:xfrm>
+            <a:off x="4297549" y="3387441"/>
+            <a:ext cx="859223" cy="400110"/>
+          </a:xfrm>
+          <a:prstGeom prst="rect">
+            <a:avLst/>
+          </a:prstGeom>
+          <a:noFill/>
+        </p:spPr>
+        <p:txBody>
+          <a:bodyPr wrap="square" rtlCol="0">
+            <a:spAutoFit/>
+          </a:bodyPr>
+          <a:lstStyle/>
+          <a:p>
+            <a:r>
+              <a:rPr lang="pt-BR" sz="1000" dirty="0" smtClean="0">
+                <a:latin typeface="Arial" panose="020B0604020202020204" pitchFamily="34" charset="0"/>
+                <a:cs typeface="Arial" panose="020B0604020202020204" pitchFamily="34" charset="0"/>
+              </a:rPr>
+              <a:t>Tratar </a:t>
+            </a:r>
+            <a:endParaRPr lang="pt-BR" sz="1000" dirty="0">
+              <a:latin typeface="Arial" panose="020B0604020202020204" pitchFamily="34" charset="0"/>
+              <a:cs typeface="Arial" panose="020B0604020202020204" pitchFamily="34" charset="0"/>
+            </a:endParaRPr>
+          </a:p>
+          <a:p>
+            <a:r>
+              <a:rPr lang="pt-BR" sz="1000" dirty="0" smtClean="0">
+                <a:latin typeface="Arial" panose="020B0604020202020204" pitchFamily="34" charset="0"/>
+                <a:cs typeface="Arial" panose="020B0604020202020204" pitchFamily="34" charset="0"/>
+              </a:rPr>
+              <a:t>encomenda</a:t>
+            </a:r>
+          </a:p>
+        </p:txBody>
+      </p:sp>
+      <p:sp>
+        <p:nvSpPr>
+          <p:cNvPr id="19" name="CaixaDeTexto 18"/>
+          <p:cNvSpPr txBox="1"/>
+          <p:nvPr/>
+        </p:nvSpPr>
+        <p:spPr>
+          <a:xfrm>
+            <a:off x="4109951" y="2619617"/>
+            <a:ext cx="1046822" cy="461665"/>
+          </a:xfrm>
+          <a:prstGeom prst="rect">
+            <a:avLst/>
+          </a:prstGeom>
+          <a:solidFill>
+            <a:schemeClr val="bg1"/>
+          </a:solidFill>
+        </p:spPr>
+        <p:txBody>
+          <a:bodyPr wrap="square" rtlCol="0">
+            <a:spAutoFit/>
+          </a:bodyPr>
+          <a:lstStyle/>
+          <a:p>
+            <a:r>
+              <a:rPr lang="pt-BR" sz="1200" dirty="0" smtClean="0">
+                <a:latin typeface="Arial" panose="020B0604020202020204" pitchFamily="34" charset="0"/>
+                <a:cs typeface="Arial" panose="020B0604020202020204" pitchFamily="34" charset="0"/>
+              </a:rPr>
+              <a:t>Solicita encomenda</a:t>
+            </a:r>
+          </a:p>
+        </p:txBody>
+      </p:sp>
+      <p:cxnSp>
+        <p:nvCxnSpPr>
+          <p:cNvPr id="20" name="Conector de seta reta 19"/>
+          <p:cNvCxnSpPr>
+            <a:endCxn id="6" idx="4"/>
+          </p:cNvCxnSpPr>
+          <p:nvPr/>
+        </p:nvCxnSpPr>
+        <p:spPr>
+          <a:xfrm flipV="1">
+            <a:off x="4662470" y="4043420"/>
+            <a:ext cx="0" cy="464656"/>
+          </a:xfrm>
+          <a:prstGeom prst="straightConnector1">
+            <a:avLst/>
+          </a:prstGeom>
+          <a:ln>
+            <a:solidFill>
+              <a:schemeClr val="tx1"/>
+            </a:solidFill>
+            <a:tailEnd type="triangle"/>
+          </a:ln>
+        </p:spPr>
+        <p:style>
+          <a:lnRef idx="1">
+            <a:schemeClr val="accent1"/>
+          </a:lnRef>
+          <a:fillRef idx="0">
+            <a:schemeClr val="accent1"/>
+          </a:fillRef>
+          <a:effectRef idx="0">
+            <a:schemeClr val="accent1"/>
+          </a:effectRef>
+          <a:fontRef idx="minor">
+            <a:schemeClr val="tx1"/>
+          </a:fontRef>
+        </p:style>
+      </p:cxnSp>
+      <p:sp>
+        <p:nvSpPr>
+          <p:cNvPr id="21" name="Espaço Reservado para Conteúdo 2">
+            <a:extLst>
+              <a:ext uri="{FF2B5EF4-FFF2-40B4-BE49-F238E27FC236}">
+                <a16:creationId xmlns:a16="http://schemas.microsoft.com/office/drawing/2014/main" xmlns="" id="{F21868BC-3263-4148-A116-9A1B781D7959}"/>
+              </a:ext>
+            </a:extLst>
+          </p:cNvPr>
+          <p:cNvSpPr txBox="1">
+            <a:spLocks/>
+          </p:cNvSpPr>
+          <p:nvPr/>
+        </p:nvSpPr>
+        <p:spPr>
+          <a:xfrm>
+            <a:off x="7629131" y="1541702"/>
+            <a:ext cx="4334163" cy="4351338"/>
+          </a:xfrm>
+          <a:prstGeom prst="rect">
+            <a:avLst/>
+          </a:prstGeom>
+        </p:spPr>
+        <p:txBody>
+          <a:bodyPr>
+            <a:normAutofit/>
+          </a:bodyPr>
+          <a:lstStyle>
+            <a:lvl1pPr marL="228600" indent="-228600" algn="l" defTabSz="914400" rtl="0" eaLnBrk="1" latinLnBrk="0" hangingPunct="1">
+              <a:lnSpc>
+                <a:spcPct val="90000"/>
+              </a:lnSpc>
+              <a:spcBef>
+                <a:spcPts val="1000"/>
+              </a:spcBef>
+              <a:buFont typeface="Arial" panose="020B0604020202020204" pitchFamily="34" charset="0"/>
+              <a:buChar char="•"/>
+              <a:defRPr sz="2800" kern="1200">
+                <a:solidFill>
+                  <a:schemeClr val="tx1"/>
+                </a:solidFill>
+                <a:latin typeface="+mn-lt"/>
+                <a:ea typeface="+mn-ea"/>
+                <a:cs typeface="+mn-cs"/>
+              </a:defRPr>
+            </a:lvl1pPr>
+            <a:lvl2pPr marL="685800" indent="-228600" algn="l" defTabSz="914400" rtl="0" eaLnBrk="1" latinLnBrk="0" hangingPunct="1">
+              <a:lnSpc>
+                <a:spcPct val="90000"/>
+              </a:lnSpc>
+              <a:spcBef>
+                <a:spcPts val="500"/>
+              </a:spcBef>
+              <a:buFont typeface="Arial" panose="020B0604020202020204" pitchFamily="34" charset="0"/>
+              <a:buChar char="•"/>
+              <a:defRPr sz="2400" kern="1200">
+                <a:solidFill>
+                  <a:schemeClr val="tx1"/>
+                </a:solidFill>
+                <a:latin typeface="+mn-lt"/>
+                <a:ea typeface="+mn-ea"/>
+                <a:cs typeface="+mn-cs"/>
+              </a:defRPr>
+            </a:lvl2pPr>
+            <a:lvl3pPr marL="1143000" indent="-228600" algn="l" defTabSz="914400" rtl="0" eaLnBrk="1" latinLnBrk="0" hangingPunct="1">
+              <a:lnSpc>
+                <a:spcPct val="90000"/>
+              </a:lnSpc>
+              <a:spcBef>
+                <a:spcPts val="500"/>
+              </a:spcBef>
+              <a:buFont typeface="Arial" panose="020B0604020202020204" pitchFamily="34" charset="0"/>
+              <a:buChar char="•"/>
+              <a:defRPr sz="2000" kern="1200">
+                <a:solidFill>
+                  <a:schemeClr val="tx1"/>
+                </a:solidFill>
+                <a:latin typeface="+mn-lt"/>
+                <a:ea typeface="+mn-ea"/>
+                <a:cs typeface="+mn-cs"/>
+              </a:defRPr>
+            </a:lvl3pPr>
+            <a:lvl4pPr marL="1600200" indent="-228600" algn="l" defTabSz="914400" rtl="0" eaLnBrk="1" latinLnBrk="0" hangingPunct="1">
+              <a:lnSpc>
+                <a:spcPct val="90000"/>
+              </a:lnSpc>
+              <a:spcBef>
+                <a:spcPts val="500"/>
+              </a:spcBef>
+              <a:buFont typeface="Arial" panose="020B0604020202020204" pitchFamily="34" charset="0"/>
+              <a:buChar char="•"/>
+              <a:defRPr sz="1800" kern="1200">
+                <a:solidFill>
+                  <a:schemeClr val="tx1"/>
+                </a:solidFill>
+                <a:latin typeface="+mn-lt"/>
+                <a:ea typeface="+mn-ea"/>
+                <a:cs typeface="+mn-cs"/>
+              </a:defRPr>
+            </a:lvl4pPr>
+            <a:lvl5pPr marL="2057400" indent="-228600" algn="l" defTabSz="914400" rtl="0" eaLnBrk="1" latinLnBrk="0" hangingPunct="1">
+              <a:lnSpc>
+                <a:spcPct val="90000"/>
+              </a:lnSpc>
+              <a:spcBef>
+                <a:spcPts val="500"/>
+              </a:spcBef>
+              <a:buFont typeface="Arial" panose="020B0604020202020204" pitchFamily="34" charset="0"/>
+              <a:buChar char="•"/>
+              <a:defRPr sz="1800" kern="1200">
+                <a:solidFill>
+                  <a:schemeClr val="tx1"/>
+                </a:solidFill>
+                <a:latin typeface="+mn-lt"/>
+                <a:ea typeface="+mn-ea"/>
+                <a:cs typeface="+mn-cs"/>
+              </a:defRPr>
+            </a:lvl5pPr>
+            <a:lvl6pPr marL="2514600" indent="-228600" algn="l" defTabSz="914400" rtl="0" eaLnBrk="1" latinLnBrk="0" hangingPunct="1">
+              <a:lnSpc>
+                <a:spcPct val="90000"/>
+              </a:lnSpc>
+              <a:spcBef>
+                <a:spcPts val="500"/>
+              </a:spcBef>
+              <a:buFont typeface="Arial" panose="020B0604020202020204" pitchFamily="34" charset="0"/>
+              <a:buChar char="•"/>
+              <a:defRPr sz="1800" kern="1200">
+                <a:solidFill>
+                  <a:schemeClr val="tx1"/>
+                </a:solidFill>
+                <a:latin typeface="+mn-lt"/>
+                <a:ea typeface="+mn-ea"/>
+                <a:cs typeface="+mn-cs"/>
+              </a:defRPr>
+            </a:lvl6pPr>
+            <a:lvl7pPr marL="2971800" indent="-228600" algn="l" defTabSz="914400" rtl="0" eaLnBrk="1" latinLnBrk="0" hangingPunct="1">
+              <a:lnSpc>
+                <a:spcPct val="90000"/>
+              </a:lnSpc>
+              <a:spcBef>
+                <a:spcPts val="500"/>
+              </a:spcBef>
+              <a:buFont typeface="Arial" panose="020B0604020202020204" pitchFamily="34" charset="0"/>
+              <a:buChar char="•"/>
+              <a:defRPr sz="1800" kern="1200">
+                <a:solidFill>
+                  <a:schemeClr val="tx1"/>
+                </a:solidFill>
+                <a:latin typeface="+mn-lt"/>
+                <a:ea typeface="+mn-ea"/>
+                <a:cs typeface="+mn-cs"/>
+              </a:defRPr>
+            </a:lvl7pPr>
+            <a:lvl8pPr marL="3429000" indent="-228600" algn="l" defTabSz="914400" rtl="0" eaLnBrk="1" latinLnBrk="0" hangingPunct="1">
+              <a:lnSpc>
+                <a:spcPct val="90000"/>
+              </a:lnSpc>
+              <a:spcBef>
+                <a:spcPts val="500"/>
+              </a:spcBef>
+              <a:buFont typeface="Arial" panose="020B0604020202020204" pitchFamily="34" charset="0"/>
+              <a:buChar char="•"/>
+              <a:defRPr sz="1800" kern="1200">
+                <a:solidFill>
+                  <a:schemeClr val="tx1"/>
+                </a:solidFill>
+                <a:latin typeface="+mn-lt"/>
+                <a:ea typeface="+mn-ea"/>
+                <a:cs typeface="+mn-cs"/>
+              </a:defRPr>
+            </a:lvl8pPr>
+            <a:lvl9pPr marL="3886200" indent="-228600" algn="l" defTabSz="914400" rtl="0" eaLnBrk="1" latinLnBrk="0" hangingPunct="1">
+              <a:lnSpc>
+                <a:spcPct val="90000"/>
+              </a:lnSpc>
+              <a:spcBef>
+                <a:spcPts val="500"/>
+              </a:spcBef>
+              <a:buFont typeface="Arial" panose="020B0604020202020204" pitchFamily="34" charset="0"/>
+              <a:buChar char="•"/>
+              <a:defRPr sz="1800" kern="1200">
+                <a:solidFill>
+                  <a:schemeClr val="tx1"/>
+                </a:solidFill>
+                <a:latin typeface="+mn-lt"/>
+                <a:ea typeface="+mn-ea"/>
+                <a:cs typeface="+mn-cs"/>
+              </a:defRPr>
+            </a:lvl9pPr>
+          </a:lstStyle>
+          <a:p>
+            <a:pPr marL="0" indent="0">
+              <a:buNone/>
+            </a:pPr>
+            <a:r>
+              <a:rPr lang="pt-BR" sz="1600" b="1" dirty="0" smtClean="0">
+                <a:latin typeface="Arial" panose="020B0604020202020204" pitchFamily="34" charset="0"/>
+                <a:cs typeface="Arial" panose="020B0604020202020204" pitchFamily="34" charset="0"/>
+              </a:rPr>
+              <a:t>Processo</a:t>
+            </a:r>
+            <a:r>
+              <a:rPr lang="pt-BR" sz="1600" dirty="0" smtClean="0">
+                <a:latin typeface="Arial" panose="020B0604020202020204" pitchFamily="34" charset="0"/>
+                <a:cs typeface="Arial" panose="020B0604020202020204" pitchFamily="34" charset="0"/>
+              </a:rPr>
+              <a:t>: Tratar encomenda</a:t>
+            </a:r>
+          </a:p>
+          <a:p>
+            <a:pPr marL="0" indent="0">
+              <a:buFont typeface="Arial" panose="020B0604020202020204" pitchFamily="34" charset="0"/>
+              <a:buNone/>
+            </a:pPr>
+            <a:r>
+              <a:rPr lang="pt-BR" sz="1600" b="1" dirty="0" smtClean="0">
+                <a:latin typeface="Arial" panose="020B0604020202020204" pitchFamily="34" charset="0"/>
+                <a:cs typeface="Arial" panose="020B0604020202020204" pitchFamily="34" charset="0"/>
+              </a:rPr>
+              <a:t>Evento</a:t>
+            </a:r>
+            <a:r>
+              <a:rPr lang="pt-BR" sz="1600" dirty="0" smtClean="0">
+                <a:latin typeface="Arial" panose="020B0604020202020204" pitchFamily="34" charset="0"/>
+                <a:cs typeface="Arial" panose="020B0604020202020204" pitchFamily="34" charset="0"/>
+              </a:rPr>
+              <a:t>: Cliente solicita encomenda</a:t>
+            </a:r>
+          </a:p>
+          <a:p>
+            <a:pPr marL="0" indent="0">
+              <a:buFont typeface="Arial" panose="020B0604020202020204" pitchFamily="34" charset="0"/>
+              <a:buNone/>
+            </a:pPr>
+            <a:r>
+              <a:rPr lang="pt-BR" sz="1600" b="1" dirty="0" smtClean="0">
+                <a:latin typeface="Arial" panose="020B0604020202020204" pitchFamily="34" charset="0"/>
+                <a:cs typeface="Arial" panose="020B0604020202020204" pitchFamily="34" charset="0"/>
+              </a:rPr>
+              <a:t>Trabalhador Envolvido</a:t>
+            </a:r>
+            <a:r>
+              <a:rPr lang="pt-BR" sz="1600" dirty="0" smtClean="0">
+                <a:latin typeface="Arial" panose="020B0604020202020204" pitchFamily="34" charset="0"/>
+                <a:cs typeface="Arial" panose="020B0604020202020204" pitchFamily="34" charset="0"/>
+              </a:rPr>
+              <a:t>: Atendente</a:t>
+            </a:r>
+          </a:p>
+          <a:p>
+            <a:r>
+              <a:rPr lang="pt-BR" sz="1600" dirty="0" smtClean="0">
+                <a:latin typeface="Arial" panose="020B0604020202020204" pitchFamily="34" charset="0"/>
+                <a:cs typeface="Arial" panose="020B0604020202020204" pitchFamily="34" charset="0"/>
+              </a:rPr>
+              <a:t>Verificar a encomenda.</a:t>
+            </a:r>
+          </a:p>
+          <a:p>
+            <a:pPr lvl="1"/>
+            <a:r>
+              <a:rPr lang="pt-BR" sz="1600" dirty="0" smtClean="0">
+                <a:latin typeface="Arial" panose="020B0604020202020204" pitchFamily="34" charset="0"/>
+                <a:cs typeface="Arial" panose="020B0604020202020204" pitchFamily="34" charset="0"/>
+              </a:rPr>
+              <a:t>Se a encomenda estiver indisponível, informar </a:t>
+            </a:r>
+            <a:r>
+              <a:rPr lang="pt-BR" sz="1600" dirty="0">
+                <a:latin typeface="Arial" panose="020B0604020202020204" pitchFamily="34" charset="0"/>
+                <a:cs typeface="Arial" panose="020B0604020202020204" pitchFamily="34" charset="0"/>
+              </a:rPr>
+              <a:t>ao cliente que o produto está indisponível </a:t>
+            </a:r>
+          </a:p>
+          <a:p>
+            <a:r>
+              <a:rPr lang="pt-BR" sz="1600" dirty="0">
+                <a:latin typeface="Arial" panose="020B0604020202020204" pitchFamily="34" charset="0"/>
+                <a:cs typeface="Arial" panose="020B0604020202020204" pitchFamily="34" charset="0"/>
+              </a:rPr>
+              <a:t>E</a:t>
+            </a:r>
+            <a:r>
+              <a:rPr lang="pt-BR" sz="1600" dirty="0" smtClean="0">
+                <a:latin typeface="Arial" panose="020B0604020202020204" pitchFamily="34" charset="0"/>
+                <a:cs typeface="Arial" panose="020B0604020202020204" pitchFamily="34" charset="0"/>
+              </a:rPr>
+              <a:t>ntregar o produto.</a:t>
+            </a:r>
+            <a:endParaRPr lang="pt-BR" sz="1600" dirty="0">
+              <a:latin typeface="Arial" panose="020B0604020202020204" pitchFamily="34" charset="0"/>
+              <a:cs typeface="Arial" panose="020B0604020202020204" pitchFamily="34" charset="0"/>
+            </a:endParaRPr>
+          </a:p>
+        </p:txBody>
+      </p:sp>
+    </p:spTree>
+    <p:extLst>
+      <p:ext uri="{BB962C8B-B14F-4D97-AF65-F5344CB8AC3E}">
+        <p14:creationId xmlns:p14="http://schemas.microsoft.com/office/powerpoint/2010/main" val="1515511078"/>
       </p:ext>
     </p:extLst>
   </p:cSld>
